--- a/Movies app.pptx
+++ b/Movies app.pptx
@@ -118,7 +118,7 @@
   </p:defaultTextStyle>
   <p:extLst>
     <p:ext uri="{EFAFB233-063F-42B5-8137-9DF3F51BA10A}">
-      <p15:sldGuideLst xmlns:p15="http://schemas.microsoft.com/office/powerpoint/2012/main">
+      <p15:sldGuideLst xmlns:p15="http://schemas.microsoft.com/office/powerpoint/2012/main" xmlns="">
         <p15:guide id="2" pos="3840" userDrawn="1">
           <p15:clr>
             <a:srgbClr val="A4A3A4"/>
@@ -132,7 +132,7 @@
       </p15:sldGuideLst>
     </p:ext>
     <p:ext uri="{2D200454-40CA-4A62-9FC3-DE9A4176ACB9}">
-      <p15:notesGuideLst xmlns:p15="http://schemas.microsoft.com/office/powerpoint/2012/main"/>
+      <p15:notesGuideLst xmlns:p15="http://schemas.microsoft.com/office/powerpoint/2012/main" xmlns=""/>
     </p:ext>
   </p:extLst>
 </p:presentation>
@@ -165,7 +165,7 @@
           <p:cNvPr id="2" name="Header Placeholder 1">
             <a:extLst>
               <a:ext uri="{FF2B5EF4-FFF2-40B4-BE49-F238E27FC236}">
-                <a16:creationId xmlns:a16="http://schemas.microsoft.com/office/drawing/2014/main" id="{5A9E02AD-574F-46B1-91CF-758ECD927212}"/>
+                <a16:creationId xmlns:a16="http://schemas.microsoft.com/office/drawing/2014/main" xmlns="" id="{5A9E02AD-574F-46B1-91CF-758ECD927212}"/>
               </a:ext>
             </a:extLst>
           </p:cNvPr>
@@ -202,7 +202,7 @@
           <p:cNvPr id="3" name="Date Placeholder 2">
             <a:extLst>
               <a:ext uri="{FF2B5EF4-FFF2-40B4-BE49-F238E27FC236}">
-                <a16:creationId xmlns:a16="http://schemas.microsoft.com/office/drawing/2014/main" id="{0DCDBB3E-0962-4543-8203-0E0084580CE0}"/>
+                <a16:creationId xmlns:a16="http://schemas.microsoft.com/office/drawing/2014/main" xmlns="" id="{0DCDBB3E-0962-4543-8203-0E0084580CE0}"/>
               </a:ext>
             </a:extLst>
           </p:cNvPr>
@@ -243,7 +243,7 @@
           <p:cNvPr id="4" name="Footer Placeholder 3">
             <a:extLst>
               <a:ext uri="{FF2B5EF4-FFF2-40B4-BE49-F238E27FC236}">
-                <a16:creationId xmlns:a16="http://schemas.microsoft.com/office/drawing/2014/main" id="{DD61A4A7-FC01-4444-9707-74E93BD63497}"/>
+                <a16:creationId xmlns:a16="http://schemas.microsoft.com/office/drawing/2014/main" xmlns="" id="{DD61A4A7-FC01-4444-9707-74E93BD63497}"/>
               </a:ext>
             </a:extLst>
           </p:cNvPr>
@@ -280,7 +280,7 @@
           <p:cNvPr id="5" name="Slide Number Placeholder 4">
             <a:extLst>
               <a:ext uri="{FF2B5EF4-FFF2-40B4-BE49-F238E27FC236}">
-                <a16:creationId xmlns:a16="http://schemas.microsoft.com/office/drawing/2014/main" id="{B28D65D7-8813-49CE-A8BE-42984C5CBDA7}"/>
+                <a16:creationId xmlns:a16="http://schemas.microsoft.com/office/drawing/2014/main" xmlns="" id="{B28D65D7-8813-49CE-A8BE-42984C5CBDA7}"/>
               </a:ext>
             </a:extLst>
           </p:cNvPr>
@@ -699,7 +699,7 @@
           <p:cNvPr id="2" name="Title 1">
             <a:extLst>
               <a:ext uri="{FF2B5EF4-FFF2-40B4-BE49-F238E27FC236}">
-                <a16:creationId xmlns:a16="http://schemas.microsoft.com/office/drawing/2014/main" id="{199AD403-A15F-4A2F-B050-AB874136E732}"/>
+                <a16:creationId xmlns:a16="http://schemas.microsoft.com/office/drawing/2014/main" xmlns="" id="{199AD403-A15F-4A2F-B050-AB874136E732}"/>
               </a:ext>
             </a:extLst>
           </p:cNvPr>
@@ -746,7 +746,7 @@
           <p:cNvPr id="23" name="Text Placeholder 26">
             <a:extLst>
               <a:ext uri="{FF2B5EF4-FFF2-40B4-BE49-F238E27FC236}">
-                <a16:creationId xmlns:a16="http://schemas.microsoft.com/office/drawing/2014/main" id="{5BB088E3-63C1-423F-A939-150B8E1F87A7}"/>
+                <a16:creationId xmlns:a16="http://schemas.microsoft.com/office/drawing/2014/main" xmlns="" id="{5BB088E3-63C1-423F-A939-150B8E1F87A7}"/>
               </a:ext>
             </a:extLst>
           </p:cNvPr>
@@ -815,7 +815,7 @@
           <p:cNvPr id="28" name="Freeform: Shape 27">
             <a:extLst>
               <a:ext uri="{FF2B5EF4-FFF2-40B4-BE49-F238E27FC236}">
-                <a16:creationId xmlns:a16="http://schemas.microsoft.com/office/drawing/2014/main" id="{87A7AFAC-3F6D-48D1-A100-148792529BC6}"/>
+                <a16:creationId xmlns:a16="http://schemas.microsoft.com/office/drawing/2014/main" xmlns="" id="{87A7AFAC-3F6D-48D1-A100-148792529BC6}"/>
               </a:ext>
             </a:extLst>
           </p:cNvPr>
@@ -910,7 +910,7 @@
           <p:cNvPr id="29" name="Freeform: Shape 28">
             <a:extLst>
               <a:ext uri="{FF2B5EF4-FFF2-40B4-BE49-F238E27FC236}">
-                <a16:creationId xmlns:a16="http://schemas.microsoft.com/office/drawing/2014/main" id="{81A4F88F-4E35-4BB3-AD24-CAC580C12F96}"/>
+                <a16:creationId xmlns:a16="http://schemas.microsoft.com/office/drawing/2014/main" xmlns="" id="{81A4F88F-4E35-4BB3-AD24-CAC580C12F96}"/>
               </a:ext>
             </a:extLst>
           </p:cNvPr>
@@ -1018,7 +1018,7 @@
           <p:cNvPr id="30" name="Freeform: Shape 29">
             <a:extLst>
               <a:ext uri="{FF2B5EF4-FFF2-40B4-BE49-F238E27FC236}">
-                <a16:creationId xmlns:a16="http://schemas.microsoft.com/office/drawing/2014/main" id="{592CE00E-F2AB-4099-8BB8-F109C4F2EFDB}"/>
+                <a16:creationId xmlns:a16="http://schemas.microsoft.com/office/drawing/2014/main" xmlns="" id="{592CE00E-F2AB-4099-8BB8-F109C4F2EFDB}"/>
               </a:ext>
             </a:extLst>
           </p:cNvPr>
@@ -1126,7 +1126,7 @@
           <p:cNvPr id="32" name="Freeform: Shape 31">
             <a:extLst>
               <a:ext uri="{FF2B5EF4-FFF2-40B4-BE49-F238E27FC236}">
-                <a16:creationId xmlns:a16="http://schemas.microsoft.com/office/drawing/2014/main" id="{B0920EEC-7CE3-4708-93D2-53699D17E5E3}"/>
+                <a16:creationId xmlns:a16="http://schemas.microsoft.com/office/drawing/2014/main" xmlns="" id="{B0920EEC-7CE3-4708-93D2-53699D17E5E3}"/>
               </a:ext>
             </a:extLst>
           </p:cNvPr>
@@ -1234,7 +1234,7 @@
           <p:cNvPr id="33" name="Freeform: Shape 32">
             <a:extLst>
               <a:ext uri="{FF2B5EF4-FFF2-40B4-BE49-F238E27FC236}">
-                <a16:creationId xmlns:a16="http://schemas.microsoft.com/office/drawing/2014/main" id="{2DF8B751-9294-46D5-B390-5D322195540F}"/>
+                <a16:creationId xmlns:a16="http://schemas.microsoft.com/office/drawing/2014/main" xmlns="" id="{2DF8B751-9294-46D5-B390-5D322195540F}"/>
               </a:ext>
             </a:extLst>
           </p:cNvPr>
@@ -1342,7 +1342,7 @@
           <p:cNvPr id="34" name="Freeform: Shape 33">
             <a:extLst>
               <a:ext uri="{FF2B5EF4-FFF2-40B4-BE49-F238E27FC236}">
-                <a16:creationId xmlns:a16="http://schemas.microsoft.com/office/drawing/2014/main" id="{E0F651C6-BE74-4133-ABA8-316072D4F5B5}"/>
+                <a16:creationId xmlns:a16="http://schemas.microsoft.com/office/drawing/2014/main" xmlns="" id="{E0F651C6-BE74-4133-ABA8-316072D4F5B5}"/>
               </a:ext>
             </a:extLst>
           </p:cNvPr>
@@ -1552,7 +1552,7 @@
           <p:cNvPr id="36" name="Text Placeholder 14">
             <a:extLst>
               <a:ext uri="{FF2B5EF4-FFF2-40B4-BE49-F238E27FC236}">
-                <a16:creationId xmlns:a16="http://schemas.microsoft.com/office/drawing/2014/main" id="{2A3D73F7-77EC-4576-B541-20C032F462DC}"/>
+                <a16:creationId xmlns:a16="http://schemas.microsoft.com/office/drawing/2014/main" xmlns="" id="{2A3D73F7-77EC-4576-B541-20C032F462DC}"/>
               </a:ext>
             </a:extLst>
           </p:cNvPr>
@@ -1600,7 +1600,7 @@
           <p:cNvPr id="40" name="Graphic 37">
             <a:extLst>
               <a:ext uri="{FF2B5EF4-FFF2-40B4-BE49-F238E27FC236}">
-                <a16:creationId xmlns:a16="http://schemas.microsoft.com/office/drawing/2014/main" id="{9F75ED2D-7077-4753-B623-4B9A718EB224}"/>
+                <a16:creationId xmlns:a16="http://schemas.microsoft.com/office/drawing/2014/main" xmlns="" id="{9F75ED2D-7077-4753-B623-4B9A718EB224}"/>
               </a:ext>
             </a:extLst>
           </p:cNvPr>
@@ -1736,7 +1736,7 @@
           <p:cNvPr id="12" name="Graphic 36">
             <a:extLst>
               <a:ext uri="{FF2B5EF4-FFF2-40B4-BE49-F238E27FC236}">
-                <a16:creationId xmlns:a16="http://schemas.microsoft.com/office/drawing/2014/main" id="{21FF5BCF-BC53-4C3F-8B7F-7077B35ADCA8}"/>
+                <a16:creationId xmlns:a16="http://schemas.microsoft.com/office/drawing/2014/main" xmlns="" id="{21FF5BCF-BC53-4C3F-8B7F-7077B35ADCA8}"/>
               </a:ext>
             </a:extLst>
           </p:cNvPr>
@@ -1844,7 +1844,7 @@
           <p:cNvPr id="21" name="Picture Placeholder 20">
             <a:extLst>
               <a:ext uri="{FF2B5EF4-FFF2-40B4-BE49-F238E27FC236}">
-                <a16:creationId xmlns:a16="http://schemas.microsoft.com/office/drawing/2014/main" id="{8C7B70A1-A813-470C-A829-7CC44559C94F}"/>
+                <a16:creationId xmlns:a16="http://schemas.microsoft.com/office/drawing/2014/main" xmlns="" id="{8C7B70A1-A813-470C-A829-7CC44559C94F}"/>
               </a:ext>
             </a:extLst>
           </p:cNvPr>
@@ -2180,7 +2180,7 @@
           <p:cNvPr id="26" name="Picture Placeholder 25">
             <a:extLst>
               <a:ext uri="{FF2B5EF4-FFF2-40B4-BE49-F238E27FC236}">
-                <a16:creationId xmlns:a16="http://schemas.microsoft.com/office/drawing/2014/main" id="{3C229411-48AD-4A50-B02E-041030F18963}"/>
+                <a16:creationId xmlns:a16="http://schemas.microsoft.com/office/drawing/2014/main" xmlns="" id="{3C229411-48AD-4A50-B02E-041030F18963}"/>
               </a:ext>
             </a:extLst>
           </p:cNvPr>
@@ -2331,7 +2331,7 @@
           <p:cNvPr id="2" name="Title 1">
             <a:extLst>
               <a:ext uri="{FF2B5EF4-FFF2-40B4-BE49-F238E27FC236}">
-                <a16:creationId xmlns:a16="http://schemas.microsoft.com/office/drawing/2014/main" id="{199AD403-A15F-4A2F-B050-AB874136E732}"/>
+                <a16:creationId xmlns:a16="http://schemas.microsoft.com/office/drawing/2014/main" xmlns="" id="{199AD403-A15F-4A2F-B050-AB874136E732}"/>
               </a:ext>
             </a:extLst>
           </p:cNvPr>
@@ -2369,7 +2369,7 @@
           <p:cNvPr id="12" name="Freeform: Shape 11">
             <a:extLst>
               <a:ext uri="{FF2B5EF4-FFF2-40B4-BE49-F238E27FC236}">
-                <a16:creationId xmlns:a16="http://schemas.microsoft.com/office/drawing/2014/main" id="{F9E3EED1-7BB3-4B75-BCA9-1C1223740B3C}"/>
+                <a16:creationId xmlns:a16="http://schemas.microsoft.com/office/drawing/2014/main" xmlns="" id="{F9E3EED1-7BB3-4B75-BCA9-1C1223740B3C}"/>
               </a:ext>
             </a:extLst>
           </p:cNvPr>
@@ -2464,7 +2464,7 @@
           <p:cNvPr id="16" name="Freeform: Shape 15">
             <a:extLst>
               <a:ext uri="{FF2B5EF4-FFF2-40B4-BE49-F238E27FC236}">
-                <a16:creationId xmlns:a16="http://schemas.microsoft.com/office/drawing/2014/main" id="{29016A5F-A55B-4605-B66C-5C6E2BF4919F}"/>
+                <a16:creationId xmlns:a16="http://schemas.microsoft.com/office/drawing/2014/main" xmlns="" id="{29016A5F-A55B-4605-B66C-5C6E2BF4919F}"/>
               </a:ext>
             </a:extLst>
           </p:cNvPr>
@@ -2572,7 +2572,7 @@
           <p:cNvPr id="19" name="Text Placeholder 26">
             <a:extLst>
               <a:ext uri="{FF2B5EF4-FFF2-40B4-BE49-F238E27FC236}">
-                <a16:creationId xmlns:a16="http://schemas.microsoft.com/office/drawing/2014/main" id="{9DBE4B29-4897-4A3A-B883-A887BCDA3718}"/>
+                <a16:creationId xmlns:a16="http://schemas.microsoft.com/office/drawing/2014/main" xmlns="" id="{9DBE4B29-4897-4A3A-B883-A887BCDA3718}"/>
               </a:ext>
             </a:extLst>
           </p:cNvPr>
@@ -2629,7 +2629,7 @@
           <p:cNvPr id="20" name="Text Placeholder 26">
             <a:extLst>
               <a:ext uri="{FF2B5EF4-FFF2-40B4-BE49-F238E27FC236}">
-                <a16:creationId xmlns:a16="http://schemas.microsoft.com/office/drawing/2014/main" id="{0EF4532A-9AB5-4545-A83D-BD0E39635727}"/>
+                <a16:creationId xmlns:a16="http://schemas.microsoft.com/office/drawing/2014/main" xmlns="" id="{0EF4532A-9AB5-4545-A83D-BD0E39635727}"/>
               </a:ext>
             </a:extLst>
           </p:cNvPr>
@@ -2686,7 +2686,7 @@
           <p:cNvPr id="21" name="Text Placeholder 26">
             <a:extLst>
               <a:ext uri="{FF2B5EF4-FFF2-40B4-BE49-F238E27FC236}">
-                <a16:creationId xmlns:a16="http://schemas.microsoft.com/office/drawing/2014/main" id="{D579A1F5-9180-47FE-A31B-4E37384383C4}"/>
+                <a16:creationId xmlns:a16="http://schemas.microsoft.com/office/drawing/2014/main" xmlns="" id="{D579A1F5-9180-47FE-A31B-4E37384383C4}"/>
               </a:ext>
             </a:extLst>
           </p:cNvPr>
@@ -2748,7 +2748,7 @@
           <p:cNvPr id="22" name="Text Placeholder 26">
             <a:extLst>
               <a:ext uri="{FF2B5EF4-FFF2-40B4-BE49-F238E27FC236}">
-                <a16:creationId xmlns:a16="http://schemas.microsoft.com/office/drawing/2014/main" id="{71BBF4E8-67FF-4A65-9EC1-AE832CEBE85D}"/>
+                <a16:creationId xmlns:a16="http://schemas.microsoft.com/office/drawing/2014/main" xmlns="" id="{71BBF4E8-67FF-4A65-9EC1-AE832CEBE85D}"/>
               </a:ext>
             </a:extLst>
           </p:cNvPr>
@@ -2805,7 +2805,7 @@
           <p:cNvPr id="23" name="Text Placeholder 26">
             <a:extLst>
               <a:ext uri="{FF2B5EF4-FFF2-40B4-BE49-F238E27FC236}">
-                <a16:creationId xmlns:a16="http://schemas.microsoft.com/office/drawing/2014/main" id="{5BB088E3-63C1-423F-A939-150B8E1F87A7}"/>
+                <a16:creationId xmlns:a16="http://schemas.microsoft.com/office/drawing/2014/main" xmlns="" id="{5BB088E3-63C1-423F-A939-150B8E1F87A7}"/>
               </a:ext>
             </a:extLst>
           </p:cNvPr>
@@ -2867,7 +2867,7 @@
           <p:cNvPr id="3" name="Graphic 23">
             <a:extLst>
               <a:ext uri="{FF2B5EF4-FFF2-40B4-BE49-F238E27FC236}">
-                <a16:creationId xmlns:a16="http://schemas.microsoft.com/office/drawing/2014/main" id="{7E62A657-0B76-4081-A698-3C47F1AFC78E}"/>
+                <a16:creationId xmlns:a16="http://schemas.microsoft.com/office/drawing/2014/main" xmlns="" id="{7E62A657-0B76-4081-A698-3C47F1AFC78E}"/>
               </a:ext>
             </a:extLst>
           </p:cNvPr>
@@ -3003,7 +3003,7 @@
           <p:cNvPr id="25" name="Freeform: Shape 24">
             <a:extLst>
               <a:ext uri="{FF2B5EF4-FFF2-40B4-BE49-F238E27FC236}">
-                <a16:creationId xmlns:a16="http://schemas.microsoft.com/office/drawing/2014/main" id="{C51D0359-A547-4B21-8850-06B9F1CDF9CE}"/>
+                <a16:creationId xmlns:a16="http://schemas.microsoft.com/office/drawing/2014/main" xmlns="" id="{C51D0359-A547-4B21-8850-06B9F1CDF9CE}"/>
               </a:ext>
             </a:extLst>
           </p:cNvPr>
@@ -3141,7 +3141,7 @@
           <p:cNvPr id="2" name="Title 1">
             <a:extLst>
               <a:ext uri="{FF2B5EF4-FFF2-40B4-BE49-F238E27FC236}">
-                <a16:creationId xmlns:a16="http://schemas.microsoft.com/office/drawing/2014/main" id="{199AD403-A15F-4A2F-B050-AB874136E732}"/>
+                <a16:creationId xmlns:a16="http://schemas.microsoft.com/office/drawing/2014/main" xmlns="" id="{199AD403-A15F-4A2F-B050-AB874136E732}"/>
               </a:ext>
             </a:extLst>
           </p:cNvPr>
@@ -3188,7 +3188,7 @@
           <p:cNvPr id="28" name="Freeform: Shape 27">
             <a:extLst>
               <a:ext uri="{FF2B5EF4-FFF2-40B4-BE49-F238E27FC236}">
-                <a16:creationId xmlns:a16="http://schemas.microsoft.com/office/drawing/2014/main" id="{87A7AFAC-3F6D-48D1-A100-148792529BC6}"/>
+                <a16:creationId xmlns:a16="http://schemas.microsoft.com/office/drawing/2014/main" xmlns="" id="{87A7AFAC-3F6D-48D1-A100-148792529BC6}"/>
               </a:ext>
             </a:extLst>
           </p:cNvPr>
@@ -3283,7 +3283,7 @@
           <p:cNvPr id="29" name="Freeform: Shape 28">
             <a:extLst>
               <a:ext uri="{FF2B5EF4-FFF2-40B4-BE49-F238E27FC236}">
-                <a16:creationId xmlns:a16="http://schemas.microsoft.com/office/drawing/2014/main" id="{81A4F88F-4E35-4BB3-AD24-CAC580C12F96}"/>
+                <a16:creationId xmlns:a16="http://schemas.microsoft.com/office/drawing/2014/main" xmlns="" id="{81A4F88F-4E35-4BB3-AD24-CAC580C12F96}"/>
               </a:ext>
             </a:extLst>
           </p:cNvPr>
@@ -3391,7 +3391,7 @@
           <p:cNvPr id="30" name="Freeform: Shape 29">
             <a:extLst>
               <a:ext uri="{FF2B5EF4-FFF2-40B4-BE49-F238E27FC236}">
-                <a16:creationId xmlns:a16="http://schemas.microsoft.com/office/drawing/2014/main" id="{592CE00E-F2AB-4099-8BB8-F109C4F2EFDB}"/>
+                <a16:creationId xmlns:a16="http://schemas.microsoft.com/office/drawing/2014/main" xmlns="" id="{592CE00E-F2AB-4099-8BB8-F109C4F2EFDB}"/>
               </a:ext>
             </a:extLst>
           </p:cNvPr>
@@ -3499,7 +3499,7 @@
           <p:cNvPr id="32" name="Freeform: Shape 31">
             <a:extLst>
               <a:ext uri="{FF2B5EF4-FFF2-40B4-BE49-F238E27FC236}">
-                <a16:creationId xmlns:a16="http://schemas.microsoft.com/office/drawing/2014/main" id="{B0920EEC-7CE3-4708-93D2-53699D17E5E3}"/>
+                <a16:creationId xmlns:a16="http://schemas.microsoft.com/office/drawing/2014/main" xmlns="" id="{B0920EEC-7CE3-4708-93D2-53699D17E5E3}"/>
               </a:ext>
             </a:extLst>
           </p:cNvPr>
@@ -3607,7 +3607,7 @@
           <p:cNvPr id="33" name="Freeform: Shape 32">
             <a:extLst>
               <a:ext uri="{FF2B5EF4-FFF2-40B4-BE49-F238E27FC236}">
-                <a16:creationId xmlns:a16="http://schemas.microsoft.com/office/drawing/2014/main" id="{2DF8B751-9294-46D5-B390-5D322195540F}"/>
+                <a16:creationId xmlns:a16="http://schemas.microsoft.com/office/drawing/2014/main" xmlns="" id="{2DF8B751-9294-46D5-B390-5D322195540F}"/>
               </a:ext>
             </a:extLst>
           </p:cNvPr>
@@ -3715,7 +3715,7 @@
           <p:cNvPr id="34" name="Freeform: Shape 33">
             <a:extLst>
               <a:ext uri="{FF2B5EF4-FFF2-40B4-BE49-F238E27FC236}">
-                <a16:creationId xmlns:a16="http://schemas.microsoft.com/office/drawing/2014/main" id="{E0F651C6-BE74-4133-ABA8-316072D4F5B5}"/>
+                <a16:creationId xmlns:a16="http://schemas.microsoft.com/office/drawing/2014/main" xmlns="" id="{E0F651C6-BE74-4133-ABA8-316072D4F5B5}"/>
               </a:ext>
             </a:extLst>
           </p:cNvPr>
@@ -3925,7 +3925,7 @@
           <p:cNvPr id="40" name="Graphic 37">
             <a:extLst>
               <a:ext uri="{FF2B5EF4-FFF2-40B4-BE49-F238E27FC236}">
-                <a16:creationId xmlns:a16="http://schemas.microsoft.com/office/drawing/2014/main" id="{9F75ED2D-7077-4753-B623-4B9A718EB224}"/>
+                <a16:creationId xmlns:a16="http://schemas.microsoft.com/office/drawing/2014/main" xmlns="" id="{9F75ED2D-7077-4753-B623-4B9A718EB224}"/>
               </a:ext>
             </a:extLst>
           </p:cNvPr>
@@ -4061,7 +4061,7 @@
           <p:cNvPr id="12" name="Graphic 36">
             <a:extLst>
               <a:ext uri="{FF2B5EF4-FFF2-40B4-BE49-F238E27FC236}">
-                <a16:creationId xmlns:a16="http://schemas.microsoft.com/office/drawing/2014/main" id="{21FF5BCF-BC53-4C3F-8B7F-7077B35ADCA8}"/>
+                <a16:creationId xmlns:a16="http://schemas.microsoft.com/office/drawing/2014/main" xmlns="" id="{21FF5BCF-BC53-4C3F-8B7F-7077B35ADCA8}"/>
               </a:ext>
             </a:extLst>
           </p:cNvPr>
@@ -4169,7 +4169,7 @@
           <p:cNvPr id="15" name="Subtitle 2">
             <a:extLst>
               <a:ext uri="{FF2B5EF4-FFF2-40B4-BE49-F238E27FC236}">
-                <a16:creationId xmlns:a16="http://schemas.microsoft.com/office/drawing/2014/main" id="{4BCD5243-C973-44F2-88E8-A4A6E3387B1F}"/>
+                <a16:creationId xmlns:a16="http://schemas.microsoft.com/office/drawing/2014/main" xmlns="" id="{4BCD5243-C973-44F2-88E8-A4A6E3387B1F}"/>
               </a:ext>
             </a:extLst>
           </p:cNvPr>
@@ -4241,7 +4241,7 @@
           <p:cNvPr id="34" name="Oval 33">
             <a:extLst>
               <a:ext uri="{FF2B5EF4-FFF2-40B4-BE49-F238E27FC236}">
-                <a16:creationId xmlns:a16="http://schemas.microsoft.com/office/drawing/2014/main" id="{13074BE4-153F-46FE-B915-CD1AEF318A25}"/>
+                <a16:creationId xmlns:a16="http://schemas.microsoft.com/office/drawing/2014/main" xmlns="" id="{13074BE4-153F-46FE-B915-CD1AEF318A25}"/>
               </a:ext>
             </a:extLst>
           </p:cNvPr>
@@ -4293,7 +4293,7 @@
           <p:cNvPr id="35" name="Graphic 12">
             <a:extLst>
               <a:ext uri="{FF2B5EF4-FFF2-40B4-BE49-F238E27FC236}">
-                <a16:creationId xmlns:a16="http://schemas.microsoft.com/office/drawing/2014/main" id="{0B7E91C4-F19E-46BE-B05F-139B5418924E}"/>
+                <a16:creationId xmlns:a16="http://schemas.microsoft.com/office/drawing/2014/main" xmlns="" id="{0B7E91C4-F19E-46BE-B05F-139B5418924E}"/>
               </a:ext>
             </a:extLst>
           </p:cNvPr>
@@ -4410,7 +4410,7 @@
           <p:cNvPr id="10" name="Freeform: Shape 9">
             <a:extLst>
               <a:ext uri="{FF2B5EF4-FFF2-40B4-BE49-F238E27FC236}">
-                <a16:creationId xmlns:a16="http://schemas.microsoft.com/office/drawing/2014/main" id="{08A64499-0304-4070-BCB0-67E2BE20A3EA}"/>
+                <a16:creationId xmlns:a16="http://schemas.microsoft.com/office/drawing/2014/main" xmlns="" id="{08A64499-0304-4070-BCB0-67E2BE20A3EA}"/>
               </a:ext>
             </a:extLst>
           </p:cNvPr>
@@ -4518,7 +4518,7 @@
           <p:cNvPr id="25" name="Freeform: Shape 24">
             <a:extLst>
               <a:ext uri="{FF2B5EF4-FFF2-40B4-BE49-F238E27FC236}">
-                <a16:creationId xmlns:a16="http://schemas.microsoft.com/office/drawing/2014/main" id="{ED1736B3-AE79-40C2-80FF-2FB0FEE27195}"/>
+                <a16:creationId xmlns:a16="http://schemas.microsoft.com/office/drawing/2014/main" xmlns="" id="{ED1736B3-AE79-40C2-80FF-2FB0FEE27195}"/>
               </a:ext>
             </a:extLst>
           </p:cNvPr>
@@ -4608,7 +4608,7 @@
           <p:cNvPr id="2" name="Title 1">
             <a:extLst>
               <a:ext uri="{FF2B5EF4-FFF2-40B4-BE49-F238E27FC236}">
-                <a16:creationId xmlns:a16="http://schemas.microsoft.com/office/drawing/2014/main" id="{DC2228EE-3546-4272-9C39-150FF23CE033}"/>
+                <a16:creationId xmlns:a16="http://schemas.microsoft.com/office/drawing/2014/main" xmlns="" id="{DC2228EE-3546-4272-9C39-150FF23CE033}"/>
               </a:ext>
             </a:extLst>
           </p:cNvPr>
@@ -4660,7 +4660,7 @@
           <p:cNvPr id="3" name="Subtitle 2">
             <a:extLst>
               <a:ext uri="{FF2B5EF4-FFF2-40B4-BE49-F238E27FC236}">
-                <a16:creationId xmlns:a16="http://schemas.microsoft.com/office/drawing/2014/main" id="{0F2EFCC6-4D5A-4B43-A534-1A868887BC7F}"/>
+                <a16:creationId xmlns:a16="http://schemas.microsoft.com/office/drawing/2014/main" xmlns="" id="{0F2EFCC6-4D5A-4B43-A534-1A868887BC7F}"/>
               </a:ext>
             </a:extLst>
           </p:cNvPr>
@@ -4737,7 +4737,7 @@
           <p:cNvPr id="24" name="Graphic 22">
             <a:extLst>
               <a:ext uri="{FF2B5EF4-FFF2-40B4-BE49-F238E27FC236}">
-                <a16:creationId xmlns:a16="http://schemas.microsoft.com/office/drawing/2014/main" id="{4EE1436E-33B5-4388-87D8-2D0633CC3CE7}"/>
+                <a16:creationId xmlns:a16="http://schemas.microsoft.com/office/drawing/2014/main" xmlns="" id="{4EE1436E-33B5-4388-87D8-2D0633CC3CE7}"/>
               </a:ext>
             </a:extLst>
           </p:cNvPr>
@@ -4873,7 +4873,7 @@
           <p:cNvPr id="9" name="Freeform: Shape 8">
             <a:extLst>
               <a:ext uri="{FF2B5EF4-FFF2-40B4-BE49-F238E27FC236}">
-                <a16:creationId xmlns:a16="http://schemas.microsoft.com/office/drawing/2014/main" id="{A8FB11AB-3031-47CA-85DD-696856C3C62C}"/>
+                <a16:creationId xmlns:a16="http://schemas.microsoft.com/office/drawing/2014/main" xmlns="" id="{A8FB11AB-3031-47CA-85DD-696856C3C62C}"/>
               </a:ext>
             </a:extLst>
           </p:cNvPr>
@@ -4981,7 +4981,7 @@
           <p:cNvPr id="38" name="Freeform: Shape 37">
             <a:extLst>
               <a:ext uri="{FF2B5EF4-FFF2-40B4-BE49-F238E27FC236}">
-                <a16:creationId xmlns:a16="http://schemas.microsoft.com/office/drawing/2014/main" id="{9CD6F167-FB82-4EFB-BAB9-1D0FEE07B85D}"/>
+                <a16:creationId xmlns:a16="http://schemas.microsoft.com/office/drawing/2014/main" xmlns="" id="{9CD6F167-FB82-4EFB-BAB9-1D0FEE07B85D}"/>
               </a:ext>
             </a:extLst>
           </p:cNvPr>
@@ -5107,7 +5107,7 @@
           <p:cNvPr id="36" name="Freeform: Shape 35">
             <a:extLst>
               <a:ext uri="{FF2B5EF4-FFF2-40B4-BE49-F238E27FC236}">
-                <a16:creationId xmlns:a16="http://schemas.microsoft.com/office/drawing/2014/main" id="{3DD2082D-81A7-4E2D-8136-9D48016E7FE9}"/>
+                <a16:creationId xmlns:a16="http://schemas.microsoft.com/office/drawing/2014/main" xmlns="" id="{3DD2082D-81A7-4E2D-8136-9D48016E7FE9}"/>
               </a:ext>
             </a:extLst>
           </p:cNvPr>
@@ -5197,7 +5197,7 @@
           <p:cNvPr id="30" name="Freeform: Shape 29">
             <a:extLst>
               <a:ext uri="{FF2B5EF4-FFF2-40B4-BE49-F238E27FC236}">
-                <a16:creationId xmlns:a16="http://schemas.microsoft.com/office/drawing/2014/main" id="{ECF16C35-4A81-4062-808C-7697AF0FD6F5}"/>
+                <a16:creationId xmlns:a16="http://schemas.microsoft.com/office/drawing/2014/main" xmlns="" id="{ECF16C35-4A81-4062-808C-7697AF0FD6F5}"/>
               </a:ext>
             </a:extLst>
           </p:cNvPr>
@@ -5349,7 +5349,7 @@
           <p:cNvPr id="7" name="Date Placeholder 6">
             <a:extLst>
               <a:ext uri="{FF2B5EF4-FFF2-40B4-BE49-F238E27FC236}">
-                <a16:creationId xmlns:a16="http://schemas.microsoft.com/office/drawing/2014/main" id="{B7EF9C60-0FED-4965-A9BC-CE69886A38CA}"/>
+                <a16:creationId xmlns:a16="http://schemas.microsoft.com/office/drawing/2014/main" xmlns="" id="{B7EF9C60-0FED-4965-A9BC-CE69886A38CA}"/>
               </a:ext>
             </a:extLst>
           </p:cNvPr>
@@ -5378,7 +5378,7 @@
           <p:cNvPr id="8" name="Footer Placeholder 7">
             <a:extLst>
               <a:ext uri="{FF2B5EF4-FFF2-40B4-BE49-F238E27FC236}">
-                <a16:creationId xmlns:a16="http://schemas.microsoft.com/office/drawing/2014/main" id="{239F2410-4015-48DB-BB4D-B5944D8C16B7}"/>
+                <a16:creationId xmlns:a16="http://schemas.microsoft.com/office/drawing/2014/main" xmlns="" id="{239F2410-4015-48DB-BB4D-B5944D8C16B7}"/>
               </a:ext>
             </a:extLst>
           </p:cNvPr>
@@ -5407,7 +5407,7 @@
           <p:cNvPr id="11" name="Slide Number Placeholder 10">
             <a:extLst>
               <a:ext uri="{FF2B5EF4-FFF2-40B4-BE49-F238E27FC236}">
-                <a16:creationId xmlns:a16="http://schemas.microsoft.com/office/drawing/2014/main" id="{C44F5F26-1B35-405A-AD75-5DFF48CF6BD6}"/>
+                <a16:creationId xmlns:a16="http://schemas.microsoft.com/office/drawing/2014/main" xmlns="" id="{C44F5F26-1B35-405A-AD75-5DFF48CF6BD6}"/>
               </a:ext>
             </a:extLst>
           </p:cNvPr>
@@ -5444,7 +5444,7 @@
   </p:clrMapOvr>
   <p:extLst mod="1">
     <p:ext uri="{DCECCB84-F9BA-43D5-87BE-67443E8EF086}">
-      <p15:sldGuideLst xmlns:p15="http://schemas.microsoft.com/office/powerpoint/2012/main">
+      <p15:sldGuideLst xmlns:p15="http://schemas.microsoft.com/office/powerpoint/2012/main" xmlns="">
         <p15:guide id="1" orient="horz" pos="2160">
           <p15:clr>
             <a:srgbClr val="FBAE40"/>
@@ -5483,7 +5483,7 @@
           <p:cNvPr id="48" name="Oval 47">
             <a:extLst>
               <a:ext uri="{FF2B5EF4-FFF2-40B4-BE49-F238E27FC236}">
-                <a16:creationId xmlns:a16="http://schemas.microsoft.com/office/drawing/2014/main" id="{2F290D8B-987A-4555-890C-F3CD026BF7BF}"/>
+                <a16:creationId xmlns:a16="http://schemas.microsoft.com/office/drawing/2014/main" xmlns="" id="{2F290D8B-987A-4555-890C-F3CD026BF7BF}"/>
               </a:ext>
             </a:extLst>
           </p:cNvPr>
@@ -5535,7 +5535,7 @@
           <p:cNvPr id="49" name="Graphic 12">
             <a:extLst>
               <a:ext uri="{FF2B5EF4-FFF2-40B4-BE49-F238E27FC236}">
-                <a16:creationId xmlns:a16="http://schemas.microsoft.com/office/drawing/2014/main" id="{6139C5E6-5A04-4458-8EF9-628BFBA73A92}"/>
+                <a16:creationId xmlns:a16="http://schemas.microsoft.com/office/drawing/2014/main" xmlns="" id="{6139C5E6-5A04-4458-8EF9-628BFBA73A92}"/>
               </a:ext>
             </a:extLst>
           </p:cNvPr>
@@ -5652,7 +5652,7 @@
           <p:cNvPr id="4" name="Date Placeholder 3">
             <a:extLst>
               <a:ext uri="{FF2B5EF4-FFF2-40B4-BE49-F238E27FC236}">
-                <a16:creationId xmlns:a16="http://schemas.microsoft.com/office/drawing/2014/main" id="{DC2A0631-3130-4C36-8E5E-80464B1A62A7}"/>
+                <a16:creationId xmlns:a16="http://schemas.microsoft.com/office/drawing/2014/main" xmlns="" id="{DC2A0631-3130-4C36-8E5E-80464B1A62A7}"/>
               </a:ext>
             </a:extLst>
           </p:cNvPr>
@@ -5680,7 +5680,7 @@
           <p:cNvPr id="5" name="Footer Placeholder 4">
             <a:extLst>
               <a:ext uri="{FF2B5EF4-FFF2-40B4-BE49-F238E27FC236}">
-                <a16:creationId xmlns:a16="http://schemas.microsoft.com/office/drawing/2014/main" id="{79230F82-FE68-4450-98DF-5D29369AEE76}"/>
+                <a16:creationId xmlns:a16="http://schemas.microsoft.com/office/drawing/2014/main" xmlns="" id="{79230F82-FE68-4450-98DF-5D29369AEE76}"/>
               </a:ext>
             </a:extLst>
           </p:cNvPr>
@@ -5717,7 +5717,7 @@
           <p:cNvPr id="6" name="Slide Number Placeholder 5">
             <a:extLst>
               <a:ext uri="{FF2B5EF4-FFF2-40B4-BE49-F238E27FC236}">
-                <a16:creationId xmlns:a16="http://schemas.microsoft.com/office/drawing/2014/main" id="{EE6603C1-6E1A-4E4B-9555-31D84B6BDAD9}"/>
+                <a16:creationId xmlns:a16="http://schemas.microsoft.com/office/drawing/2014/main" xmlns="" id="{EE6603C1-6E1A-4E4B-9555-31D84B6BDAD9}"/>
               </a:ext>
             </a:extLst>
           </p:cNvPr>
@@ -5746,7 +5746,7 @@
           <p:cNvPr id="41" name="Graphic 39">
             <a:extLst>
               <a:ext uri="{FF2B5EF4-FFF2-40B4-BE49-F238E27FC236}">
-                <a16:creationId xmlns:a16="http://schemas.microsoft.com/office/drawing/2014/main" id="{1D75FFD8-3F66-48B3-BB01-D4B8A9496851}"/>
+                <a16:creationId xmlns:a16="http://schemas.microsoft.com/office/drawing/2014/main" xmlns="" id="{1D75FFD8-3F66-48B3-BB01-D4B8A9496851}"/>
               </a:ext>
             </a:extLst>
           </p:cNvPr>
@@ -5766,7 +5766,7 @@
             <p:cNvPr id="42" name="Freeform: Shape 41">
               <a:extLst>
                 <a:ext uri="{FF2B5EF4-FFF2-40B4-BE49-F238E27FC236}">
-                  <a16:creationId xmlns:a16="http://schemas.microsoft.com/office/drawing/2014/main" id="{9BA0EC60-510D-41EF-AFE6-E4E6BD83F8C9}"/>
+                  <a16:creationId xmlns:a16="http://schemas.microsoft.com/office/drawing/2014/main" xmlns="" id="{9BA0EC60-510D-41EF-AFE6-E4E6BD83F8C9}"/>
                 </a:ext>
               </a:extLst>
             </p:cNvPr>
@@ -5956,7 +5956,7 @@
             <p:cNvPr id="43" name="Freeform: Shape 42">
               <a:extLst>
                 <a:ext uri="{FF2B5EF4-FFF2-40B4-BE49-F238E27FC236}">
-                  <a16:creationId xmlns:a16="http://schemas.microsoft.com/office/drawing/2014/main" id="{0162C508-E081-418C-A19D-15A59388C43A}"/>
+                  <a16:creationId xmlns:a16="http://schemas.microsoft.com/office/drawing/2014/main" xmlns="" id="{0162C508-E081-418C-A19D-15A59388C43A}"/>
                 </a:ext>
               </a:extLst>
             </p:cNvPr>
@@ -6064,7 +6064,7 @@
             <p:cNvPr id="44" name="Freeform: Shape 43">
               <a:extLst>
                 <a:ext uri="{FF2B5EF4-FFF2-40B4-BE49-F238E27FC236}">
-                  <a16:creationId xmlns:a16="http://schemas.microsoft.com/office/drawing/2014/main" id="{2A710D7D-FC65-4BF6-BDA4-E59B01AD6FBC}"/>
+                  <a16:creationId xmlns:a16="http://schemas.microsoft.com/office/drawing/2014/main" xmlns="" id="{2A710D7D-FC65-4BF6-BDA4-E59B01AD6FBC}"/>
                 </a:ext>
               </a:extLst>
             </p:cNvPr>
@@ -6172,7 +6172,7 @@
             <p:cNvPr id="45" name="Freeform: Shape 44">
               <a:extLst>
                 <a:ext uri="{FF2B5EF4-FFF2-40B4-BE49-F238E27FC236}">
-                  <a16:creationId xmlns:a16="http://schemas.microsoft.com/office/drawing/2014/main" id="{18811B6B-BBB0-4D69-AEF8-AD0A7F9A4B57}"/>
+                  <a16:creationId xmlns:a16="http://schemas.microsoft.com/office/drawing/2014/main" xmlns="" id="{18811B6B-BBB0-4D69-AEF8-AD0A7F9A4B57}"/>
                 </a:ext>
               </a:extLst>
             </p:cNvPr>
@@ -6280,7 +6280,7 @@
             <p:cNvPr id="46" name="Freeform: Shape 45">
               <a:extLst>
                 <a:ext uri="{FF2B5EF4-FFF2-40B4-BE49-F238E27FC236}">
-                  <a16:creationId xmlns:a16="http://schemas.microsoft.com/office/drawing/2014/main" id="{3DB7F04C-0D31-4172-9D02-F8C8B2043EB9}"/>
+                  <a16:creationId xmlns:a16="http://schemas.microsoft.com/office/drawing/2014/main" xmlns="" id="{3DB7F04C-0D31-4172-9D02-F8C8B2043EB9}"/>
                 </a:ext>
               </a:extLst>
             </p:cNvPr>
@@ -6460,7 +6460,7 @@
             <p:cNvPr id="47" name="Freeform: Shape 46">
               <a:extLst>
                 <a:ext uri="{FF2B5EF4-FFF2-40B4-BE49-F238E27FC236}">
-                  <a16:creationId xmlns:a16="http://schemas.microsoft.com/office/drawing/2014/main" id="{1FB04931-77A8-4259-95CA-DA7DEDB2DEFD}"/>
+                  <a16:creationId xmlns:a16="http://schemas.microsoft.com/office/drawing/2014/main" xmlns="" id="{1FB04931-77A8-4259-95CA-DA7DEDB2DEFD}"/>
                 </a:ext>
               </a:extLst>
             </p:cNvPr>
@@ -6651,7 +6651,7 @@
           <p:cNvPr id="18" name="Content Placeholder 2">
             <a:extLst>
               <a:ext uri="{FF2B5EF4-FFF2-40B4-BE49-F238E27FC236}">
-                <a16:creationId xmlns:a16="http://schemas.microsoft.com/office/drawing/2014/main" id="{D7B996D2-06BA-413A-BDEE-428A188D3ADF}"/>
+                <a16:creationId xmlns:a16="http://schemas.microsoft.com/office/drawing/2014/main" xmlns="" id="{D7B996D2-06BA-413A-BDEE-428A188D3ADF}"/>
               </a:ext>
             </a:extLst>
           </p:cNvPr>
@@ -6752,7 +6752,7 @@
           <p:cNvPr id="7" name="Title 6">
             <a:extLst>
               <a:ext uri="{FF2B5EF4-FFF2-40B4-BE49-F238E27FC236}">
-                <a16:creationId xmlns:a16="http://schemas.microsoft.com/office/drawing/2014/main" id="{5E5109FC-8CB6-4120-99CF-163DDAB90612}"/>
+                <a16:creationId xmlns:a16="http://schemas.microsoft.com/office/drawing/2014/main" xmlns="" id="{5E5109FC-8CB6-4120-99CF-163DDAB90612}"/>
               </a:ext>
             </a:extLst>
           </p:cNvPr>
@@ -6786,7 +6786,7 @@
           <p:cNvPr id="20" name="Graphic 19">
             <a:extLst>
               <a:ext uri="{FF2B5EF4-FFF2-40B4-BE49-F238E27FC236}">
-                <a16:creationId xmlns:a16="http://schemas.microsoft.com/office/drawing/2014/main" id="{9462DA56-F882-470A-8F8C-A55B25FD8A7A}"/>
+                <a16:creationId xmlns:a16="http://schemas.microsoft.com/office/drawing/2014/main" xmlns="" id="{9462DA56-F882-470A-8F8C-A55B25FD8A7A}"/>
               </a:ext>
             </a:extLst>
           </p:cNvPr>
@@ -6952,7 +6952,7 @@
           <p:cNvPr id="48" name="Oval 47">
             <a:extLst>
               <a:ext uri="{FF2B5EF4-FFF2-40B4-BE49-F238E27FC236}">
-                <a16:creationId xmlns:a16="http://schemas.microsoft.com/office/drawing/2014/main" id="{2F290D8B-987A-4555-890C-F3CD026BF7BF}"/>
+                <a16:creationId xmlns:a16="http://schemas.microsoft.com/office/drawing/2014/main" xmlns="" id="{2F290D8B-987A-4555-890C-F3CD026BF7BF}"/>
               </a:ext>
             </a:extLst>
           </p:cNvPr>
@@ -7004,7 +7004,7 @@
           <p:cNvPr id="49" name="Graphic 12">
             <a:extLst>
               <a:ext uri="{FF2B5EF4-FFF2-40B4-BE49-F238E27FC236}">
-                <a16:creationId xmlns:a16="http://schemas.microsoft.com/office/drawing/2014/main" id="{6139C5E6-5A04-4458-8EF9-628BFBA73A92}"/>
+                <a16:creationId xmlns:a16="http://schemas.microsoft.com/office/drawing/2014/main" xmlns="" id="{6139C5E6-5A04-4458-8EF9-628BFBA73A92}"/>
               </a:ext>
             </a:extLst>
           </p:cNvPr>
@@ -7121,7 +7121,7 @@
           <p:cNvPr id="4" name="Date Placeholder 3">
             <a:extLst>
               <a:ext uri="{FF2B5EF4-FFF2-40B4-BE49-F238E27FC236}">
-                <a16:creationId xmlns:a16="http://schemas.microsoft.com/office/drawing/2014/main" id="{DC2A0631-3130-4C36-8E5E-80464B1A62A7}"/>
+                <a16:creationId xmlns:a16="http://schemas.microsoft.com/office/drawing/2014/main" xmlns="" id="{DC2A0631-3130-4C36-8E5E-80464B1A62A7}"/>
               </a:ext>
             </a:extLst>
           </p:cNvPr>
@@ -7149,7 +7149,7 @@
           <p:cNvPr id="5" name="Footer Placeholder 4">
             <a:extLst>
               <a:ext uri="{FF2B5EF4-FFF2-40B4-BE49-F238E27FC236}">
-                <a16:creationId xmlns:a16="http://schemas.microsoft.com/office/drawing/2014/main" id="{79230F82-FE68-4450-98DF-5D29369AEE76}"/>
+                <a16:creationId xmlns:a16="http://schemas.microsoft.com/office/drawing/2014/main" xmlns="" id="{79230F82-FE68-4450-98DF-5D29369AEE76}"/>
               </a:ext>
             </a:extLst>
           </p:cNvPr>
@@ -7186,7 +7186,7 @@
           <p:cNvPr id="6" name="Slide Number Placeholder 5">
             <a:extLst>
               <a:ext uri="{FF2B5EF4-FFF2-40B4-BE49-F238E27FC236}">
-                <a16:creationId xmlns:a16="http://schemas.microsoft.com/office/drawing/2014/main" id="{EE6603C1-6E1A-4E4B-9555-31D84B6BDAD9}"/>
+                <a16:creationId xmlns:a16="http://schemas.microsoft.com/office/drawing/2014/main" xmlns="" id="{EE6603C1-6E1A-4E4B-9555-31D84B6BDAD9}"/>
               </a:ext>
             </a:extLst>
           </p:cNvPr>
@@ -7215,7 +7215,7 @@
           <p:cNvPr id="41" name="Graphic 39">
             <a:extLst>
               <a:ext uri="{FF2B5EF4-FFF2-40B4-BE49-F238E27FC236}">
-                <a16:creationId xmlns:a16="http://schemas.microsoft.com/office/drawing/2014/main" id="{1D75FFD8-3F66-48B3-BB01-D4B8A9496851}"/>
+                <a16:creationId xmlns:a16="http://schemas.microsoft.com/office/drawing/2014/main" xmlns="" id="{1D75FFD8-3F66-48B3-BB01-D4B8A9496851}"/>
               </a:ext>
             </a:extLst>
           </p:cNvPr>
@@ -7235,7 +7235,7 @@
             <p:cNvPr id="42" name="Freeform: Shape 41">
               <a:extLst>
                 <a:ext uri="{FF2B5EF4-FFF2-40B4-BE49-F238E27FC236}">
-                  <a16:creationId xmlns:a16="http://schemas.microsoft.com/office/drawing/2014/main" id="{9BA0EC60-510D-41EF-AFE6-E4E6BD83F8C9}"/>
+                  <a16:creationId xmlns:a16="http://schemas.microsoft.com/office/drawing/2014/main" xmlns="" id="{9BA0EC60-510D-41EF-AFE6-E4E6BD83F8C9}"/>
                 </a:ext>
               </a:extLst>
             </p:cNvPr>
@@ -7425,7 +7425,7 @@
             <p:cNvPr id="43" name="Freeform: Shape 42">
               <a:extLst>
                 <a:ext uri="{FF2B5EF4-FFF2-40B4-BE49-F238E27FC236}">
-                  <a16:creationId xmlns:a16="http://schemas.microsoft.com/office/drawing/2014/main" id="{0162C508-E081-418C-A19D-15A59388C43A}"/>
+                  <a16:creationId xmlns:a16="http://schemas.microsoft.com/office/drawing/2014/main" xmlns="" id="{0162C508-E081-418C-A19D-15A59388C43A}"/>
                 </a:ext>
               </a:extLst>
             </p:cNvPr>
@@ -7533,7 +7533,7 @@
             <p:cNvPr id="44" name="Freeform: Shape 43">
               <a:extLst>
                 <a:ext uri="{FF2B5EF4-FFF2-40B4-BE49-F238E27FC236}">
-                  <a16:creationId xmlns:a16="http://schemas.microsoft.com/office/drawing/2014/main" id="{2A710D7D-FC65-4BF6-BDA4-E59B01AD6FBC}"/>
+                  <a16:creationId xmlns:a16="http://schemas.microsoft.com/office/drawing/2014/main" xmlns="" id="{2A710D7D-FC65-4BF6-BDA4-E59B01AD6FBC}"/>
                 </a:ext>
               </a:extLst>
             </p:cNvPr>
@@ -7641,7 +7641,7 @@
             <p:cNvPr id="45" name="Freeform: Shape 44">
               <a:extLst>
                 <a:ext uri="{FF2B5EF4-FFF2-40B4-BE49-F238E27FC236}">
-                  <a16:creationId xmlns:a16="http://schemas.microsoft.com/office/drawing/2014/main" id="{18811B6B-BBB0-4D69-AEF8-AD0A7F9A4B57}"/>
+                  <a16:creationId xmlns:a16="http://schemas.microsoft.com/office/drawing/2014/main" xmlns="" id="{18811B6B-BBB0-4D69-AEF8-AD0A7F9A4B57}"/>
                 </a:ext>
               </a:extLst>
             </p:cNvPr>
@@ -7749,7 +7749,7 @@
             <p:cNvPr id="46" name="Freeform: Shape 45">
               <a:extLst>
                 <a:ext uri="{FF2B5EF4-FFF2-40B4-BE49-F238E27FC236}">
-                  <a16:creationId xmlns:a16="http://schemas.microsoft.com/office/drawing/2014/main" id="{3DB7F04C-0D31-4172-9D02-F8C8B2043EB9}"/>
+                  <a16:creationId xmlns:a16="http://schemas.microsoft.com/office/drawing/2014/main" xmlns="" id="{3DB7F04C-0D31-4172-9D02-F8C8B2043EB9}"/>
                 </a:ext>
               </a:extLst>
             </p:cNvPr>
@@ -7929,7 +7929,7 @@
             <p:cNvPr id="47" name="Freeform: Shape 46">
               <a:extLst>
                 <a:ext uri="{FF2B5EF4-FFF2-40B4-BE49-F238E27FC236}">
-                  <a16:creationId xmlns:a16="http://schemas.microsoft.com/office/drawing/2014/main" id="{1FB04931-77A8-4259-95CA-DA7DEDB2DEFD}"/>
+                  <a16:creationId xmlns:a16="http://schemas.microsoft.com/office/drawing/2014/main" xmlns="" id="{1FB04931-77A8-4259-95CA-DA7DEDB2DEFD}"/>
                 </a:ext>
               </a:extLst>
             </p:cNvPr>
@@ -8120,7 +8120,7 @@
           <p:cNvPr id="7" name="Title 6">
             <a:extLst>
               <a:ext uri="{FF2B5EF4-FFF2-40B4-BE49-F238E27FC236}">
-                <a16:creationId xmlns:a16="http://schemas.microsoft.com/office/drawing/2014/main" id="{5E5109FC-8CB6-4120-99CF-163DDAB90612}"/>
+                <a16:creationId xmlns:a16="http://schemas.microsoft.com/office/drawing/2014/main" xmlns="" id="{5E5109FC-8CB6-4120-99CF-163DDAB90612}"/>
               </a:ext>
             </a:extLst>
           </p:cNvPr>
@@ -8154,7 +8154,7 @@
           <p:cNvPr id="20" name="Graphic 19">
             <a:extLst>
               <a:ext uri="{FF2B5EF4-FFF2-40B4-BE49-F238E27FC236}">
-                <a16:creationId xmlns:a16="http://schemas.microsoft.com/office/drawing/2014/main" id="{9462DA56-F882-470A-8F8C-A55B25FD8A7A}"/>
+                <a16:creationId xmlns:a16="http://schemas.microsoft.com/office/drawing/2014/main" xmlns="" id="{9462DA56-F882-470A-8F8C-A55B25FD8A7A}"/>
               </a:ext>
             </a:extLst>
           </p:cNvPr>
@@ -8290,7 +8290,7 @@
           <p:cNvPr id="17" name="Text Placeholder 2">
             <a:extLst>
               <a:ext uri="{FF2B5EF4-FFF2-40B4-BE49-F238E27FC236}">
-                <a16:creationId xmlns:a16="http://schemas.microsoft.com/office/drawing/2014/main" id="{24B91177-A100-491C-B5EF-BC77E2E33F72}"/>
+                <a16:creationId xmlns:a16="http://schemas.microsoft.com/office/drawing/2014/main" xmlns="" id="{24B91177-A100-491C-B5EF-BC77E2E33F72}"/>
               </a:ext>
             </a:extLst>
           </p:cNvPr>
@@ -8363,7 +8363,7 @@
           <p:cNvPr id="19" name="Content Placeholder 3">
             <a:extLst>
               <a:ext uri="{FF2B5EF4-FFF2-40B4-BE49-F238E27FC236}">
-                <a16:creationId xmlns:a16="http://schemas.microsoft.com/office/drawing/2014/main" id="{B6758D2F-C9AC-4514-B48E-2863E8DDE0CF}"/>
+                <a16:creationId xmlns:a16="http://schemas.microsoft.com/office/drawing/2014/main" xmlns="" id="{B6758D2F-C9AC-4514-B48E-2863E8DDE0CF}"/>
               </a:ext>
             </a:extLst>
           </p:cNvPr>
@@ -8464,7 +8464,7 @@
           <p:cNvPr id="21" name="Text Placeholder 4">
             <a:extLst>
               <a:ext uri="{FF2B5EF4-FFF2-40B4-BE49-F238E27FC236}">
-                <a16:creationId xmlns:a16="http://schemas.microsoft.com/office/drawing/2014/main" id="{633C3A9F-17E4-45DF-8DB7-7A55846AAA8F}"/>
+                <a16:creationId xmlns:a16="http://schemas.microsoft.com/office/drawing/2014/main" xmlns="" id="{633C3A9F-17E4-45DF-8DB7-7A55846AAA8F}"/>
               </a:ext>
             </a:extLst>
           </p:cNvPr>
@@ -8537,7 +8537,7 @@
           <p:cNvPr id="22" name="Content Placeholder 5">
             <a:extLst>
               <a:ext uri="{FF2B5EF4-FFF2-40B4-BE49-F238E27FC236}">
-                <a16:creationId xmlns:a16="http://schemas.microsoft.com/office/drawing/2014/main" id="{C19AB308-7C32-46C9-B8DB-AA96B7ED0D62}"/>
+                <a16:creationId xmlns:a16="http://schemas.microsoft.com/office/drawing/2014/main" xmlns="" id="{C19AB308-7C32-46C9-B8DB-AA96B7ED0D62}"/>
               </a:ext>
             </a:extLst>
           </p:cNvPr>
@@ -8668,7 +8668,7 @@
           <p:cNvPr id="48" name="Oval 47">
             <a:extLst>
               <a:ext uri="{FF2B5EF4-FFF2-40B4-BE49-F238E27FC236}">
-                <a16:creationId xmlns:a16="http://schemas.microsoft.com/office/drawing/2014/main" id="{2F290D8B-987A-4555-890C-F3CD026BF7BF}"/>
+                <a16:creationId xmlns:a16="http://schemas.microsoft.com/office/drawing/2014/main" xmlns="" id="{2F290D8B-987A-4555-890C-F3CD026BF7BF}"/>
               </a:ext>
             </a:extLst>
           </p:cNvPr>
@@ -8720,7 +8720,7 @@
           <p:cNvPr id="49" name="Graphic 12">
             <a:extLst>
               <a:ext uri="{FF2B5EF4-FFF2-40B4-BE49-F238E27FC236}">
-                <a16:creationId xmlns:a16="http://schemas.microsoft.com/office/drawing/2014/main" id="{6139C5E6-5A04-4458-8EF9-628BFBA73A92}"/>
+                <a16:creationId xmlns:a16="http://schemas.microsoft.com/office/drawing/2014/main" xmlns="" id="{6139C5E6-5A04-4458-8EF9-628BFBA73A92}"/>
               </a:ext>
             </a:extLst>
           </p:cNvPr>
@@ -8837,7 +8837,7 @@
           <p:cNvPr id="4" name="Date Placeholder 3">
             <a:extLst>
               <a:ext uri="{FF2B5EF4-FFF2-40B4-BE49-F238E27FC236}">
-                <a16:creationId xmlns:a16="http://schemas.microsoft.com/office/drawing/2014/main" id="{DC2A0631-3130-4C36-8E5E-80464B1A62A7}"/>
+                <a16:creationId xmlns:a16="http://schemas.microsoft.com/office/drawing/2014/main" xmlns="" id="{DC2A0631-3130-4C36-8E5E-80464B1A62A7}"/>
               </a:ext>
             </a:extLst>
           </p:cNvPr>
@@ -8865,7 +8865,7 @@
           <p:cNvPr id="5" name="Footer Placeholder 4">
             <a:extLst>
               <a:ext uri="{FF2B5EF4-FFF2-40B4-BE49-F238E27FC236}">
-                <a16:creationId xmlns:a16="http://schemas.microsoft.com/office/drawing/2014/main" id="{79230F82-FE68-4450-98DF-5D29369AEE76}"/>
+                <a16:creationId xmlns:a16="http://schemas.microsoft.com/office/drawing/2014/main" xmlns="" id="{79230F82-FE68-4450-98DF-5D29369AEE76}"/>
               </a:ext>
             </a:extLst>
           </p:cNvPr>
@@ -8902,7 +8902,7 @@
           <p:cNvPr id="6" name="Slide Number Placeholder 5">
             <a:extLst>
               <a:ext uri="{FF2B5EF4-FFF2-40B4-BE49-F238E27FC236}">
-                <a16:creationId xmlns:a16="http://schemas.microsoft.com/office/drawing/2014/main" id="{EE6603C1-6E1A-4E4B-9555-31D84B6BDAD9}"/>
+                <a16:creationId xmlns:a16="http://schemas.microsoft.com/office/drawing/2014/main" xmlns="" id="{EE6603C1-6E1A-4E4B-9555-31D84B6BDAD9}"/>
               </a:ext>
             </a:extLst>
           </p:cNvPr>
@@ -8931,7 +8931,7 @@
           <p:cNvPr id="41" name="Graphic 39">
             <a:extLst>
               <a:ext uri="{FF2B5EF4-FFF2-40B4-BE49-F238E27FC236}">
-                <a16:creationId xmlns:a16="http://schemas.microsoft.com/office/drawing/2014/main" id="{1D75FFD8-3F66-48B3-BB01-D4B8A9496851}"/>
+                <a16:creationId xmlns:a16="http://schemas.microsoft.com/office/drawing/2014/main" xmlns="" id="{1D75FFD8-3F66-48B3-BB01-D4B8A9496851}"/>
               </a:ext>
             </a:extLst>
           </p:cNvPr>
@@ -8951,7 +8951,7 @@
             <p:cNvPr id="42" name="Freeform: Shape 41">
               <a:extLst>
                 <a:ext uri="{FF2B5EF4-FFF2-40B4-BE49-F238E27FC236}">
-                  <a16:creationId xmlns:a16="http://schemas.microsoft.com/office/drawing/2014/main" id="{9BA0EC60-510D-41EF-AFE6-E4E6BD83F8C9}"/>
+                  <a16:creationId xmlns:a16="http://schemas.microsoft.com/office/drawing/2014/main" xmlns="" id="{9BA0EC60-510D-41EF-AFE6-E4E6BD83F8C9}"/>
                 </a:ext>
               </a:extLst>
             </p:cNvPr>
@@ -9141,7 +9141,7 @@
             <p:cNvPr id="43" name="Freeform: Shape 42">
               <a:extLst>
                 <a:ext uri="{FF2B5EF4-FFF2-40B4-BE49-F238E27FC236}">
-                  <a16:creationId xmlns:a16="http://schemas.microsoft.com/office/drawing/2014/main" id="{0162C508-E081-418C-A19D-15A59388C43A}"/>
+                  <a16:creationId xmlns:a16="http://schemas.microsoft.com/office/drawing/2014/main" xmlns="" id="{0162C508-E081-418C-A19D-15A59388C43A}"/>
                 </a:ext>
               </a:extLst>
             </p:cNvPr>
@@ -9249,7 +9249,7 @@
             <p:cNvPr id="44" name="Freeform: Shape 43">
               <a:extLst>
                 <a:ext uri="{FF2B5EF4-FFF2-40B4-BE49-F238E27FC236}">
-                  <a16:creationId xmlns:a16="http://schemas.microsoft.com/office/drawing/2014/main" id="{2A710D7D-FC65-4BF6-BDA4-E59B01AD6FBC}"/>
+                  <a16:creationId xmlns:a16="http://schemas.microsoft.com/office/drawing/2014/main" xmlns="" id="{2A710D7D-FC65-4BF6-BDA4-E59B01AD6FBC}"/>
                 </a:ext>
               </a:extLst>
             </p:cNvPr>
@@ -9357,7 +9357,7 @@
             <p:cNvPr id="45" name="Freeform: Shape 44">
               <a:extLst>
                 <a:ext uri="{FF2B5EF4-FFF2-40B4-BE49-F238E27FC236}">
-                  <a16:creationId xmlns:a16="http://schemas.microsoft.com/office/drawing/2014/main" id="{18811B6B-BBB0-4D69-AEF8-AD0A7F9A4B57}"/>
+                  <a16:creationId xmlns:a16="http://schemas.microsoft.com/office/drawing/2014/main" xmlns="" id="{18811B6B-BBB0-4D69-AEF8-AD0A7F9A4B57}"/>
                 </a:ext>
               </a:extLst>
             </p:cNvPr>
@@ -9465,7 +9465,7 @@
             <p:cNvPr id="46" name="Freeform: Shape 45">
               <a:extLst>
                 <a:ext uri="{FF2B5EF4-FFF2-40B4-BE49-F238E27FC236}">
-                  <a16:creationId xmlns:a16="http://schemas.microsoft.com/office/drawing/2014/main" id="{3DB7F04C-0D31-4172-9D02-F8C8B2043EB9}"/>
+                  <a16:creationId xmlns:a16="http://schemas.microsoft.com/office/drawing/2014/main" xmlns="" id="{3DB7F04C-0D31-4172-9D02-F8C8B2043EB9}"/>
                 </a:ext>
               </a:extLst>
             </p:cNvPr>
@@ -9645,7 +9645,7 @@
             <p:cNvPr id="47" name="Freeform: Shape 46">
               <a:extLst>
                 <a:ext uri="{FF2B5EF4-FFF2-40B4-BE49-F238E27FC236}">
-                  <a16:creationId xmlns:a16="http://schemas.microsoft.com/office/drawing/2014/main" id="{1FB04931-77A8-4259-95CA-DA7DEDB2DEFD}"/>
+                  <a16:creationId xmlns:a16="http://schemas.microsoft.com/office/drawing/2014/main" xmlns="" id="{1FB04931-77A8-4259-95CA-DA7DEDB2DEFD}"/>
                 </a:ext>
               </a:extLst>
             </p:cNvPr>
@@ -9836,7 +9836,7 @@
           <p:cNvPr id="7" name="Title 6">
             <a:extLst>
               <a:ext uri="{FF2B5EF4-FFF2-40B4-BE49-F238E27FC236}">
-                <a16:creationId xmlns:a16="http://schemas.microsoft.com/office/drawing/2014/main" id="{5E5109FC-8CB6-4120-99CF-163DDAB90612}"/>
+                <a16:creationId xmlns:a16="http://schemas.microsoft.com/office/drawing/2014/main" xmlns="" id="{5E5109FC-8CB6-4120-99CF-163DDAB90612}"/>
               </a:ext>
             </a:extLst>
           </p:cNvPr>
@@ -9870,7 +9870,7 @@
           <p:cNvPr id="20" name="Graphic 19">
             <a:extLst>
               <a:ext uri="{FF2B5EF4-FFF2-40B4-BE49-F238E27FC236}">
-                <a16:creationId xmlns:a16="http://schemas.microsoft.com/office/drawing/2014/main" id="{9462DA56-F882-470A-8F8C-A55B25FD8A7A}"/>
+                <a16:creationId xmlns:a16="http://schemas.microsoft.com/office/drawing/2014/main" xmlns="" id="{9462DA56-F882-470A-8F8C-A55B25FD8A7A}"/>
               </a:ext>
             </a:extLst>
           </p:cNvPr>
@@ -10006,7 +10006,7 @@
           <p:cNvPr id="23" name="Content Placeholder 2">
             <a:extLst>
               <a:ext uri="{FF2B5EF4-FFF2-40B4-BE49-F238E27FC236}">
-                <a16:creationId xmlns:a16="http://schemas.microsoft.com/office/drawing/2014/main" id="{CD5AE8A8-E027-4529-A5B7-4D355C71E647}"/>
+                <a16:creationId xmlns:a16="http://schemas.microsoft.com/office/drawing/2014/main" xmlns="" id="{CD5AE8A8-E027-4529-A5B7-4D355C71E647}"/>
               </a:ext>
             </a:extLst>
           </p:cNvPr>
@@ -10107,7 +10107,7 @@
           <p:cNvPr id="24" name="Content Placeholder 3">
             <a:extLst>
               <a:ext uri="{FF2B5EF4-FFF2-40B4-BE49-F238E27FC236}">
-                <a16:creationId xmlns:a16="http://schemas.microsoft.com/office/drawing/2014/main" id="{FB3E4803-F2CA-4138-9997-6108BFDFE7E2}"/>
+                <a16:creationId xmlns:a16="http://schemas.microsoft.com/office/drawing/2014/main" xmlns="" id="{FB3E4803-F2CA-4138-9997-6108BFDFE7E2}"/>
               </a:ext>
             </a:extLst>
           </p:cNvPr>
@@ -10238,7 +10238,7 @@
           <p:cNvPr id="57" name="Picture Placeholder 56">
             <a:extLst>
               <a:ext uri="{FF2B5EF4-FFF2-40B4-BE49-F238E27FC236}">
-                <a16:creationId xmlns:a16="http://schemas.microsoft.com/office/drawing/2014/main" id="{8E328517-DD21-40E0-B948-B25B366BDEC7}"/>
+                <a16:creationId xmlns:a16="http://schemas.microsoft.com/office/drawing/2014/main" xmlns="" id="{8E328517-DD21-40E0-B948-B25B366BDEC7}"/>
               </a:ext>
             </a:extLst>
           </p:cNvPr>
@@ -10635,7 +10635,7 @@
           <p:cNvPr id="35" name="Oval 34">
             <a:extLst>
               <a:ext uri="{FF2B5EF4-FFF2-40B4-BE49-F238E27FC236}">
-                <a16:creationId xmlns:a16="http://schemas.microsoft.com/office/drawing/2014/main" id="{7BC6DBB9-1B34-4374-A887-DC30F9E2F62F}"/>
+                <a16:creationId xmlns:a16="http://schemas.microsoft.com/office/drawing/2014/main" xmlns="" id="{7BC6DBB9-1B34-4374-A887-DC30F9E2F62F}"/>
               </a:ext>
             </a:extLst>
           </p:cNvPr>
@@ -10687,7 +10687,7 @@
           <p:cNvPr id="36" name="Graphic 12">
             <a:extLst>
               <a:ext uri="{FF2B5EF4-FFF2-40B4-BE49-F238E27FC236}">
-                <a16:creationId xmlns:a16="http://schemas.microsoft.com/office/drawing/2014/main" id="{00DE0AE3-F44D-4F2C-B7A3-C253AA498DEF}"/>
+                <a16:creationId xmlns:a16="http://schemas.microsoft.com/office/drawing/2014/main" xmlns="" id="{00DE0AE3-F44D-4F2C-B7A3-C253AA498DEF}"/>
               </a:ext>
             </a:extLst>
           </p:cNvPr>
@@ -10804,7 +10804,7 @@
           <p:cNvPr id="4" name="Date Placeholder 3">
             <a:extLst>
               <a:ext uri="{FF2B5EF4-FFF2-40B4-BE49-F238E27FC236}">
-                <a16:creationId xmlns:a16="http://schemas.microsoft.com/office/drawing/2014/main" id="{AC6F89F8-3E24-406D-9C49-00E6E47E4AAC}"/>
+                <a16:creationId xmlns:a16="http://schemas.microsoft.com/office/drawing/2014/main" xmlns="" id="{AC6F89F8-3E24-406D-9C49-00E6E47E4AAC}"/>
               </a:ext>
             </a:extLst>
           </p:cNvPr>
@@ -10832,7 +10832,7 @@
           <p:cNvPr id="5" name="Footer Placeholder 4">
             <a:extLst>
               <a:ext uri="{FF2B5EF4-FFF2-40B4-BE49-F238E27FC236}">
-                <a16:creationId xmlns:a16="http://schemas.microsoft.com/office/drawing/2014/main" id="{4392DBDA-ED00-4248-AC6D-0CE0B821B52F}"/>
+                <a16:creationId xmlns:a16="http://schemas.microsoft.com/office/drawing/2014/main" xmlns="" id="{4392DBDA-ED00-4248-AC6D-0CE0B821B52F}"/>
               </a:ext>
             </a:extLst>
           </p:cNvPr>
@@ -10869,7 +10869,7 @@
           <p:cNvPr id="6" name="Slide Number Placeholder 5">
             <a:extLst>
               <a:ext uri="{FF2B5EF4-FFF2-40B4-BE49-F238E27FC236}">
-                <a16:creationId xmlns:a16="http://schemas.microsoft.com/office/drawing/2014/main" id="{EC2B5F97-2F18-4EF2-9CBC-AAAB9FF4CC91}"/>
+                <a16:creationId xmlns:a16="http://schemas.microsoft.com/office/drawing/2014/main" xmlns="" id="{EC2B5F97-2F18-4EF2-9CBC-AAAB9FF4CC91}"/>
               </a:ext>
             </a:extLst>
           </p:cNvPr>
@@ -10898,7 +10898,7 @@
           <p:cNvPr id="38" name="Freeform: Shape 37">
             <a:extLst>
               <a:ext uri="{FF2B5EF4-FFF2-40B4-BE49-F238E27FC236}">
-                <a16:creationId xmlns:a16="http://schemas.microsoft.com/office/drawing/2014/main" id="{C6C05708-08C7-4EF1-B0D8-6A01C1B1AD85}"/>
+                <a16:creationId xmlns:a16="http://schemas.microsoft.com/office/drawing/2014/main" xmlns="" id="{C6C05708-08C7-4EF1-B0D8-6A01C1B1AD85}"/>
               </a:ext>
             </a:extLst>
           </p:cNvPr>
@@ -11006,7 +11006,7 @@
           <p:cNvPr id="3" name="Graphic 33">
             <a:extLst>
               <a:ext uri="{FF2B5EF4-FFF2-40B4-BE49-F238E27FC236}">
-                <a16:creationId xmlns:a16="http://schemas.microsoft.com/office/drawing/2014/main" id="{38956B41-4EE0-4C7C-8436-027F5DE8B1BC}"/>
+                <a16:creationId xmlns:a16="http://schemas.microsoft.com/office/drawing/2014/main" xmlns="" id="{38956B41-4EE0-4C7C-8436-027F5DE8B1BC}"/>
               </a:ext>
             </a:extLst>
           </p:cNvPr>
@@ -11142,7 +11142,7 @@
           <p:cNvPr id="33" name="Freeform: Shape 32">
             <a:extLst>
               <a:ext uri="{FF2B5EF4-FFF2-40B4-BE49-F238E27FC236}">
-                <a16:creationId xmlns:a16="http://schemas.microsoft.com/office/drawing/2014/main" id="{E08687FC-7322-4F20-9769-1ECF4296A96E}"/>
+                <a16:creationId xmlns:a16="http://schemas.microsoft.com/office/drawing/2014/main" xmlns="" id="{E08687FC-7322-4F20-9769-1ECF4296A96E}"/>
               </a:ext>
             </a:extLst>
           </p:cNvPr>
@@ -11250,7 +11250,7 @@
           <p:cNvPr id="41" name="Freeform: Shape 40">
             <a:extLst>
               <a:ext uri="{FF2B5EF4-FFF2-40B4-BE49-F238E27FC236}">
-                <a16:creationId xmlns:a16="http://schemas.microsoft.com/office/drawing/2014/main" id="{0FCCDE26-7222-4C1B-884A-0FAE84FA57DB}"/>
+                <a16:creationId xmlns:a16="http://schemas.microsoft.com/office/drawing/2014/main" xmlns="" id="{0FCCDE26-7222-4C1B-884A-0FAE84FA57DB}"/>
               </a:ext>
             </a:extLst>
           </p:cNvPr>
@@ -11358,7 +11358,7 @@
           <p:cNvPr id="19" name="Title 1">
             <a:extLst>
               <a:ext uri="{FF2B5EF4-FFF2-40B4-BE49-F238E27FC236}">
-                <a16:creationId xmlns:a16="http://schemas.microsoft.com/office/drawing/2014/main" id="{2AC78A4D-01A3-43A6-BE82-E64E2BF16D65}"/>
+                <a16:creationId xmlns:a16="http://schemas.microsoft.com/office/drawing/2014/main" xmlns="" id="{2AC78A4D-01A3-43A6-BE82-E64E2BF16D65}"/>
               </a:ext>
             </a:extLst>
           </p:cNvPr>
@@ -11396,7 +11396,7 @@
           <p:cNvPr id="20" name="Text Placeholder 3">
             <a:extLst>
               <a:ext uri="{FF2B5EF4-FFF2-40B4-BE49-F238E27FC236}">
-                <a16:creationId xmlns:a16="http://schemas.microsoft.com/office/drawing/2014/main" id="{E6544955-4597-4E52-9C7E-8AEB5D2A4983}"/>
+                <a16:creationId xmlns:a16="http://schemas.microsoft.com/office/drawing/2014/main" xmlns="" id="{E6544955-4597-4E52-9C7E-8AEB5D2A4983}"/>
               </a:ext>
             </a:extLst>
           </p:cNvPr>
@@ -11497,7 +11497,7 @@
           <p:cNvPr id="35" name="Oval 34">
             <a:extLst>
               <a:ext uri="{FF2B5EF4-FFF2-40B4-BE49-F238E27FC236}">
-                <a16:creationId xmlns:a16="http://schemas.microsoft.com/office/drawing/2014/main" id="{7BC6DBB9-1B34-4374-A887-DC30F9E2F62F}"/>
+                <a16:creationId xmlns:a16="http://schemas.microsoft.com/office/drawing/2014/main" xmlns="" id="{7BC6DBB9-1B34-4374-A887-DC30F9E2F62F}"/>
               </a:ext>
             </a:extLst>
           </p:cNvPr>
@@ -11549,7 +11549,7 @@
           <p:cNvPr id="36" name="Graphic 12">
             <a:extLst>
               <a:ext uri="{FF2B5EF4-FFF2-40B4-BE49-F238E27FC236}">
-                <a16:creationId xmlns:a16="http://schemas.microsoft.com/office/drawing/2014/main" id="{00DE0AE3-F44D-4F2C-B7A3-C253AA498DEF}"/>
+                <a16:creationId xmlns:a16="http://schemas.microsoft.com/office/drawing/2014/main" xmlns="" id="{00DE0AE3-F44D-4F2C-B7A3-C253AA498DEF}"/>
               </a:ext>
             </a:extLst>
           </p:cNvPr>
@@ -11666,7 +11666,7 @@
           <p:cNvPr id="4" name="Date Placeholder 3">
             <a:extLst>
               <a:ext uri="{FF2B5EF4-FFF2-40B4-BE49-F238E27FC236}">
-                <a16:creationId xmlns:a16="http://schemas.microsoft.com/office/drawing/2014/main" id="{AC6F89F8-3E24-406D-9C49-00E6E47E4AAC}"/>
+                <a16:creationId xmlns:a16="http://schemas.microsoft.com/office/drawing/2014/main" xmlns="" id="{AC6F89F8-3E24-406D-9C49-00E6E47E4AAC}"/>
               </a:ext>
             </a:extLst>
           </p:cNvPr>
@@ -11694,7 +11694,7 @@
           <p:cNvPr id="5" name="Footer Placeholder 4">
             <a:extLst>
               <a:ext uri="{FF2B5EF4-FFF2-40B4-BE49-F238E27FC236}">
-                <a16:creationId xmlns:a16="http://schemas.microsoft.com/office/drawing/2014/main" id="{4392DBDA-ED00-4248-AC6D-0CE0B821B52F}"/>
+                <a16:creationId xmlns:a16="http://schemas.microsoft.com/office/drawing/2014/main" xmlns="" id="{4392DBDA-ED00-4248-AC6D-0CE0B821B52F}"/>
               </a:ext>
             </a:extLst>
           </p:cNvPr>
@@ -11731,7 +11731,7 @@
           <p:cNvPr id="6" name="Slide Number Placeholder 5">
             <a:extLst>
               <a:ext uri="{FF2B5EF4-FFF2-40B4-BE49-F238E27FC236}">
-                <a16:creationId xmlns:a16="http://schemas.microsoft.com/office/drawing/2014/main" id="{EC2B5F97-2F18-4EF2-9CBC-AAAB9FF4CC91}"/>
+                <a16:creationId xmlns:a16="http://schemas.microsoft.com/office/drawing/2014/main" xmlns="" id="{EC2B5F97-2F18-4EF2-9CBC-AAAB9FF4CC91}"/>
               </a:ext>
             </a:extLst>
           </p:cNvPr>
@@ -11760,7 +11760,7 @@
           <p:cNvPr id="38" name="Freeform: Shape 37">
             <a:extLst>
               <a:ext uri="{FF2B5EF4-FFF2-40B4-BE49-F238E27FC236}">
-                <a16:creationId xmlns:a16="http://schemas.microsoft.com/office/drawing/2014/main" id="{C6C05708-08C7-4EF1-B0D8-6A01C1B1AD85}"/>
+                <a16:creationId xmlns:a16="http://schemas.microsoft.com/office/drawing/2014/main" xmlns="" id="{C6C05708-08C7-4EF1-B0D8-6A01C1B1AD85}"/>
               </a:ext>
             </a:extLst>
           </p:cNvPr>
@@ -11868,7 +11868,7 @@
           <p:cNvPr id="3" name="Graphic 33">
             <a:extLst>
               <a:ext uri="{FF2B5EF4-FFF2-40B4-BE49-F238E27FC236}">
-                <a16:creationId xmlns:a16="http://schemas.microsoft.com/office/drawing/2014/main" id="{38956B41-4EE0-4C7C-8436-027F5DE8B1BC}"/>
+                <a16:creationId xmlns:a16="http://schemas.microsoft.com/office/drawing/2014/main" xmlns="" id="{38956B41-4EE0-4C7C-8436-027F5DE8B1BC}"/>
               </a:ext>
             </a:extLst>
           </p:cNvPr>
@@ -12004,7 +12004,7 @@
           <p:cNvPr id="33" name="Freeform: Shape 32">
             <a:extLst>
               <a:ext uri="{FF2B5EF4-FFF2-40B4-BE49-F238E27FC236}">
-                <a16:creationId xmlns:a16="http://schemas.microsoft.com/office/drawing/2014/main" id="{E08687FC-7322-4F20-9769-1ECF4296A96E}"/>
+                <a16:creationId xmlns:a16="http://schemas.microsoft.com/office/drawing/2014/main" xmlns="" id="{E08687FC-7322-4F20-9769-1ECF4296A96E}"/>
               </a:ext>
             </a:extLst>
           </p:cNvPr>
@@ -12112,7 +12112,7 @@
           <p:cNvPr id="41" name="Freeform: Shape 40">
             <a:extLst>
               <a:ext uri="{FF2B5EF4-FFF2-40B4-BE49-F238E27FC236}">
-                <a16:creationId xmlns:a16="http://schemas.microsoft.com/office/drawing/2014/main" id="{0FCCDE26-7222-4C1B-884A-0FAE84FA57DB}"/>
+                <a16:creationId xmlns:a16="http://schemas.microsoft.com/office/drawing/2014/main" xmlns="" id="{0FCCDE26-7222-4C1B-884A-0FAE84FA57DB}"/>
               </a:ext>
             </a:extLst>
           </p:cNvPr>
@@ -12220,7 +12220,7 @@
           <p:cNvPr id="19" name="Title 1">
             <a:extLst>
               <a:ext uri="{FF2B5EF4-FFF2-40B4-BE49-F238E27FC236}">
-                <a16:creationId xmlns:a16="http://schemas.microsoft.com/office/drawing/2014/main" id="{2AC78A4D-01A3-43A6-BE82-E64E2BF16D65}"/>
+                <a16:creationId xmlns:a16="http://schemas.microsoft.com/office/drawing/2014/main" xmlns="" id="{2AC78A4D-01A3-43A6-BE82-E64E2BF16D65}"/>
               </a:ext>
             </a:extLst>
           </p:cNvPr>
@@ -12258,7 +12258,7 @@
           <p:cNvPr id="20" name="Text Placeholder 3">
             <a:extLst>
               <a:ext uri="{FF2B5EF4-FFF2-40B4-BE49-F238E27FC236}">
-                <a16:creationId xmlns:a16="http://schemas.microsoft.com/office/drawing/2014/main" id="{E6544955-4597-4E52-9C7E-8AEB5D2A4983}"/>
+                <a16:creationId xmlns:a16="http://schemas.microsoft.com/office/drawing/2014/main" xmlns="" id="{E6544955-4597-4E52-9C7E-8AEB5D2A4983}"/>
               </a:ext>
             </a:extLst>
           </p:cNvPr>
@@ -12329,7 +12329,7 @@
           <p:cNvPr id="14" name="Content Placeholder 2">
             <a:extLst>
               <a:ext uri="{FF2B5EF4-FFF2-40B4-BE49-F238E27FC236}">
-                <a16:creationId xmlns:a16="http://schemas.microsoft.com/office/drawing/2014/main" id="{A28A6791-A2CB-40CE-AEF5-A729106DA43B}"/>
+                <a16:creationId xmlns:a16="http://schemas.microsoft.com/office/drawing/2014/main" xmlns="" id="{A28A6791-A2CB-40CE-AEF5-A729106DA43B}"/>
               </a:ext>
             </a:extLst>
           </p:cNvPr>
@@ -12452,7 +12452,7 @@
           <p:cNvPr id="48" name="Oval 47">
             <a:extLst>
               <a:ext uri="{FF2B5EF4-FFF2-40B4-BE49-F238E27FC236}">
-                <a16:creationId xmlns:a16="http://schemas.microsoft.com/office/drawing/2014/main" id="{2F290D8B-987A-4555-890C-F3CD026BF7BF}"/>
+                <a16:creationId xmlns:a16="http://schemas.microsoft.com/office/drawing/2014/main" xmlns="" id="{2F290D8B-987A-4555-890C-F3CD026BF7BF}"/>
               </a:ext>
             </a:extLst>
           </p:cNvPr>
@@ -12504,7 +12504,7 @@
           <p:cNvPr id="49" name="Graphic 12">
             <a:extLst>
               <a:ext uri="{FF2B5EF4-FFF2-40B4-BE49-F238E27FC236}">
-                <a16:creationId xmlns:a16="http://schemas.microsoft.com/office/drawing/2014/main" id="{6139C5E6-5A04-4458-8EF9-628BFBA73A92}"/>
+                <a16:creationId xmlns:a16="http://schemas.microsoft.com/office/drawing/2014/main" xmlns="" id="{6139C5E6-5A04-4458-8EF9-628BFBA73A92}"/>
               </a:ext>
             </a:extLst>
           </p:cNvPr>
@@ -12621,7 +12621,7 @@
           <p:cNvPr id="4" name="Date Placeholder 3">
             <a:extLst>
               <a:ext uri="{FF2B5EF4-FFF2-40B4-BE49-F238E27FC236}">
-                <a16:creationId xmlns:a16="http://schemas.microsoft.com/office/drawing/2014/main" id="{DC2A0631-3130-4C36-8E5E-80464B1A62A7}"/>
+                <a16:creationId xmlns:a16="http://schemas.microsoft.com/office/drawing/2014/main" xmlns="" id="{DC2A0631-3130-4C36-8E5E-80464B1A62A7}"/>
               </a:ext>
             </a:extLst>
           </p:cNvPr>
@@ -12649,7 +12649,7 @@
           <p:cNvPr id="5" name="Footer Placeholder 4">
             <a:extLst>
               <a:ext uri="{FF2B5EF4-FFF2-40B4-BE49-F238E27FC236}">
-                <a16:creationId xmlns:a16="http://schemas.microsoft.com/office/drawing/2014/main" id="{79230F82-FE68-4450-98DF-5D29369AEE76}"/>
+                <a16:creationId xmlns:a16="http://schemas.microsoft.com/office/drawing/2014/main" xmlns="" id="{79230F82-FE68-4450-98DF-5D29369AEE76}"/>
               </a:ext>
             </a:extLst>
           </p:cNvPr>
@@ -12686,7 +12686,7 @@
           <p:cNvPr id="6" name="Slide Number Placeholder 5">
             <a:extLst>
               <a:ext uri="{FF2B5EF4-FFF2-40B4-BE49-F238E27FC236}">
-                <a16:creationId xmlns:a16="http://schemas.microsoft.com/office/drawing/2014/main" id="{EE6603C1-6E1A-4E4B-9555-31D84B6BDAD9}"/>
+                <a16:creationId xmlns:a16="http://schemas.microsoft.com/office/drawing/2014/main" xmlns="" id="{EE6603C1-6E1A-4E4B-9555-31D84B6BDAD9}"/>
               </a:ext>
             </a:extLst>
           </p:cNvPr>
@@ -12715,7 +12715,7 @@
           <p:cNvPr id="41" name="Graphic 39">
             <a:extLst>
               <a:ext uri="{FF2B5EF4-FFF2-40B4-BE49-F238E27FC236}">
-                <a16:creationId xmlns:a16="http://schemas.microsoft.com/office/drawing/2014/main" id="{1D75FFD8-3F66-48B3-BB01-D4B8A9496851}"/>
+                <a16:creationId xmlns:a16="http://schemas.microsoft.com/office/drawing/2014/main" xmlns="" id="{1D75FFD8-3F66-48B3-BB01-D4B8A9496851}"/>
               </a:ext>
             </a:extLst>
           </p:cNvPr>
@@ -12735,7 +12735,7 @@
             <p:cNvPr id="42" name="Freeform: Shape 41">
               <a:extLst>
                 <a:ext uri="{FF2B5EF4-FFF2-40B4-BE49-F238E27FC236}">
-                  <a16:creationId xmlns:a16="http://schemas.microsoft.com/office/drawing/2014/main" id="{9BA0EC60-510D-41EF-AFE6-E4E6BD83F8C9}"/>
+                  <a16:creationId xmlns:a16="http://schemas.microsoft.com/office/drawing/2014/main" xmlns="" id="{9BA0EC60-510D-41EF-AFE6-E4E6BD83F8C9}"/>
                 </a:ext>
               </a:extLst>
             </p:cNvPr>
@@ -12925,7 +12925,7 @@
             <p:cNvPr id="43" name="Freeform: Shape 42">
               <a:extLst>
                 <a:ext uri="{FF2B5EF4-FFF2-40B4-BE49-F238E27FC236}">
-                  <a16:creationId xmlns:a16="http://schemas.microsoft.com/office/drawing/2014/main" id="{0162C508-E081-418C-A19D-15A59388C43A}"/>
+                  <a16:creationId xmlns:a16="http://schemas.microsoft.com/office/drawing/2014/main" xmlns="" id="{0162C508-E081-418C-A19D-15A59388C43A}"/>
                 </a:ext>
               </a:extLst>
             </p:cNvPr>
@@ -13033,7 +13033,7 @@
             <p:cNvPr id="44" name="Freeform: Shape 43">
               <a:extLst>
                 <a:ext uri="{FF2B5EF4-FFF2-40B4-BE49-F238E27FC236}">
-                  <a16:creationId xmlns:a16="http://schemas.microsoft.com/office/drawing/2014/main" id="{2A710D7D-FC65-4BF6-BDA4-E59B01AD6FBC}"/>
+                  <a16:creationId xmlns:a16="http://schemas.microsoft.com/office/drawing/2014/main" xmlns="" id="{2A710D7D-FC65-4BF6-BDA4-E59B01AD6FBC}"/>
                 </a:ext>
               </a:extLst>
             </p:cNvPr>
@@ -13141,7 +13141,7 @@
             <p:cNvPr id="45" name="Freeform: Shape 44">
               <a:extLst>
                 <a:ext uri="{FF2B5EF4-FFF2-40B4-BE49-F238E27FC236}">
-                  <a16:creationId xmlns:a16="http://schemas.microsoft.com/office/drawing/2014/main" id="{18811B6B-BBB0-4D69-AEF8-AD0A7F9A4B57}"/>
+                  <a16:creationId xmlns:a16="http://schemas.microsoft.com/office/drawing/2014/main" xmlns="" id="{18811B6B-BBB0-4D69-AEF8-AD0A7F9A4B57}"/>
                 </a:ext>
               </a:extLst>
             </p:cNvPr>
@@ -13249,7 +13249,7 @@
             <p:cNvPr id="46" name="Freeform: Shape 45">
               <a:extLst>
                 <a:ext uri="{FF2B5EF4-FFF2-40B4-BE49-F238E27FC236}">
-                  <a16:creationId xmlns:a16="http://schemas.microsoft.com/office/drawing/2014/main" id="{3DB7F04C-0D31-4172-9D02-F8C8B2043EB9}"/>
+                  <a16:creationId xmlns:a16="http://schemas.microsoft.com/office/drawing/2014/main" xmlns="" id="{3DB7F04C-0D31-4172-9D02-F8C8B2043EB9}"/>
                 </a:ext>
               </a:extLst>
             </p:cNvPr>
@@ -13429,7 +13429,7 @@
             <p:cNvPr id="47" name="Freeform: Shape 46">
               <a:extLst>
                 <a:ext uri="{FF2B5EF4-FFF2-40B4-BE49-F238E27FC236}">
-                  <a16:creationId xmlns:a16="http://schemas.microsoft.com/office/drawing/2014/main" id="{1FB04931-77A8-4259-95CA-DA7DEDB2DEFD}"/>
+                  <a16:creationId xmlns:a16="http://schemas.microsoft.com/office/drawing/2014/main" xmlns="" id="{1FB04931-77A8-4259-95CA-DA7DEDB2DEFD}"/>
                 </a:ext>
               </a:extLst>
             </p:cNvPr>
@@ -13620,7 +13620,7 @@
           <p:cNvPr id="18" name="Graphic 19">
             <a:extLst>
               <a:ext uri="{FF2B5EF4-FFF2-40B4-BE49-F238E27FC236}">
-                <a16:creationId xmlns:a16="http://schemas.microsoft.com/office/drawing/2014/main" id="{436C4D92-1746-4D54-8232-468DFF66CF79}"/>
+                <a16:creationId xmlns:a16="http://schemas.microsoft.com/office/drawing/2014/main" xmlns="" id="{436C4D92-1746-4D54-8232-468DFF66CF79}"/>
               </a:ext>
             </a:extLst>
           </p:cNvPr>
@@ -13756,7 +13756,7 @@
           <p:cNvPr id="19" name="Title 6">
             <a:extLst>
               <a:ext uri="{FF2B5EF4-FFF2-40B4-BE49-F238E27FC236}">
-                <a16:creationId xmlns:a16="http://schemas.microsoft.com/office/drawing/2014/main" id="{E77FD51D-3B1F-4D51-8A61-6CF8222774BD}"/>
+                <a16:creationId xmlns:a16="http://schemas.microsoft.com/office/drawing/2014/main" xmlns="" id="{E77FD51D-3B1F-4D51-8A61-6CF8222774BD}"/>
               </a:ext>
             </a:extLst>
           </p:cNvPr>
@@ -13820,7 +13820,7 @@
           <p:cNvPr id="48" name="Oval 47">
             <a:extLst>
               <a:ext uri="{FF2B5EF4-FFF2-40B4-BE49-F238E27FC236}">
-                <a16:creationId xmlns:a16="http://schemas.microsoft.com/office/drawing/2014/main" id="{2F290D8B-987A-4555-890C-F3CD026BF7BF}"/>
+                <a16:creationId xmlns:a16="http://schemas.microsoft.com/office/drawing/2014/main" xmlns="" id="{2F290D8B-987A-4555-890C-F3CD026BF7BF}"/>
               </a:ext>
             </a:extLst>
           </p:cNvPr>
@@ -13872,7 +13872,7 @@
           <p:cNvPr id="49" name="Graphic 12">
             <a:extLst>
               <a:ext uri="{FF2B5EF4-FFF2-40B4-BE49-F238E27FC236}">
-                <a16:creationId xmlns:a16="http://schemas.microsoft.com/office/drawing/2014/main" id="{6139C5E6-5A04-4458-8EF9-628BFBA73A92}"/>
+                <a16:creationId xmlns:a16="http://schemas.microsoft.com/office/drawing/2014/main" xmlns="" id="{6139C5E6-5A04-4458-8EF9-628BFBA73A92}"/>
               </a:ext>
             </a:extLst>
           </p:cNvPr>
@@ -13989,7 +13989,7 @@
           <p:cNvPr id="4" name="Date Placeholder 3">
             <a:extLst>
               <a:ext uri="{FF2B5EF4-FFF2-40B4-BE49-F238E27FC236}">
-                <a16:creationId xmlns:a16="http://schemas.microsoft.com/office/drawing/2014/main" id="{DC2A0631-3130-4C36-8E5E-80464B1A62A7}"/>
+                <a16:creationId xmlns:a16="http://schemas.microsoft.com/office/drawing/2014/main" xmlns="" id="{DC2A0631-3130-4C36-8E5E-80464B1A62A7}"/>
               </a:ext>
             </a:extLst>
           </p:cNvPr>
@@ -14017,7 +14017,7 @@
           <p:cNvPr id="5" name="Footer Placeholder 4">
             <a:extLst>
               <a:ext uri="{FF2B5EF4-FFF2-40B4-BE49-F238E27FC236}">
-                <a16:creationId xmlns:a16="http://schemas.microsoft.com/office/drawing/2014/main" id="{79230F82-FE68-4450-98DF-5D29369AEE76}"/>
+                <a16:creationId xmlns:a16="http://schemas.microsoft.com/office/drawing/2014/main" xmlns="" id="{79230F82-FE68-4450-98DF-5D29369AEE76}"/>
               </a:ext>
             </a:extLst>
           </p:cNvPr>
@@ -14054,7 +14054,7 @@
           <p:cNvPr id="6" name="Slide Number Placeholder 5">
             <a:extLst>
               <a:ext uri="{FF2B5EF4-FFF2-40B4-BE49-F238E27FC236}">
-                <a16:creationId xmlns:a16="http://schemas.microsoft.com/office/drawing/2014/main" id="{EE6603C1-6E1A-4E4B-9555-31D84B6BDAD9}"/>
+                <a16:creationId xmlns:a16="http://schemas.microsoft.com/office/drawing/2014/main" xmlns="" id="{EE6603C1-6E1A-4E4B-9555-31D84B6BDAD9}"/>
               </a:ext>
             </a:extLst>
           </p:cNvPr>
@@ -14083,7 +14083,7 @@
           <p:cNvPr id="41" name="Graphic 39">
             <a:extLst>
               <a:ext uri="{FF2B5EF4-FFF2-40B4-BE49-F238E27FC236}">
-                <a16:creationId xmlns:a16="http://schemas.microsoft.com/office/drawing/2014/main" id="{1D75FFD8-3F66-48B3-BB01-D4B8A9496851}"/>
+                <a16:creationId xmlns:a16="http://schemas.microsoft.com/office/drawing/2014/main" xmlns="" id="{1D75FFD8-3F66-48B3-BB01-D4B8A9496851}"/>
               </a:ext>
             </a:extLst>
           </p:cNvPr>
@@ -14103,7 +14103,7 @@
             <p:cNvPr id="42" name="Freeform: Shape 41">
               <a:extLst>
                 <a:ext uri="{FF2B5EF4-FFF2-40B4-BE49-F238E27FC236}">
-                  <a16:creationId xmlns:a16="http://schemas.microsoft.com/office/drawing/2014/main" id="{9BA0EC60-510D-41EF-AFE6-E4E6BD83F8C9}"/>
+                  <a16:creationId xmlns:a16="http://schemas.microsoft.com/office/drawing/2014/main" xmlns="" id="{9BA0EC60-510D-41EF-AFE6-E4E6BD83F8C9}"/>
                 </a:ext>
               </a:extLst>
             </p:cNvPr>
@@ -14293,7 +14293,7 @@
             <p:cNvPr id="43" name="Freeform: Shape 42">
               <a:extLst>
                 <a:ext uri="{FF2B5EF4-FFF2-40B4-BE49-F238E27FC236}">
-                  <a16:creationId xmlns:a16="http://schemas.microsoft.com/office/drawing/2014/main" id="{0162C508-E081-418C-A19D-15A59388C43A}"/>
+                  <a16:creationId xmlns:a16="http://schemas.microsoft.com/office/drawing/2014/main" xmlns="" id="{0162C508-E081-418C-A19D-15A59388C43A}"/>
                 </a:ext>
               </a:extLst>
             </p:cNvPr>
@@ -14401,7 +14401,7 @@
             <p:cNvPr id="44" name="Freeform: Shape 43">
               <a:extLst>
                 <a:ext uri="{FF2B5EF4-FFF2-40B4-BE49-F238E27FC236}">
-                  <a16:creationId xmlns:a16="http://schemas.microsoft.com/office/drawing/2014/main" id="{2A710D7D-FC65-4BF6-BDA4-E59B01AD6FBC}"/>
+                  <a16:creationId xmlns:a16="http://schemas.microsoft.com/office/drawing/2014/main" xmlns="" id="{2A710D7D-FC65-4BF6-BDA4-E59B01AD6FBC}"/>
                 </a:ext>
               </a:extLst>
             </p:cNvPr>
@@ -14509,7 +14509,7 @@
             <p:cNvPr id="45" name="Freeform: Shape 44">
               <a:extLst>
                 <a:ext uri="{FF2B5EF4-FFF2-40B4-BE49-F238E27FC236}">
-                  <a16:creationId xmlns:a16="http://schemas.microsoft.com/office/drawing/2014/main" id="{18811B6B-BBB0-4D69-AEF8-AD0A7F9A4B57}"/>
+                  <a16:creationId xmlns:a16="http://schemas.microsoft.com/office/drawing/2014/main" xmlns="" id="{18811B6B-BBB0-4D69-AEF8-AD0A7F9A4B57}"/>
                 </a:ext>
               </a:extLst>
             </p:cNvPr>
@@ -14617,7 +14617,7 @@
             <p:cNvPr id="46" name="Freeform: Shape 45">
               <a:extLst>
                 <a:ext uri="{FF2B5EF4-FFF2-40B4-BE49-F238E27FC236}">
-                  <a16:creationId xmlns:a16="http://schemas.microsoft.com/office/drawing/2014/main" id="{3DB7F04C-0D31-4172-9D02-F8C8B2043EB9}"/>
+                  <a16:creationId xmlns:a16="http://schemas.microsoft.com/office/drawing/2014/main" xmlns="" id="{3DB7F04C-0D31-4172-9D02-F8C8B2043EB9}"/>
                 </a:ext>
               </a:extLst>
             </p:cNvPr>
@@ -14797,7 +14797,7 @@
             <p:cNvPr id="47" name="Freeform: Shape 46">
               <a:extLst>
                 <a:ext uri="{FF2B5EF4-FFF2-40B4-BE49-F238E27FC236}">
-                  <a16:creationId xmlns:a16="http://schemas.microsoft.com/office/drawing/2014/main" id="{1FB04931-77A8-4259-95CA-DA7DEDB2DEFD}"/>
+                  <a16:creationId xmlns:a16="http://schemas.microsoft.com/office/drawing/2014/main" xmlns="" id="{1FB04931-77A8-4259-95CA-DA7DEDB2DEFD}"/>
                 </a:ext>
               </a:extLst>
             </p:cNvPr>
@@ -15018,7 +15018,7 @@
           <p:cNvPr id="39" name="Picture Placeholder 38">
             <a:extLst>
               <a:ext uri="{FF2B5EF4-FFF2-40B4-BE49-F238E27FC236}">
-                <a16:creationId xmlns:a16="http://schemas.microsoft.com/office/drawing/2014/main" id="{12A714F2-A8EC-40F7-ACFF-A00E1DD10C56}"/>
+                <a16:creationId xmlns:a16="http://schemas.microsoft.com/office/drawing/2014/main" xmlns="" id="{12A714F2-A8EC-40F7-ACFF-A00E1DD10C56}"/>
               </a:ext>
             </a:extLst>
           </p:cNvPr>
@@ -15185,7 +15185,7 @@
           <p:cNvPr id="34" name="Oval 33">
             <a:extLst>
               <a:ext uri="{FF2B5EF4-FFF2-40B4-BE49-F238E27FC236}">
-                <a16:creationId xmlns:a16="http://schemas.microsoft.com/office/drawing/2014/main" id="{13074BE4-153F-46FE-B915-CD1AEF318A25}"/>
+                <a16:creationId xmlns:a16="http://schemas.microsoft.com/office/drawing/2014/main" xmlns="" id="{13074BE4-153F-46FE-B915-CD1AEF318A25}"/>
               </a:ext>
             </a:extLst>
           </p:cNvPr>
@@ -15237,7 +15237,7 @@
           <p:cNvPr id="35" name="Graphic 12">
             <a:extLst>
               <a:ext uri="{FF2B5EF4-FFF2-40B4-BE49-F238E27FC236}">
-                <a16:creationId xmlns:a16="http://schemas.microsoft.com/office/drawing/2014/main" id="{0B7E91C4-F19E-46BE-B05F-139B5418924E}"/>
+                <a16:creationId xmlns:a16="http://schemas.microsoft.com/office/drawing/2014/main" xmlns="" id="{0B7E91C4-F19E-46BE-B05F-139B5418924E}"/>
               </a:ext>
             </a:extLst>
           </p:cNvPr>
@@ -15354,7 +15354,7 @@
           <p:cNvPr id="10" name="Freeform: Shape 9">
             <a:extLst>
               <a:ext uri="{FF2B5EF4-FFF2-40B4-BE49-F238E27FC236}">
-                <a16:creationId xmlns:a16="http://schemas.microsoft.com/office/drawing/2014/main" id="{08A64499-0304-4070-BCB0-67E2BE20A3EA}"/>
+                <a16:creationId xmlns:a16="http://schemas.microsoft.com/office/drawing/2014/main" xmlns="" id="{08A64499-0304-4070-BCB0-67E2BE20A3EA}"/>
               </a:ext>
             </a:extLst>
           </p:cNvPr>
@@ -15462,7 +15462,7 @@
           <p:cNvPr id="25" name="Freeform: Shape 24">
             <a:extLst>
               <a:ext uri="{FF2B5EF4-FFF2-40B4-BE49-F238E27FC236}">
-                <a16:creationId xmlns:a16="http://schemas.microsoft.com/office/drawing/2014/main" id="{ED1736B3-AE79-40C2-80FF-2FB0FEE27195}"/>
+                <a16:creationId xmlns:a16="http://schemas.microsoft.com/office/drawing/2014/main" xmlns="" id="{ED1736B3-AE79-40C2-80FF-2FB0FEE27195}"/>
               </a:ext>
             </a:extLst>
           </p:cNvPr>
@@ -15552,7 +15552,7 @@
           <p:cNvPr id="2" name="Title 1">
             <a:extLst>
               <a:ext uri="{FF2B5EF4-FFF2-40B4-BE49-F238E27FC236}">
-                <a16:creationId xmlns:a16="http://schemas.microsoft.com/office/drawing/2014/main" id="{DC2228EE-3546-4272-9C39-150FF23CE033}"/>
+                <a16:creationId xmlns:a16="http://schemas.microsoft.com/office/drawing/2014/main" xmlns="" id="{DC2228EE-3546-4272-9C39-150FF23CE033}"/>
               </a:ext>
             </a:extLst>
           </p:cNvPr>
@@ -15604,7 +15604,7 @@
           <p:cNvPr id="3" name="Subtitle 2">
             <a:extLst>
               <a:ext uri="{FF2B5EF4-FFF2-40B4-BE49-F238E27FC236}">
-                <a16:creationId xmlns:a16="http://schemas.microsoft.com/office/drawing/2014/main" id="{0F2EFCC6-4D5A-4B43-A534-1A868887BC7F}"/>
+                <a16:creationId xmlns:a16="http://schemas.microsoft.com/office/drawing/2014/main" xmlns="" id="{0F2EFCC6-4D5A-4B43-A534-1A868887BC7F}"/>
               </a:ext>
             </a:extLst>
           </p:cNvPr>
@@ -15681,7 +15681,7 @@
           <p:cNvPr id="4" name="Date Placeholder 3">
             <a:extLst>
               <a:ext uri="{FF2B5EF4-FFF2-40B4-BE49-F238E27FC236}">
-                <a16:creationId xmlns:a16="http://schemas.microsoft.com/office/drawing/2014/main" id="{0FD10BB4-D57E-4372-8E10-AC15DC09615A}"/>
+                <a16:creationId xmlns:a16="http://schemas.microsoft.com/office/drawing/2014/main" xmlns="" id="{0FD10BB4-D57E-4372-8E10-AC15DC09615A}"/>
               </a:ext>
             </a:extLst>
           </p:cNvPr>
@@ -15709,7 +15709,7 @@
           <p:cNvPr id="5" name="Footer Placeholder 4">
             <a:extLst>
               <a:ext uri="{FF2B5EF4-FFF2-40B4-BE49-F238E27FC236}">
-                <a16:creationId xmlns:a16="http://schemas.microsoft.com/office/drawing/2014/main" id="{66020939-F172-405E-A418-A87CE5D908B7}"/>
+                <a16:creationId xmlns:a16="http://schemas.microsoft.com/office/drawing/2014/main" xmlns="" id="{66020939-F172-405E-A418-A87CE5D908B7}"/>
               </a:ext>
             </a:extLst>
           </p:cNvPr>
@@ -15746,7 +15746,7 @@
           <p:cNvPr id="24" name="Graphic 22">
             <a:extLst>
               <a:ext uri="{FF2B5EF4-FFF2-40B4-BE49-F238E27FC236}">
-                <a16:creationId xmlns:a16="http://schemas.microsoft.com/office/drawing/2014/main" id="{4EE1436E-33B5-4388-87D8-2D0633CC3CE7}"/>
+                <a16:creationId xmlns:a16="http://schemas.microsoft.com/office/drawing/2014/main" xmlns="" id="{4EE1436E-33B5-4388-87D8-2D0633CC3CE7}"/>
               </a:ext>
             </a:extLst>
           </p:cNvPr>
@@ -15882,7 +15882,7 @@
           <p:cNvPr id="9" name="Freeform: Shape 8">
             <a:extLst>
               <a:ext uri="{FF2B5EF4-FFF2-40B4-BE49-F238E27FC236}">
-                <a16:creationId xmlns:a16="http://schemas.microsoft.com/office/drawing/2014/main" id="{A8FB11AB-3031-47CA-85DD-696856C3C62C}"/>
+                <a16:creationId xmlns:a16="http://schemas.microsoft.com/office/drawing/2014/main" xmlns="" id="{A8FB11AB-3031-47CA-85DD-696856C3C62C}"/>
               </a:ext>
             </a:extLst>
           </p:cNvPr>
@@ -15990,7 +15990,7 @@
           <p:cNvPr id="6" name="Slide Number Placeholder 5">
             <a:extLst>
               <a:ext uri="{FF2B5EF4-FFF2-40B4-BE49-F238E27FC236}">
-                <a16:creationId xmlns:a16="http://schemas.microsoft.com/office/drawing/2014/main" id="{E0210624-61F8-48B2-BD00-D3BC39DEBDCF}"/>
+                <a16:creationId xmlns:a16="http://schemas.microsoft.com/office/drawing/2014/main" xmlns="" id="{E0210624-61F8-48B2-BD00-D3BC39DEBDCF}"/>
               </a:ext>
             </a:extLst>
           </p:cNvPr>
@@ -16019,7 +16019,7 @@
           <p:cNvPr id="38" name="Freeform: Shape 37">
             <a:extLst>
               <a:ext uri="{FF2B5EF4-FFF2-40B4-BE49-F238E27FC236}">
-                <a16:creationId xmlns:a16="http://schemas.microsoft.com/office/drawing/2014/main" id="{9CD6F167-FB82-4EFB-BAB9-1D0FEE07B85D}"/>
+                <a16:creationId xmlns:a16="http://schemas.microsoft.com/office/drawing/2014/main" xmlns="" id="{9CD6F167-FB82-4EFB-BAB9-1D0FEE07B85D}"/>
               </a:ext>
             </a:extLst>
           </p:cNvPr>
@@ -16145,7 +16145,7 @@
           <p:cNvPr id="36" name="Freeform: Shape 35">
             <a:extLst>
               <a:ext uri="{FF2B5EF4-FFF2-40B4-BE49-F238E27FC236}">
-                <a16:creationId xmlns:a16="http://schemas.microsoft.com/office/drawing/2014/main" id="{3DD2082D-81A7-4E2D-8136-9D48016E7FE9}"/>
+                <a16:creationId xmlns:a16="http://schemas.microsoft.com/office/drawing/2014/main" xmlns="" id="{3DD2082D-81A7-4E2D-8136-9D48016E7FE9}"/>
               </a:ext>
             </a:extLst>
           </p:cNvPr>
@@ -16235,7 +16235,7 @@
           <p:cNvPr id="30" name="Freeform: Shape 29">
             <a:extLst>
               <a:ext uri="{FF2B5EF4-FFF2-40B4-BE49-F238E27FC236}">
-                <a16:creationId xmlns:a16="http://schemas.microsoft.com/office/drawing/2014/main" id="{ECF16C35-4A81-4062-808C-7697AF0FD6F5}"/>
+                <a16:creationId xmlns:a16="http://schemas.microsoft.com/office/drawing/2014/main" xmlns="" id="{ECF16C35-4A81-4062-808C-7697AF0FD6F5}"/>
               </a:ext>
             </a:extLst>
           </p:cNvPr>
@@ -16394,7 +16394,7 @@
   </p:clrMapOvr>
   <p:extLst mod="1">
     <p:ext uri="{DCECCB84-F9BA-43D5-87BE-67443E8EF086}">
-      <p15:sldGuideLst xmlns:p15="http://schemas.microsoft.com/office/powerpoint/2012/main">
+      <p15:sldGuideLst xmlns:p15="http://schemas.microsoft.com/office/powerpoint/2012/main" xmlns="">
         <p15:guide id="1" orient="horz" pos="2160" userDrawn="1">
           <p15:clr>
             <a:srgbClr val="FBAE40"/>
@@ -16433,7 +16433,7 @@
           <p:cNvPr id="26" name="Picture Placeholder 25">
             <a:extLst>
               <a:ext uri="{FF2B5EF4-FFF2-40B4-BE49-F238E27FC236}">
-                <a16:creationId xmlns:a16="http://schemas.microsoft.com/office/drawing/2014/main" id="{5A97CE06-9ECC-4438-8B22-B58B27F2B5FA}"/>
+                <a16:creationId xmlns:a16="http://schemas.microsoft.com/office/drawing/2014/main" xmlns="" id="{5A97CE06-9ECC-4438-8B22-B58B27F2B5FA}"/>
               </a:ext>
             </a:extLst>
           </p:cNvPr>
@@ -16636,7 +16636,7 @@
           <p:cNvPr id="24" name="Oval 23">
             <a:extLst>
               <a:ext uri="{FF2B5EF4-FFF2-40B4-BE49-F238E27FC236}">
-                <a16:creationId xmlns:a16="http://schemas.microsoft.com/office/drawing/2014/main" id="{CE8B26E3-C9CA-4CFF-8221-19518F497FF4}"/>
+                <a16:creationId xmlns:a16="http://schemas.microsoft.com/office/drawing/2014/main" xmlns="" id="{CE8B26E3-C9CA-4CFF-8221-19518F497FF4}"/>
               </a:ext>
             </a:extLst>
           </p:cNvPr>
@@ -16688,7 +16688,7 @@
           <p:cNvPr id="25" name="Graphic 12">
             <a:extLst>
               <a:ext uri="{FF2B5EF4-FFF2-40B4-BE49-F238E27FC236}">
-                <a16:creationId xmlns:a16="http://schemas.microsoft.com/office/drawing/2014/main" id="{A9957602-C843-44E0-A93F-66AF5A6A0F0A}"/>
+                <a16:creationId xmlns:a16="http://schemas.microsoft.com/office/drawing/2014/main" xmlns="" id="{A9957602-C843-44E0-A93F-66AF5A6A0F0A}"/>
               </a:ext>
             </a:extLst>
           </p:cNvPr>
@@ -16805,7 +16805,7 @@
           <p:cNvPr id="2" name="Title 1">
             <a:extLst>
               <a:ext uri="{FF2B5EF4-FFF2-40B4-BE49-F238E27FC236}">
-                <a16:creationId xmlns:a16="http://schemas.microsoft.com/office/drawing/2014/main" id="{7242568A-7F20-40F2-9490-E3BC7466DA0D}"/>
+                <a16:creationId xmlns:a16="http://schemas.microsoft.com/office/drawing/2014/main" xmlns="" id="{7242568A-7F20-40F2-9490-E3BC7466DA0D}"/>
               </a:ext>
             </a:extLst>
           </p:cNvPr>
@@ -16843,7 +16843,7 @@
           <p:cNvPr id="4" name="Date Placeholder 3">
             <a:extLst>
               <a:ext uri="{FF2B5EF4-FFF2-40B4-BE49-F238E27FC236}">
-                <a16:creationId xmlns:a16="http://schemas.microsoft.com/office/drawing/2014/main" id="{AC6F89F8-3E24-406D-9C49-00E6E47E4AAC}"/>
+                <a16:creationId xmlns:a16="http://schemas.microsoft.com/office/drawing/2014/main" xmlns="" id="{AC6F89F8-3E24-406D-9C49-00E6E47E4AAC}"/>
               </a:ext>
             </a:extLst>
           </p:cNvPr>
@@ -16871,7 +16871,7 @@
           <p:cNvPr id="5" name="Footer Placeholder 4">
             <a:extLst>
               <a:ext uri="{FF2B5EF4-FFF2-40B4-BE49-F238E27FC236}">
-                <a16:creationId xmlns:a16="http://schemas.microsoft.com/office/drawing/2014/main" id="{4392DBDA-ED00-4248-AC6D-0CE0B821B52F}"/>
+                <a16:creationId xmlns:a16="http://schemas.microsoft.com/office/drawing/2014/main" xmlns="" id="{4392DBDA-ED00-4248-AC6D-0CE0B821B52F}"/>
               </a:ext>
             </a:extLst>
           </p:cNvPr>
@@ -16908,7 +16908,7 @@
           <p:cNvPr id="6" name="Slide Number Placeholder 5">
             <a:extLst>
               <a:ext uri="{FF2B5EF4-FFF2-40B4-BE49-F238E27FC236}">
-                <a16:creationId xmlns:a16="http://schemas.microsoft.com/office/drawing/2014/main" id="{EC2B5F97-2F18-4EF2-9CBC-AAAB9FF4CC91}"/>
+                <a16:creationId xmlns:a16="http://schemas.microsoft.com/office/drawing/2014/main" xmlns="" id="{EC2B5F97-2F18-4EF2-9CBC-AAAB9FF4CC91}"/>
               </a:ext>
             </a:extLst>
           </p:cNvPr>
@@ -16937,7 +16937,7 @@
           <p:cNvPr id="10" name="Freeform: Shape 9">
             <a:extLst>
               <a:ext uri="{FF2B5EF4-FFF2-40B4-BE49-F238E27FC236}">
-                <a16:creationId xmlns:a16="http://schemas.microsoft.com/office/drawing/2014/main" id="{7492975F-6F5D-4157-A751-54BACCCF1800}"/>
+                <a16:creationId xmlns:a16="http://schemas.microsoft.com/office/drawing/2014/main" xmlns="" id="{7492975F-6F5D-4157-A751-54BACCCF1800}"/>
               </a:ext>
             </a:extLst>
           </p:cNvPr>
@@ -17045,7 +17045,7 @@
           <p:cNvPr id="13" name="Freeform: Shape 12">
             <a:extLst>
               <a:ext uri="{FF2B5EF4-FFF2-40B4-BE49-F238E27FC236}">
-                <a16:creationId xmlns:a16="http://schemas.microsoft.com/office/drawing/2014/main" id="{6C50EDEB-35C1-4DED-A608-A0EAA8DE5404}"/>
+                <a16:creationId xmlns:a16="http://schemas.microsoft.com/office/drawing/2014/main" xmlns="" id="{6C50EDEB-35C1-4DED-A608-A0EAA8DE5404}"/>
               </a:ext>
             </a:extLst>
           </p:cNvPr>
@@ -17205,7 +17205,7 @@
           <p:cNvPr id="16" name="Text Placeholder 14">
             <a:extLst>
               <a:ext uri="{FF2B5EF4-FFF2-40B4-BE49-F238E27FC236}">
-                <a16:creationId xmlns:a16="http://schemas.microsoft.com/office/drawing/2014/main" id="{F469DEB5-CC79-4D71-8360-0B10B34244B7}"/>
+                <a16:creationId xmlns:a16="http://schemas.microsoft.com/office/drawing/2014/main" xmlns="" id="{F469DEB5-CC79-4D71-8360-0B10B34244B7}"/>
               </a:ext>
             </a:extLst>
           </p:cNvPr>
@@ -17246,7 +17246,7 @@
           <p:cNvPr id="17" name="Text Placeholder 14">
             <a:extLst>
               <a:ext uri="{FF2B5EF4-FFF2-40B4-BE49-F238E27FC236}">
-                <a16:creationId xmlns:a16="http://schemas.microsoft.com/office/drawing/2014/main" id="{9EE0722D-F13C-4FFB-9E31-CC024B92E6CD}"/>
+                <a16:creationId xmlns:a16="http://schemas.microsoft.com/office/drawing/2014/main" xmlns="" id="{9EE0722D-F13C-4FFB-9E31-CC024B92E6CD}"/>
               </a:ext>
             </a:extLst>
           </p:cNvPr>
@@ -17301,7 +17301,7 @@
           <p:cNvPr id="3" name="Graphic 22">
             <a:extLst>
               <a:ext uri="{FF2B5EF4-FFF2-40B4-BE49-F238E27FC236}">
-                <a16:creationId xmlns:a16="http://schemas.microsoft.com/office/drawing/2014/main" id="{827885C7-FA6F-4513-83BC-BEAD42F63D5B}"/>
+                <a16:creationId xmlns:a16="http://schemas.microsoft.com/office/drawing/2014/main" xmlns="" id="{827885C7-FA6F-4513-83BC-BEAD42F63D5B}"/>
               </a:ext>
             </a:extLst>
           </p:cNvPr>
@@ -17437,7 +17437,7 @@
           <p:cNvPr id="22" name="Freeform: Shape 21">
             <a:extLst>
               <a:ext uri="{FF2B5EF4-FFF2-40B4-BE49-F238E27FC236}">
-                <a16:creationId xmlns:a16="http://schemas.microsoft.com/office/drawing/2014/main" id="{30961087-B677-45AC-8D02-FEE615D17609}"/>
+                <a16:creationId xmlns:a16="http://schemas.microsoft.com/office/drawing/2014/main" xmlns="" id="{30961087-B677-45AC-8D02-FEE615D17609}"/>
               </a:ext>
             </a:extLst>
           </p:cNvPr>
@@ -17575,7 +17575,7 @@
           <p:cNvPr id="42" name="Picture Placeholder 41">
             <a:extLst>
               <a:ext uri="{FF2B5EF4-FFF2-40B4-BE49-F238E27FC236}">
-                <a16:creationId xmlns:a16="http://schemas.microsoft.com/office/drawing/2014/main" id="{D6E0F90B-941A-45B6-85DA-E0D4E7977CD8}"/>
+                <a16:creationId xmlns:a16="http://schemas.microsoft.com/office/drawing/2014/main" xmlns="" id="{D6E0F90B-941A-45B6-85DA-E0D4E7977CD8}"/>
               </a:ext>
             </a:extLst>
           </p:cNvPr>
@@ -17812,7 +17812,7 @@
           <p:cNvPr id="35" name="Oval 34">
             <a:extLst>
               <a:ext uri="{FF2B5EF4-FFF2-40B4-BE49-F238E27FC236}">
-                <a16:creationId xmlns:a16="http://schemas.microsoft.com/office/drawing/2014/main" id="{7BC6DBB9-1B34-4374-A887-DC30F9E2F62F}"/>
+                <a16:creationId xmlns:a16="http://schemas.microsoft.com/office/drawing/2014/main" xmlns="" id="{7BC6DBB9-1B34-4374-A887-DC30F9E2F62F}"/>
               </a:ext>
             </a:extLst>
           </p:cNvPr>
@@ -17864,7 +17864,7 @@
           <p:cNvPr id="36" name="Graphic 12">
             <a:extLst>
               <a:ext uri="{FF2B5EF4-FFF2-40B4-BE49-F238E27FC236}">
-                <a16:creationId xmlns:a16="http://schemas.microsoft.com/office/drawing/2014/main" id="{00DE0AE3-F44D-4F2C-B7A3-C253AA498DEF}"/>
+                <a16:creationId xmlns:a16="http://schemas.microsoft.com/office/drawing/2014/main" xmlns="" id="{00DE0AE3-F44D-4F2C-B7A3-C253AA498DEF}"/>
               </a:ext>
             </a:extLst>
           </p:cNvPr>
@@ -17981,7 +17981,7 @@
           <p:cNvPr id="2" name="Title 1">
             <a:extLst>
               <a:ext uri="{FF2B5EF4-FFF2-40B4-BE49-F238E27FC236}">
-                <a16:creationId xmlns:a16="http://schemas.microsoft.com/office/drawing/2014/main" id="{7242568A-7F20-40F2-9490-E3BC7466DA0D}"/>
+                <a16:creationId xmlns:a16="http://schemas.microsoft.com/office/drawing/2014/main" xmlns="" id="{7242568A-7F20-40F2-9490-E3BC7466DA0D}"/>
               </a:ext>
             </a:extLst>
           </p:cNvPr>
@@ -18019,7 +18019,7 @@
           <p:cNvPr id="4" name="Date Placeholder 3">
             <a:extLst>
               <a:ext uri="{FF2B5EF4-FFF2-40B4-BE49-F238E27FC236}">
-                <a16:creationId xmlns:a16="http://schemas.microsoft.com/office/drawing/2014/main" id="{AC6F89F8-3E24-406D-9C49-00E6E47E4AAC}"/>
+                <a16:creationId xmlns:a16="http://schemas.microsoft.com/office/drawing/2014/main" xmlns="" id="{AC6F89F8-3E24-406D-9C49-00E6E47E4AAC}"/>
               </a:ext>
             </a:extLst>
           </p:cNvPr>
@@ -18047,7 +18047,7 @@
           <p:cNvPr id="5" name="Footer Placeholder 4">
             <a:extLst>
               <a:ext uri="{FF2B5EF4-FFF2-40B4-BE49-F238E27FC236}">
-                <a16:creationId xmlns:a16="http://schemas.microsoft.com/office/drawing/2014/main" id="{4392DBDA-ED00-4248-AC6D-0CE0B821B52F}"/>
+                <a16:creationId xmlns:a16="http://schemas.microsoft.com/office/drawing/2014/main" xmlns="" id="{4392DBDA-ED00-4248-AC6D-0CE0B821B52F}"/>
               </a:ext>
             </a:extLst>
           </p:cNvPr>
@@ -18084,7 +18084,7 @@
           <p:cNvPr id="6" name="Slide Number Placeholder 5">
             <a:extLst>
               <a:ext uri="{FF2B5EF4-FFF2-40B4-BE49-F238E27FC236}">
-                <a16:creationId xmlns:a16="http://schemas.microsoft.com/office/drawing/2014/main" id="{EC2B5F97-2F18-4EF2-9CBC-AAAB9FF4CC91}"/>
+                <a16:creationId xmlns:a16="http://schemas.microsoft.com/office/drawing/2014/main" xmlns="" id="{EC2B5F97-2F18-4EF2-9CBC-AAAB9FF4CC91}"/>
               </a:ext>
             </a:extLst>
           </p:cNvPr>
@@ -18113,7 +18113,7 @@
           <p:cNvPr id="18" name="Text Placeholder 14">
             <a:extLst>
               <a:ext uri="{FF2B5EF4-FFF2-40B4-BE49-F238E27FC236}">
-                <a16:creationId xmlns:a16="http://schemas.microsoft.com/office/drawing/2014/main" id="{82903A57-2768-42F8-A5EA-4C19B9049850}"/>
+                <a16:creationId xmlns:a16="http://schemas.microsoft.com/office/drawing/2014/main" xmlns="" id="{82903A57-2768-42F8-A5EA-4C19B9049850}"/>
               </a:ext>
             </a:extLst>
           </p:cNvPr>
@@ -18168,7 +18168,7 @@
           <p:cNvPr id="38" name="Freeform: Shape 37">
             <a:extLst>
               <a:ext uri="{FF2B5EF4-FFF2-40B4-BE49-F238E27FC236}">
-                <a16:creationId xmlns:a16="http://schemas.microsoft.com/office/drawing/2014/main" id="{C6C05708-08C7-4EF1-B0D8-6A01C1B1AD85}"/>
+                <a16:creationId xmlns:a16="http://schemas.microsoft.com/office/drawing/2014/main" xmlns="" id="{C6C05708-08C7-4EF1-B0D8-6A01C1B1AD85}"/>
               </a:ext>
             </a:extLst>
           </p:cNvPr>
@@ -18276,7 +18276,7 @@
           <p:cNvPr id="29" name="Freeform: Shape 28">
             <a:extLst>
               <a:ext uri="{FF2B5EF4-FFF2-40B4-BE49-F238E27FC236}">
-                <a16:creationId xmlns:a16="http://schemas.microsoft.com/office/drawing/2014/main" id="{E46691B2-7AF3-4CAC-A285-36444A9101D9}"/>
+                <a16:creationId xmlns:a16="http://schemas.microsoft.com/office/drawing/2014/main" xmlns="" id="{E46691B2-7AF3-4CAC-A285-36444A9101D9}"/>
               </a:ext>
             </a:extLst>
           </p:cNvPr>
@@ -18366,7 +18366,7 @@
           <p:cNvPr id="26" name="Freeform: Shape 25">
             <a:extLst>
               <a:ext uri="{FF2B5EF4-FFF2-40B4-BE49-F238E27FC236}">
-                <a16:creationId xmlns:a16="http://schemas.microsoft.com/office/drawing/2014/main" id="{FE8ACF66-A148-4D4F-A35C-837CDC6B154D}"/>
+                <a16:creationId xmlns:a16="http://schemas.microsoft.com/office/drawing/2014/main" xmlns="" id="{FE8ACF66-A148-4D4F-A35C-837CDC6B154D}"/>
               </a:ext>
             </a:extLst>
           </p:cNvPr>
@@ -18456,7 +18456,7 @@
           <p:cNvPr id="28" name="Text Placeholder 26">
             <a:extLst>
               <a:ext uri="{FF2B5EF4-FFF2-40B4-BE49-F238E27FC236}">
-                <a16:creationId xmlns:a16="http://schemas.microsoft.com/office/drawing/2014/main" id="{5F10B1F7-5633-4C8B-A868-72D9C782CBA6}"/>
+                <a16:creationId xmlns:a16="http://schemas.microsoft.com/office/drawing/2014/main" xmlns="" id="{5F10B1F7-5633-4C8B-A868-72D9C782CBA6}"/>
               </a:ext>
             </a:extLst>
           </p:cNvPr>
@@ -18513,7 +18513,7 @@
           <p:cNvPr id="31" name="Text Placeholder 29">
             <a:extLst>
               <a:ext uri="{FF2B5EF4-FFF2-40B4-BE49-F238E27FC236}">
-                <a16:creationId xmlns:a16="http://schemas.microsoft.com/office/drawing/2014/main" id="{CBA9BCD0-48BA-4D5B-8871-61204EACE422}"/>
+                <a16:creationId xmlns:a16="http://schemas.microsoft.com/office/drawing/2014/main" xmlns="" id="{CBA9BCD0-48BA-4D5B-8871-61204EACE422}"/>
               </a:ext>
             </a:extLst>
           </p:cNvPr>
@@ -18603,7 +18603,7 @@
           <p:cNvPr id="3" name="Graphic 33">
             <a:extLst>
               <a:ext uri="{FF2B5EF4-FFF2-40B4-BE49-F238E27FC236}">
-                <a16:creationId xmlns:a16="http://schemas.microsoft.com/office/drawing/2014/main" id="{38956B41-4EE0-4C7C-8436-027F5DE8B1BC}"/>
+                <a16:creationId xmlns:a16="http://schemas.microsoft.com/office/drawing/2014/main" xmlns="" id="{38956B41-4EE0-4C7C-8436-027F5DE8B1BC}"/>
               </a:ext>
             </a:extLst>
           </p:cNvPr>
@@ -18739,7 +18739,7 @@
           <p:cNvPr id="33" name="Freeform: Shape 32">
             <a:extLst>
               <a:ext uri="{FF2B5EF4-FFF2-40B4-BE49-F238E27FC236}">
-                <a16:creationId xmlns:a16="http://schemas.microsoft.com/office/drawing/2014/main" id="{E08687FC-7322-4F20-9769-1ECF4296A96E}"/>
+                <a16:creationId xmlns:a16="http://schemas.microsoft.com/office/drawing/2014/main" xmlns="" id="{E08687FC-7322-4F20-9769-1ECF4296A96E}"/>
               </a:ext>
             </a:extLst>
           </p:cNvPr>
@@ -18847,7 +18847,7 @@
           <p:cNvPr id="41" name="Freeform: Shape 40">
             <a:extLst>
               <a:ext uri="{FF2B5EF4-FFF2-40B4-BE49-F238E27FC236}">
-                <a16:creationId xmlns:a16="http://schemas.microsoft.com/office/drawing/2014/main" id="{0FCCDE26-7222-4C1B-884A-0FAE84FA57DB}"/>
+                <a16:creationId xmlns:a16="http://schemas.microsoft.com/office/drawing/2014/main" xmlns="" id="{0FCCDE26-7222-4C1B-884A-0FAE84FA57DB}"/>
               </a:ext>
             </a:extLst>
           </p:cNvPr>
@@ -18985,7 +18985,7 @@
           <p:cNvPr id="48" name="Oval 47">
             <a:extLst>
               <a:ext uri="{FF2B5EF4-FFF2-40B4-BE49-F238E27FC236}">
-                <a16:creationId xmlns:a16="http://schemas.microsoft.com/office/drawing/2014/main" id="{6F44C9A9-0E74-4918-9B66-273196D2956C}"/>
+                <a16:creationId xmlns:a16="http://schemas.microsoft.com/office/drawing/2014/main" xmlns="" id="{6F44C9A9-0E74-4918-9B66-273196D2956C}"/>
               </a:ext>
             </a:extLst>
           </p:cNvPr>
@@ -19037,7 +19037,7 @@
           <p:cNvPr id="49" name="Graphic 12">
             <a:extLst>
               <a:ext uri="{FF2B5EF4-FFF2-40B4-BE49-F238E27FC236}">
-                <a16:creationId xmlns:a16="http://schemas.microsoft.com/office/drawing/2014/main" id="{4FD74D9D-1BEE-4A13-ABAA-5FBA5C4D1BFA}"/>
+                <a16:creationId xmlns:a16="http://schemas.microsoft.com/office/drawing/2014/main" xmlns="" id="{4FD74D9D-1BEE-4A13-ABAA-5FBA5C4D1BFA}"/>
               </a:ext>
             </a:extLst>
           </p:cNvPr>
@@ -19154,7 +19154,7 @@
           <p:cNvPr id="2" name="Title 1">
             <a:extLst>
               <a:ext uri="{FF2B5EF4-FFF2-40B4-BE49-F238E27FC236}">
-                <a16:creationId xmlns:a16="http://schemas.microsoft.com/office/drawing/2014/main" id="{81053F33-9837-4E9F-8D29-24A800D841E9}"/>
+                <a16:creationId xmlns:a16="http://schemas.microsoft.com/office/drawing/2014/main" xmlns="" id="{81053F33-9837-4E9F-8D29-24A800D841E9}"/>
               </a:ext>
             </a:extLst>
           </p:cNvPr>
@@ -19194,7 +19194,7 @@
           <p:cNvPr id="3" name="Text Placeholder 2">
             <a:extLst>
               <a:ext uri="{FF2B5EF4-FFF2-40B4-BE49-F238E27FC236}">
-                <a16:creationId xmlns:a16="http://schemas.microsoft.com/office/drawing/2014/main" id="{40DFDBBD-D278-4F5A-BD28-172F5B157E88}"/>
+                <a16:creationId xmlns:a16="http://schemas.microsoft.com/office/drawing/2014/main" xmlns="" id="{40DFDBBD-D278-4F5A-BD28-172F5B157E88}"/>
               </a:ext>
             </a:extLst>
           </p:cNvPr>
@@ -19320,7 +19320,7 @@
           <p:cNvPr id="4" name="Date Placeholder 3">
             <a:extLst>
               <a:ext uri="{FF2B5EF4-FFF2-40B4-BE49-F238E27FC236}">
-                <a16:creationId xmlns:a16="http://schemas.microsoft.com/office/drawing/2014/main" id="{DC2A0631-3130-4C36-8E5E-80464B1A62A7}"/>
+                <a16:creationId xmlns:a16="http://schemas.microsoft.com/office/drawing/2014/main" xmlns="" id="{DC2A0631-3130-4C36-8E5E-80464B1A62A7}"/>
               </a:ext>
             </a:extLst>
           </p:cNvPr>
@@ -19348,7 +19348,7 @@
           <p:cNvPr id="5" name="Footer Placeholder 4">
             <a:extLst>
               <a:ext uri="{FF2B5EF4-FFF2-40B4-BE49-F238E27FC236}">
-                <a16:creationId xmlns:a16="http://schemas.microsoft.com/office/drawing/2014/main" id="{79230F82-FE68-4450-98DF-5D29369AEE76}"/>
+                <a16:creationId xmlns:a16="http://schemas.microsoft.com/office/drawing/2014/main" xmlns="" id="{79230F82-FE68-4450-98DF-5D29369AEE76}"/>
               </a:ext>
             </a:extLst>
           </p:cNvPr>
@@ -19385,7 +19385,7 @@
           <p:cNvPr id="6" name="Slide Number Placeholder 5">
             <a:extLst>
               <a:ext uri="{FF2B5EF4-FFF2-40B4-BE49-F238E27FC236}">
-                <a16:creationId xmlns:a16="http://schemas.microsoft.com/office/drawing/2014/main" id="{EE6603C1-6E1A-4E4B-9555-31D84B6BDAD9}"/>
+                <a16:creationId xmlns:a16="http://schemas.microsoft.com/office/drawing/2014/main" xmlns="" id="{EE6603C1-6E1A-4E4B-9555-31D84B6BDAD9}"/>
               </a:ext>
             </a:extLst>
           </p:cNvPr>
@@ -19414,7 +19414,7 @@
           <p:cNvPr id="17" name="Text Placeholder 26">
             <a:extLst>
               <a:ext uri="{FF2B5EF4-FFF2-40B4-BE49-F238E27FC236}">
-                <a16:creationId xmlns:a16="http://schemas.microsoft.com/office/drawing/2014/main" id="{C990C5BD-BC2C-4822-AA4E-446B77052F23}"/>
+                <a16:creationId xmlns:a16="http://schemas.microsoft.com/office/drawing/2014/main" xmlns="" id="{C990C5BD-BC2C-4822-AA4E-446B77052F23}"/>
               </a:ext>
             </a:extLst>
           </p:cNvPr>
@@ -19471,7 +19471,7 @@
           <p:cNvPr id="22" name="Graphic 19">
             <a:extLst>
               <a:ext uri="{FF2B5EF4-FFF2-40B4-BE49-F238E27FC236}">
-                <a16:creationId xmlns:a16="http://schemas.microsoft.com/office/drawing/2014/main" id="{258EB2BC-F42B-4177-83EB-F2D2BF76129C}"/>
+                <a16:creationId xmlns:a16="http://schemas.microsoft.com/office/drawing/2014/main" xmlns="" id="{258EB2BC-F42B-4177-83EB-F2D2BF76129C}"/>
               </a:ext>
             </a:extLst>
           </p:cNvPr>
@@ -19607,7 +19607,7 @@
           <p:cNvPr id="24" name="Text Placeholder 2">
             <a:extLst>
               <a:ext uri="{FF2B5EF4-FFF2-40B4-BE49-F238E27FC236}">
-                <a16:creationId xmlns:a16="http://schemas.microsoft.com/office/drawing/2014/main" id="{B971AAD9-2660-4922-9B41-C45976A31C4F}"/>
+                <a16:creationId xmlns:a16="http://schemas.microsoft.com/office/drawing/2014/main" xmlns="" id="{B971AAD9-2660-4922-9B41-C45976A31C4F}"/>
               </a:ext>
             </a:extLst>
           </p:cNvPr>
@@ -19733,7 +19733,7 @@
           <p:cNvPr id="28" name="Text Placeholder 26">
             <a:extLst>
               <a:ext uri="{FF2B5EF4-FFF2-40B4-BE49-F238E27FC236}">
-                <a16:creationId xmlns:a16="http://schemas.microsoft.com/office/drawing/2014/main" id="{D0525F80-1CD7-406E-A2B0-ACB0CD78A32C}"/>
+                <a16:creationId xmlns:a16="http://schemas.microsoft.com/office/drawing/2014/main" xmlns="" id="{D0525F80-1CD7-406E-A2B0-ACB0CD78A32C}"/>
               </a:ext>
             </a:extLst>
           </p:cNvPr>
@@ -19826,7 +19826,7 @@
           <p:cNvPr id="30" name="Text Placeholder 26">
             <a:extLst>
               <a:ext uri="{FF2B5EF4-FFF2-40B4-BE49-F238E27FC236}">
-                <a16:creationId xmlns:a16="http://schemas.microsoft.com/office/drawing/2014/main" id="{527B617A-AB11-44E9-B2E2-53B7F35CD968}"/>
+                <a16:creationId xmlns:a16="http://schemas.microsoft.com/office/drawing/2014/main" xmlns="" id="{527B617A-AB11-44E9-B2E2-53B7F35CD968}"/>
               </a:ext>
             </a:extLst>
           </p:cNvPr>
@@ -19919,7 +19919,7 @@
           <p:cNvPr id="41" name="Graphic 39">
             <a:extLst>
               <a:ext uri="{FF2B5EF4-FFF2-40B4-BE49-F238E27FC236}">
-                <a16:creationId xmlns:a16="http://schemas.microsoft.com/office/drawing/2014/main" id="{F4C9083C-573A-4951-8064-8A2074E45857}"/>
+                <a16:creationId xmlns:a16="http://schemas.microsoft.com/office/drawing/2014/main" xmlns="" id="{F4C9083C-573A-4951-8064-8A2074E45857}"/>
               </a:ext>
             </a:extLst>
           </p:cNvPr>
@@ -19939,7 +19939,7 @@
             <p:cNvPr id="42" name="Freeform: Shape 41">
               <a:extLst>
                 <a:ext uri="{FF2B5EF4-FFF2-40B4-BE49-F238E27FC236}">
-                  <a16:creationId xmlns:a16="http://schemas.microsoft.com/office/drawing/2014/main" id="{E24D028E-B0C2-46BA-B6A7-734B26FEA989}"/>
+                  <a16:creationId xmlns:a16="http://schemas.microsoft.com/office/drawing/2014/main" xmlns="" id="{E24D028E-B0C2-46BA-B6A7-734B26FEA989}"/>
                 </a:ext>
               </a:extLst>
             </p:cNvPr>
@@ -20129,7 +20129,7 @@
             <p:cNvPr id="43" name="Freeform: Shape 42">
               <a:extLst>
                 <a:ext uri="{FF2B5EF4-FFF2-40B4-BE49-F238E27FC236}">
-                  <a16:creationId xmlns:a16="http://schemas.microsoft.com/office/drawing/2014/main" id="{1FD2C3DF-070C-48BB-8EC1-3FE31FCD20DC}"/>
+                  <a16:creationId xmlns:a16="http://schemas.microsoft.com/office/drawing/2014/main" xmlns="" id="{1FD2C3DF-070C-48BB-8EC1-3FE31FCD20DC}"/>
                 </a:ext>
               </a:extLst>
             </p:cNvPr>
@@ -20237,7 +20237,7 @@
             <p:cNvPr id="44" name="Freeform: Shape 43">
               <a:extLst>
                 <a:ext uri="{FF2B5EF4-FFF2-40B4-BE49-F238E27FC236}">
-                  <a16:creationId xmlns:a16="http://schemas.microsoft.com/office/drawing/2014/main" id="{F503CC8C-61AD-4DAB-B26E-509EA44669D4}"/>
+                  <a16:creationId xmlns:a16="http://schemas.microsoft.com/office/drawing/2014/main" xmlns="" id="{F503CC8C-61AD-4DAB-B26E-509EA44669D4}"/>
                 </a:ext>
               </a:extLst>
             </p:cNvPr>
@@ -20345,7 +20345,7 @@
             <p:cNvPr id="45" name="Freeform: Shape 44">
               <a:extLst>
                 <a:ext uri="{FF2B5EF4-FFF2-40B4-BE49-F238E27FC236}">
-                  <a16:creationId xmlns:a16="http://schemas.microsoft.com/office/drawing/2014/main" id="{8BB58BBD-BF4B-44A6-A2C8-AF1BE81D516E}"/>
+                  <a16:creationId xmlns:a16="http://schemas.microsoft.com/office/drawing/2014/main" xmlns="" id="{8BB58BBD-BF4B-44A6-A2C8-AF1BE81D516E}"/>
                 </a:ext>
               </a:extLst>
             </p:cNvPr>
@@ -20453,7 +20453,7 @@
             <p:cNvPr id="46" name="Freeform: Shape 45">
               <a:extLst>
                 <a:ext uri="{FF2B5EF4-FFF2-40B4-BE49-F238E27FC236}">
-                  <a16:creationId xmlns:a16="http://schemas.microsoft.com/office/drawing/2014/main" id="{602EAB3F-89ED-4532-AC15-8D6D0DE40EEB}"/>
+                  <a16:creationId xmlns:a16="http://schemas.microsoft.com/office/drawing/2014/main" xmlns="" id="{602EAB3F-89ED-4532-AC15-8D6D0DE40EEB}"/>
                 </a:ext>
               </a:extLst>
             </p:cNvPr>
@@ -20633,7 +20633,7 @@
             <p:cNvPr id="47" name="Freeform: Shape 46">
               <a:extLst>
                 <a:ext uri="{FF2B5EF4-FFF2-40B4-BE49-F238E27FC236}">
-                  <a16:creationId xmlns:a16="http://schemas.microsoft.com/office/drawing/2014/main" id="{714D3737-C4D1-46DE-A197-29A638CA1F30}"/>
+                  <a16:creationId xmlns:a16="http://schemas.microsoft.com/office/drawing/2014/main" xmlns="" id="{714D3737-C4D1-46DE-A197-29A638CA1F30}"/>
                 </a:ext>
               </a:extLst>
             </p:cNvPr>
@@ -20854,7 +20854,7 @@
           <p:cNvPr id="48" name="Oval 47">
             <a:extLst>
               <a:ext uri="{FF2B5EF4-FFF2-40B4-BE49-F238E27FC236}">
-                <a16:creationId xmlns:a16="http://schemas.microsoft.com/office/drawing/2014/main" id="{6BE8D45D-1E08-4F59-96CC-EA53D7CA6AB0}"/>
+                <a16:creationId xmlns:a16="http://schemas.microsoft.com/office/drawing/2014/main" xmlns="" id="{6BE8D45D-1E08-4F59-96CC-EA53D7CA6AB0}"/>
               </a:ext>
             </a:extLst>
           </p:cNvPr>
@@ -20906,7 +20906,7 @@
           <p:cNvPr id="49" name="Graphic 12">
             <a:extLst>
               <a:ext uri="{FF2B5EF4-FFF2-40B4-BE49-F238E27FC236}">
-                <a16:creationId xmlns:a16="http://schemas.microsoft.com/office/drawing/2014/main" id="{8E968353-82DA-42A2-88B6-AEFCF124AF4E}"/>
+                <a16:creationId xmlns:a16="http://schemas.microsoft.com/office/drawing/2014/main" xmlns="" id="{8E968353-82DA-42A2-88B6-AEFCF124AF4E}"/>
               </a:ext>
             </a:extLst>
           </p:cNvPr>
@@ -21023,7 +21023,7 @@
           <p:cNvPr id="2" name="Title 1">
             <a:extLst>
               <a:ext uri="{FF2B5EF4-FFF2-40B4-BE49-F238E27FC236}">
-                <a16:creationId xmlns:a16="http://schemas.microsoft.com/office/drawing/2014/main" id="{81053F33-9837-4E9F-8D29-24A800D841E9}"/>
+                <a16:creationId xmlns:a16="http://schemas.microsoft.com/office/drawing/2014/main" xmlns="" id="{81053F33-9837-4E9F-8D29-24A800D841E9}"/>
               </a:ext>
             </a:extLst>
           </p:cNvPr>
@@ -21063,7 +21063,7 @@
           <p:cNvPr id="4" name="Date Placeholder 3">
             <a:extLst>
               <a:ext uri="{FF2B5EF4-FFF2-40B4-BE49-F238E27FC236}">
-                <a16:creationId xmlns:a16="http://schemas.microsoft.com/office/drawing/2014/main" id="{DC2A0631-3130-4C36-8E5E-80464B1A62A7}"/>
+                <a16:creationId xmlns:a16="http://schemas.microsoft.com/office/drawing/2014/main" xmlns="" id="{DC2A0631-3130-4C36-8E5E-80464B1A62A7}"/>
               </a:ext>
             </a:extLst>
           </p:cNvPr>
@@ -21091,7 +21091,7 @@
           <p:cNvPr id="5" name="Footer Placeholder 4">
             <a:extLst>
               <a:ext uri="{FF2B5EF4-FFF2-40B4-BE49-F238E27FC236}">
-                <a16:creationId xmlns:a16="http://schemas.microsoft.com/office/drawing/2014/main" id="{79230F82-FE68-4450-98DF-5D29369AEE76}"/>
+                <a16:creationId xmlns:a16="http://schemas.microsoft.com/office/drawing/2014/main" xmlns="" id="{79230F82-FE68-4450-98DF-5D29369AEE76}"/>
               </a:ext>
             </a:extLst>
           </p:cNvPr>
@@ -21128,7 +21128,7 @@
           <p:cNvPr id="6" name="Slide Number Placeholder 5">
             <a:extLst>
               <a:ext uri="{FF2B5EF4-FFF2-40B4-BE49-F238E27FC236}">
-                <a16:creationId xmlns:a16="http://schemas.microsoft.com/office/drawing/2014/main" id="{EE6603C1-6E1A-4E4B-9555-31D84B6BDAD9}"/>
+                <a16:creationId xmlns:a16="http://schemas.microsoft.com/office/drawing/2014/main" xmlns="" id="{EE6603C1-6E1A-4E4B-9555-31D84B6BDAD9}"/>
               </a:ext>
             </a:extLst>
           </p:cNvPr>
@@ -21157,7 +21157,7 @@
           <p:cNvPr id="17" name="Text Placeholder 26">
             <a:extLst>
               <a:ext uri="{FF2B5EF4-FFF2-40B4-BE49-F238E27FC236}">
-                <a16:creationId xmlns:a16="http://schemas.microsoft.com/office/drawing/2014/main" id="{C990C5BD-BC2C-4822-AA4E-446B77052F23}"/>
+                <a16:creationId xmlns:a16="http://schemas.microsoft.com/office/drawing/2014/main" xmlns="" id="{C990C5BD-BC2C-4822-AA4E-446B77052F23}"/>
               </a:ext>
             </a:extLst>
           </p:cNvPr>
@@ -21214,7 +21214,7 @@
           <p:cNvPr id="24" name="Text Placeholder 2">
             <a:extLst>
               <a:ext uri="{FF2B5EF4-FFF2-40B4-BE49-F238E27FC236}">
-                <a16:creationId xmlns:a16="http://schemas.microsoft.com/office/drawing/2014/main" id="{B971AAD9-2660-4922-9B41-C45976A31C4F}"/>
+                <a16:creationId xmlns:a16="http://schemas.microsoft.com/office/drawing/2014/main" xmlns="" id="{B971AAD9-2660-4922-9B41-C45976A31C4F}"/>
               </a:ext>
             </a:extLst>
           </p:cNvPr>
@@ -21340,7 +21340,7 @@
           <p:cNvPr id="30" name="Text Placeholder 26">
             <a:extLst>
               <a:ext uri="{FF2B5EF4-FFF2-40B4-BE49-F238E27FC236}">
-                <a16:creationId xmlns:a16="http://schemas.microsoft.com/office/drawing/2014/main" id="{527B617A-AB11-44E9-B2E2-53B7F35CD968}"/>
+                <a16:creationId xmlns:a16="http://schemas.microsoft.com/office/drawing/2014/main" xmlns="" id="{527B617A-AB11-44E9-B2E2-53B7F35CD968}"/>
               </a:ext>
             </a:extLst>
           </p:cNvPr>
@@ -21434,7 +21434,7 @@
           <p:cNvPr id="23" name="Text Placeholder 2">
             <a:extLst>
               <a:ext uri="{FF2B5EF4-FFF2-40B4-BE49-F238E27FC236}">
-                <a16:creationId xmlns:a16="http://schemas.microsoft.com/office/drawing/2014/main" id="{E9080FED-3BFC-4CCC-8B5A-A2942CA5CF36}"/>
+                <a16:creationId xmlns:a16="http://schemas.microsoft.com/office/drawing/2014/main" xmlns="" id="{E9080FED-3BFC-4CCC-8B5A-A2942CA5CF36}"/>
               </a:ext>
             </a:extLst>
           </p:cNvPr>
@@ -21560,7 +21560,7 @@
           <p:cNvPr id="25" name="Text Placeholder 26">
             <a:extLst>
               <a:ext uri="{FF2B5EF4-FFF2-40B4-BE49-F238E27FC236}">
-                <a16:creationId xmlns:a16="http://schemas.microsoft.com/office/drawing/2014/main" id="{E7EC8229-D712-4FD1-990B-9212FC211A9B}"/>
+                <a16:creationId xmlns:a16="http://schemas.microsoft.com/office/drawing/2014/main" xmlns="" id="{E7EC8229-D712-4FD1-990B-9212FC211A9B}"/>
               </a:ext>
             </a:extLst>
           </p:cNvPr>
@@ -21654,7 +21654,7 @@
           <p:cNvPr id="27" name="Text Placeholder 2">
             <a:extLst>
               <a:ext uri="{FF2B5EF4-FFF2-40B4-BE49-F238E27FC236}">
-                <a16:creationId xmlns:a16="http://schemas.microsoft.com/office/drawing/2014/main" id="{27341020-DCB7-4CC5-BE55-AAAF421822ED}"/>
+                <a16:creationId xmlns:a16="http://schemas.microsoft.com/office/drawing/2014/main" xmlns="" id="{27341020-DCB7-4CC5-BE55-AAAF421822ED}"/>
               </a:ext>
             </a:extLst>
           </p:cNvPr>
@@ -21780,7 +21780,7 @@
           <p:cNvPr id="29" name="Text Placeholder 26">
             <a:extLst>
               <a:ext uri="{FF2B5EF4-FFF2-40B4-BE49-F238E27FC236}">
-                <a16:creationId xmlns:a16="http://schemas.microsoft.com/office/drawing/2014/main" id="{B1896019-AE20-47E2-AA66-ED9D16B2DAF7}"/>
+                <a16:creationId xmlns:a16="http://schemas.microsoft.com/office/drawing/2014/main" xmlns="" id="{B1896019-AE20-47E2-AA66-ED9D16B2DAF7}"/>
               </a:ext>
             </a:extLst>
           </p:cNvPr>
@@ -21874,7 +21874,7 @@
           <p:cNvPr id="32" name="Text Placeholder 2">
             <a:extLst>
               <a:ext uri="{FF2B5EF4-FFF2-40B4-BE49-F238E27FC236}">
-                <a16:creationId xmlns:a16="http://schemas.microsoft.com/office/drawing/2014/main" id="{212C49D2-92E0-4567-8BD4-9B8FC0536701}"/>
+                <a16:creationId xmlns:a16="http://schemas.microsoft.com/office/drawing/2014/main" xmlns="" id="{212C49D2-92E0-4567-8BD4-9B8FC0536701}"/>
               </a:ext>
             </a:extLst>
           </p:cNvPr>
@@ -22000,7 +22000,7 @@
           <p:cNvPr id="33" name="Text Placeholder 26">
             <a:extLst>
               <a:ext uri="{FF2B5EF4-FFF2-40B4-BE49-F238E27FC236}">
-                <a16:creationId xmlns:a16="http://schemas.microsoft.com/office/drawing/2014/main" id="{6B5DA211-72E1-4B00-AA61-980CE5A34565}"/>
+                <a16:creationId xmlns:a16="http://schemas.microsoft.com/office/drawing/2014/main" xmlns="" id="{6B5DA211-72E1-4B00-AA61-980CE5A34565}"/>
               </a:ext>
             </a:extLst>
           </p:cNvPr>
@@ -22094,7 +22094,7 @@
           <p:cNvPr id="35" name="Text Placeholder 2">
             <a:extLst>
               <a:ext uri="{FF2B5EF4-FFF2-40B4-BE49-F238E27FC236}">
-                <a16:creationId xmlns:a16="http://schemas.microsoft.com/office/drawing/2014/main" id="{A7CF7C63-619A-46EE-AF36-FCA26441A064}"/>
+                <a16:creationId xmlns:a16="http://schemas.microsoft.com/office/drawing/2014/main" xmlns="" id="{A7CF7C63-619A-46EE-AF36-FCA26441A064}"/>
               </a:ext>
             </a:extLst>
           </p:cNvPr>
@@ -22220,7 +22220,7 @@
           <p:cNvPr id="36" name="Text Placeholder 26">
             <a:extLst>
               <a:ext uri="{FF2B5EF4-FFF2-40B4-BE49-F238E27FC236}">
-                <a16:creationId xmlns:a16="http://schemas.microsoft.com/office/drawing/2014/main" id="{92E0EA61-C10D-4760-B03F-F27BCF1FC24C}"/>
+                <a16:creationId xmlns:a16="http://schemas.microsoft.com/office/drawing/2014/main" xmlns="" id="{92E0EA61-C10D-4760-B03F-F27BCF1FC24C}"/>
               </a:ext>
             </a:extLst>
           </p:cNvPr>
@@ -22314,7 +22314,7 @@
           <p:cNvPr id="38" name="Text Placeholder 2">
             <a:extLst>
               <a:ext uri="{FF2B5EF4-FFF2-40B4-BE49-F238E27FC236}">
-                <a16:creationId xmlns:a16="http://schemas.microsoft.com/office/drawing/2014/main" id="{1A3A14FA-D9E9-4000-B30C-14CADBFE48F6}"/>
+                <a16:creationId xmlns:a16="http://schemas.microsoft.com/office/drawing/2014/main" xmlns="" id="{1A3A14FA-D9E9-4000-B30C-14CADBFE48F6}"/>
               </a:ext>
             </a:extLst>
           </p:cNvPr>
@@ -22440,7 +22440,7 @@
           <p:cNvPr id="39" name="Text Placeholder 26">
             <a:extLst>
               <a:ext uri="{FF2B5EF4-FFF2-40B4-BE49-F238E27FC236}">
-                <a16:creationId xmlns:a16="http://schemas.microsoft.com/office/drawing/2014/main" id="{0FBCB607-92E0-4206-871B-10CAEB3377B3}"/>
+                <a16:creationId xmlns:a16="http://schemas.microsoft.com/office/drawing/2014/main" xmlns="" id="{0FBCB607-92E0-4206-871B-10CAEB3377B3}"/>
               </a:ext>
             </a:extLst>
           </p:cNvPr>
@@ -22534,7 +22534,7 @@
           <p:cNvPr id="19" name="Chart Placeholder 18">
             <a:extLst>
               <a:ext uri="{FF2B5EF4-FFF2-40B4-BE49-F238E27FC236}">
-                <a16:creationId xmlns:a16="http://schemas.microsoft.com/office/drawing/2014/main" id="{08CD548A-F4DA-41C7-BC55-620C696D5A6A}"/>
+                <a16:creationId xmlns:a16="http://schemas.microsoft.com/office/drawing/2014/main" xmlns="" id="{08CD548A-F4DA-41C7-BC55-620C696D5A6A}"/>
               </a:ext>
             </a:extLst>
           </p:cNvPr>
@@ -22582,7 +22582,7 @@
           <p:cNvPr id="41" name="Graphic 39">
             <a:extLst>
               <a:ext uri="{FF2B5EF4-FFF2-40B4-BE49-F238E27FC236}">
-                <a16:creationId xmlns:a16="http://schemas.microsoft.com/office/drawing/2014/main" id="{D0A213E0-4DC9-4F6A-98B8-21DE9AE2D9B0}"/>
+                <a16:creationId xmlns:a16="http://schemas.microsoft.com/office/drawing/2014/main" xmlns="" id="{D0A213E0-4DC9-4F6A-98B8-21DE9AE2D9B0}"/>
               </a:ext>
             </a:extLst>
           </p:cNvPr>
@@ -22602,7 +22602,7 @@
             <p:cNvPr id="42" name="Freeform: Shape 41">
               <a:extLst>
                 <a:ext uri="{FF2B5EF4-FFF2-40B4-BE49-F238E27FC236}">
-                  <a16:creationId xmlns:a16="http://schemas.microsoft.com/office/drawing/2014/main" id="{24312820-32BB-4DFC-B775-2031DE03F33E}"/>
+                  <a16:creationId xmlns:a16="http://schemas.microsoft.com/office/drawing/2014/main" xmlns="" id="{24312820-32BB-4DFC-B775-2031DE03F33E}"/>
                 </a:ext>
               </a:extLst>
             </p:cNvPr>
@@ -22792,7 +22792,7 @@
             <p:cNvPr id="43" name="Freeform: Shape 42">
               <a:extLst>
                 <a:ext uri="{FF2B5EF4-FFF2-40B4-BE49-F238E27FC236}">
-                  <a16:creationId xmlns:a16="http://schemas.microsoft.com/office/drawing/2014/main" id="{F9B4581F-B122-40B8-BE37-64894A713B38}"/>
+                  <a16:creationId xmlns:a16="http://schemas.microsoft.com/office/drawing/2014/main" xmlns="" id="{F9B4581F-B122-40B8-BE37-64894A713B38}"/>
                 </a:ext>
               </a:extLst>
             </p:cNvPr>
@@ -22900,7 +22900,7 @@
             <p:cNvPr id="44" name="Freeform: Shape 43">
               <a:extLst>
                 <a:ext uri="{FF2B5EF4-FFF2-40B4-BE49-F238E27FC236}">
-                  <a16:creationId xmlns:a16="http://schemas.microsoft.com/office/drawing/2014/main" id="{C7CF8C75-A610-43BA-923F-335A6051357D}"/>
+                  <a16:creationId xmlns:a16="http://schemas.microsoft.com/office/drawing/2014/main" xmlns="" id="{C7CF8C75-A610-43BA-923F-335A6051357D}"/>
                 </a:ext>
               </a:extLst>
             </p:cNvPr>
@@ -23008,7 +23008,7 @@
             <p:cNvPr id="45" name="Freeform: Shape 44">
               <a:extLst>
                 <a:ext uri="{FF2B5EF4-FFF2-40B4-BE49-F238E27FC236}">
-                  <a16:creationId xmlns:a16="http://schemas.microsoft.com/office/drawing/2014/main" id="{56793F9B-5B71-414E-9CB2-2B76F8308871}"/>
+                  <a16:creationId xmlns:a16="http://schemas.microsoft.com/office/drawing/2014/main" xmlns="" id="{56793F9B-5B71-414E-9CB2-2B76F8308871}"/>
                 </a:ext>
               </a:extLst>
             </p:cNvPr>
@@ -23116,7 +23116,7 @@
             <p:cNvPr id="46" name="Freeform: Shape 45">
               <a:extLst>
                 <a:ext uri="{FF2B5EF4-FFF2-40B4-BE49-F238E27FC236}">
-                  <a16:creationId xmlns:a16="http://schemas.microsoft.com/office/drawing/2014/main" id="{9807DE94-0E8D-4E1B-A7D2-E0F91AF2E54C}"/>
+                  <a16:creationId xmlns:a16="http://schemas.microsoft.com/office/drawing/2014/main" xmlns="" id="{9807DE94-0E8D-4E1B-A7D2-E0F91AF2E54C}"/>
                 </a:ext>
               </a:extLst>
             </p:cNvPr>
@@ -23296,7 +23296,7 @@
             <p:cNvPr id="47" name="Freeform: Shape 46">
               <a:extLst>
                 <a:ext uri="{FF2B5EF4-FFF2-40B4-BE49-F238E27FC236}">
-                  <a16:creationId xmlns:a16="http://schemas.microsoft.com/office/drawing/2014/main" id="{7BC592BA-C191-49B5-8F41-8E14CFFDAC40}"/>
+                  <a16:creationId xmlns:a16="http://schemas.microsoft.com/office/drawing/2014/main" xmlns="" id="{7BC592BA-C191-49B5-8F41-8E14CFFDAC40}"/>
                 </a:ext>
               </a:extLst>
             </p:cNvPr>
@@ -23487,7 +23487,7 @@
           <p:cNvPr id="3" name="Graphic 50">
             <a:extLst>
               <a:ext uri="{FF2B5EF4-FFF2-40B4-BE49-F238E27FC236}">
-                <a16:creationId xmlns:a16="http://schemas.microsoft.com/office/drawing/2014/main" id="{33AA43FA-C2DC-406C-BFE6-A2A804112236}"/>
+                <a16:creationId xmlns:a16="http://schemas.microsoft.com/office/drawing/2014/main" xmlns="" id="{33AA43FA-C2DC-406C-BFE6-A2A804112236}"/>
               </a:ext>
             </a:extLst>
           </p:cNvPr>
@@ -23653,7 +23653,7 @@
           <p:cNvPr id="52" name="Oval 51">
             <a:extLst>
               <a:ext uri="{FF2B5EF4-FFF2-40B4-BE49-F238E27FC236}">
-                <a16:creationId xmlns:a16="http://schemas.microsoft.com/office/drawing/2014/main" id="{F21AF1E2-466C-487E-86AF-CA6FFFCA2720}"/>
+                <a16:creationId xmlns:a16="http://schemas.microsoft.com/office/drawing/2014/main" xmlns="" id="{F21AF1E2-466C-487E-86AF-CA6FFFCA2720}"/>
               </a:ext>
             </a:extLst>
           </p:cNvPr>
@@ -23705,7 +23705,7 @@
           <p:cNvPr id="53" name="Graphic 12">
             <a:extLst>
               <a:ext uri="{FF2B5EF4-FFF2-40B4-BE49-F238E27FC236}">
-                <a16:creationId xmlns:a16="http://schemas.microsoft.com/office/drawing/2014/main" id="{531F1BC1-79BD-45BA-B27E-7A2C62A65EC9}"/>
+                <a16:creationId xmlns:a16="http://schemas.microsoft.com/office/drawing/2014/main" xmlns="" id="{531F1BC1-79BD-45BA-B27E-7A2C62A65EC9}"/>
               </a:ext>
             </a:extLst>
           </p:cNvPr>
@@ -23822,7 +23822,7 @@
           <p:cNvPr id="2" name="Title 1">
             <a:extLst>
               <a:ext uri="{FF2B5EF4-FFF2-40B4-BE49-F238E27FC236}">
-                <a16:creationId xmlns:a16="http://schemas.microsoft.com/office/drawing/2014/main" id="{81053F33-9837-4E9F-8D29-24A800D841E9}"/>
+                <a16:creationId xmlns:a16="http://schemas.microsoft.com/office/drawing/2014/main" xmlns="" id="{81053F33-9837-4E9F-8D29-24A800D841E9}"/>
               </a:ext>
             </a:extLst>
           </p:cNvPr>
@@ -23862,7 +23862,7 @@
           <p:cNvPr id="4" name="Date Placeholder 3">
             <a:extLst>
               <a:ext uri="{FF2B5EF4-FFF2-40B4-BE49-F238E27FC236}">
-                <a16:creationId xmlns:a16="http://schemas.microsoft.com/office/drawing/2014/main" id="{DC2A0631-3130-4C36-8E5E-80464B1A62A7}"/>
+                <a16:creationId xmlns:a16="http://schemas.microsoft.com/office/drawing/2014/main" xmlns="" id="{DC2A0631-3130-4C36-8E5E-80464B1A62A7}"/>
               </a:ext>
             </a:extLst>
           </p:cNvPr>
@@ -23890,7 +23890,7 @@
           <p:cNvPr id="5" name="Footer Placeholder 4">
             <a:extLst>
               <a:ext uri="{FF2B5EF4-FFF2-40B4-BE49-F238E27FC236}">
-                <a16:creationId xmlns:a16="http://schemas.microsoft.com/office/drawing/2014/main" id="{79230F82-FE68-4450-98DF-5D29369AEE76}"/>
+                <a16:creationId xmlns:a16="http://schemas.microsoft.com/office/drawing/2014/main" xmlns="" id="{79230F82-FE68-4450-98DF-5D29369AEE76}"/>
               </a:ext>
             </a:extLst>
           </p:cNvPr>
@@ -23927,7 +23927,7 @@
           <p:cNvPr id="6" name="Slide Number Placeholder 5">
             <a:extLst>
               <a:ext uri="{FF2B5EF4-FFF2-40B4-BE49-F238E27FC236}">
-                <a16:creationId xmlns:a16="http://schemas.microsoft.com/office/drawing/2014/main" id="{EE6603C1-6E1A-4E4B-9555-31D84B6BDAD9}"/>
+                <a16:creationId xmlns:a16="http://schemas.microsoft.com/office/drawing/2014/main" xmlns="" id="{EE6603C1-6E1A-4E4B-9555-31D84B6BDAD9}"/>
               </a:ext>
             </a:extLst>
           </p:cNvPr>
@@ -23956,7 +23956,7 @@
           <p:cNvPr id="17" name="Text Placeholder 26">
             <a:extLst>
               <a:ext uri="{FF2B5EF4-FFF2-40B4-BE49-F238E27FC236}">
-                <a16:creationId xmlns:a16="http://schemas.microsoft.com/office/drawing/2014/main" id="{C990C5BD-BC2C-4822-AA4E-446B77052F23}"/>
+                <a16:creationId xmlns:a16="http://schemas.microsoft.com/office/drawing/2014/main" xmlns="" id="{C990C5BD-BC2C-4822-AA4E-446B77052F23}"/>
               </a:ext>
             </a:extLst>
           </p:cNvPr>
@@ -24013,7 +24013,7 @@
           <p:cNvPr id="18" name="Table Placeholder 17">
             <a:extLst>
               <a:ext uri="{FF2B5EF4-FFF2-40B4-BE49-F238E27FC236}">
-                <a16:creationId xmlns:a16="http://schemas.microsoft.com/office/drawing/2014/main" id="{3AF64257-E00C-4FE5-925B-A78911D1D2B9}"/>
+                <a16:creationId xmlns:a16="http://schemas.microsoft.com/office/drawing/2014/main" xmlns="" id="{3AF64257-E00C-4FE5-925B-A78911D1D2B9}"/>
               </a:ext>
             </a:extLst>
           </p:cNvPr>
@@ -24061,7 +24061,7 @@
           <p:cNvPr id="45" name="Graphic 39">
             <a:extLst>
               <a:ext uri="{FF2B5EF4-FFF2-40B4-BE49-F238E27FC236}">
-                <a16:creationId xmlns:a16="http://schemas.microsoft.com/office/drawing/2014/main" id="{2B29CFAD-7DFA-43C8-BC78-F666303C4A65}"/>
+                <a16:creationId xmlns:a16="http://schemas.microsoft.com/office/drawing/2014/main" xmlns="" id="{2B29CFAD-7DFA-43C8-BC78-F666303C4A65}"/>
               </a:ext>
             </a:extLst>
           </p:cNvPr>
@@ -24081,7 +24081,7 @@
             <p:cNvPr id="46" name="Freeform: Shape 45">
               <a:extLst>
                 <a:ext uri="{FF2B5EF4-FFF2-40B4-BE49-F238E27FC236}">
-                  <a16:creationId xmlns:a16="http://schemas.microsoft.com/office/drawing/2014/main" id="{7709766F-07C2-47E0-94AE-482595B63D17}"/>
+                  <a16:creationId xmlns:a16="http://schemas.microsoft.com/office/drawing/2014/main" xmlns="" id="{7709766F-07C2-47E0-94AE-482595B63D17}"/>
                 </a:ext>
               </a:extLst>
             </p:cNvPr>
@@ -24271,7 +24271,7 @@
             <p:cNvPr id="47" name="Freeform: Shape 46">
               <a:extLst>
                 <a:ext uri="{FF2B5EF4-FFF2-40B4-BE49-F238E27FC236}">
-                  <a16:creationId xmlns:a16="http://schemas.microsoft.com/office/drawing/2014/main" id="{29F02ED7-2803-4FC7-8D17-DB9AF81B2257}"/>
+                  <a16:creationId xmlns:a16="http://schemas.microsoft.com/office/drawing/2014/main" xmlns="" id="{29F02ED7-2803-4FC7-8D17-DB9AF81B2257}"/>
                 </a:ext>
               </a:extLst>
             </p:cNvPr>
@@ -24379,7 +24379,7 @@
             <p:cNvPr id="48" name="Freeform: Shape 47">
               <a:extLst>
                 <a:ext uri="{FF2B5EF4-FFF2-40B4-BE49-F238E27FC236}">
-                  <a16:creationId xmlns:a16="http://schemas.microsoft.com/office/drawing/2014/main" id="{6715C276-3245-4E87-976F-10DC35AF0E89}"/>
+                  <a16:creationId xmlns:a16="http://schemas.microsoft.com/office/drawing/2014/main" xmlns="" id="{6715C276-3245-4E87-976F-10DC35AF0E89}"/>
                 </a:ext>
               </a:extLst>
             </p:cNvPr>
@@ -24487,7 +24487,7 @@
             <p:cNvPr id="49" name="Freeform: Shape 48">
               <a:extLst>
                 <a:ext uri="{FF2B5EF4-FFF2-40B4-BE49-F238E27FC236}">
-                  <a16:creationId xmlns:a16="http://schemas.microsoft.com/office/drawing/2014/main" id="{4D4F9402-D548-4465-B31D-5C89E49D8F2D}"/>
+                  <a16:creationId xmlns:a16="http://schemas.microsoft.com/office/drawing/2014/main" xmlns="" id="{4D4F9402-D548-4465-B31D-5C89E49D8F2D}"/>
                 </a:ext>
               </a:extLst>
             </p:cNvPr>
@@ -24595,7 +24595,7 @@
             <p:cNvPr id="50" name="Freeform: Shape 49">
               <a:extLst>
                 <a:ext uri="{FF2B5EF4-FFF2-40B4-BE49-F238E27FC236}">
-                  <a16:creationId xmlns:a16="http://schemas.microsoft.com/office/drawing/2014/main" id="{64C16800-96DF-4B5C-B15B-EB27E1475EB3}"/>
+                  <a16:creationId xmlns:a16="http://schemas.microsoft.com/office/drawing/2014/main" xmlns="" id="{64C16800-96DF-4B5C-B15B-EB27E1475EB3}"/>
                 </a:ext>
               </a:extLst>
             </p:cNvPr>
@@ -24775,7 +24775,7 @@
             <p:cNvPr id="51" name="Freeform: Shape 50">
               <a:extLst>
                 <a:ext uri="{FF2B5EF4-FFF2-40B4-BE49-F238E27FC236}">
-                  <a16:creationId xmlns:a16="http://schemas.microsoft.com/office/drawing/2014/main" id="{AE9DBF7F-0A02-4C85-A28D-3C88C66B3486}"/>
+                  <a16:creationId xmlns:a16="http://schemas.microsoft.com/office/drawing/2014/main" xmlns="" id="{AE9DBF7F-0A02-4C85-A28D-3C88C66B3486}"/>
                 </a:ext>
               </a:extLst>
             </p:cNvPr>
@@ -24966,7 +24966,7 @@
           <p:cNvPr id="3" name="Graphic 54">
             <a:extLst>
               <a:ext uri="{FF2B5EF4-FFF2-40B4-BE49-F238E27FC236}">
-                <a16:creationId xmlns:a16="http://schemas.microsoft.com/office/drawing/2014/main" id="{A1820133-6B1B-4297-8A79-2E89B2C7199B}"/>
+                <a16:creationId xmlns:a16="http://schemas.microsoft.com/office/drawing/2014/main" xmlns="" id="{A1820133-6B1B-4297-8A79-2E89B2C7199B}"/>
               </a:ext>
             </a:extLst>
           </p:cNvPr>
@@ -25132,7 +25132,7 @@
           <p:cNvPr id="51" name="Picture Placeholder 50">
             <a:extLst>
               <a:ext uri="{FF2B5EF4-FFF2-40B4-BE49-F238E27FC236}">
-                <a16:creationId xmlns:a16="http://schemas.microsoft.com/office/drawing/2014/main" id="{3767FEE9-DC75-4465-BA6B-06E00CF6A27B}"/>
+                <a16:creationId xmlns:a16="http://schemas.microsoft.com/office/drawing/2014/main" xmlns="" id="{3767FEE9-DC75-4465-BA6B-06E00CF6A27B}"/>
               </a:ext>
             </a:extLst>
           </p:cNvPr>
@@ -25463,7 +25463,7 @@
           <p:cNvPr id="46" name="Freeform: Shape 45">
             <a:extLst>
               <a:ext uri="{FF2B5EF4-FFF2-40B4-BE49-F238E27FC236}">
-                <a16:creationId xmlns:a16="http://schemas.microsoft.com/office/drawing/2014/main" id="{3A0902BC-58E0-4395-9D80-6CF5CA0FAAB0}"/>
+                <a16:creationId xmlns:a16="http://schemas.microsoft.com/office/drawing/2014/main" xmlns="" id="{3A0902BC-58E0-4395-9D80-6CF5CA0FAAB0}"/>
               </a:ext>
             </a:extLst>
           </p:cNvPr>
@@ -25579,7 +25579,7 @@
           <p:cNvPr id="47" name="Freeform: Shape 46">
             <a:extLst>
               <a:ext uri="{FF2B5EF4-FFF2-40B4-BE49-F238E27FC236}">
-                <a16:creationId xmlns:a16="http://schemas.microsoft.com/office/drawing/2014/main" id="{5DCE3DA5-C000-4DAD-8FCD-9A285AB48C83}"/>
+                <a16:creationId xmlns:a16="http://schemas.microsoft.com/office/drawing/2014/main" xmlns="" id="{5DCE3DA5-C000-4DAD-8FCD-9A285AB48C83}"/>
               </a:ext>
             </a:extLst>
           </p:cNvPr>
@@ -25687,7 +25687,7 @@
           <p:cNvPr id="45" name="Freeform: Shape 44">
             <a:extLst>
               <a:ext uri="{FF2B5EF4-FFF2-40B4-BE49-F238E27FC236}">
-                <a16:creationId xmlns:a16="http://schemas.microsoft.com/office/drawing/2014/main" id="{EAE88C29-9AC8-4A6D-9141-98B2210C7466}"/>
+                <a16:creationId xmlns:a16="http://schemas.microsoft.com/office/drawing/2014/main" xmlns="" id="{EAE88C29-9AC8-4A6D-9141-98B2210C7466}"/>
               </a:ext>
             </a:extLst>
           </p:cNvPr>
@@ -25795,7 +25795,7 @@
           <p:cNvPr id="24" name="Oval 23">
             <a:extLst>
               <a:ext uri="{FF2B5EF4-FFF2-40B4-BE49-F238E27FC236}">
-                <a16:creationId xmlns:a16="http://schemas.microsoft.com/office/drawing/2014/main" id="{7F8CA5B8-0BAD-4554-87FE-E0910E6CD5C5}"/>
+                <a16:creationId xmlns:a16="http://schemas.microsoft.com/office/drawing/2014/main" xmlns="" id="{7F8CA5B8-0BAD-4554-87FE-E0910E6CD5C5}"/>
               </a:ext>
             </a:extLst>
           </p:cNvPr>
@@ -25847,7 +25847,7 @@
           <p:cNvPr id="25" name="Graphic 12">
             <a:extLst>
               <a:ext uri="{FF2B5EF4-FFF2-40B4-BE49-F238E27FC236}">
-                <a16:creationId xmlns:a16="http://schemas.microsoft.com/office/drawing/2014/main" id="{12CBB0CF-5FCC-4507-BD7B-C02386D2A23C}"/>
+                <a16:creationId xmlns:a16="http://schemas.microsoft.com/office/drawing/2014/main" xmlns="" id="{12CBB0CF-5FCC-4507-BD7B-C02386D2A23C}"/>
               </a:ext>
             </a:extLst>
           </p:cNvPr>
@@ -25964,7 +25964,7 @@
           <p:cNvPr id="2" name="Title 1">
             <a:extLst>
               <a:ext uri="{FF2B5EF4-FFF2-40B4-BE49-F238E27FC236}">
-                <a16:creationId xmlns:a16="http://schemas.microsoft.com/office/drawing/2014/main" id="{0B9CB2BB-1ED9-489E-8AC7-2A8D8459E388}"/>
+                <a16:creationId xmlns:a16="http://schemas.microsoft.com/office/drawing/2014/main" xmlns="" id="{0B9CB2BB-1ED9-489E-8AC7-2A8D8459E388}"/>
               </a:ext>
             </a:extLst>
           </p:cNvPr>
@@ -26006,7 +26006,7 @@
           <p:cNvPr id="6" name="Footer Placeholder 5">
             <a:extLst>
               <a:ext uri="{FF2B5EF4-FFF2-40B4-BE49-F238E27FC236}">
-                <a16:creationId xmlns:a16="http://schemas.microsoft.com/office/drawing/2014/main" id="{FC208BCD-3B7E-49DF-8BF5-68AE9DD7D786}"/>
+                <a16:creationId xmlns:a16="http://schemas.microsoft.com/office/drawing/2014/main" xmlns="" id="{FC208BCD-3B7E-49DF-8BF5-68AE9DD7D786}"/>
               </a:ext>
             </a:extLst>
           </p:cNvPr>
@@ -26043,7 +26043,7 @@
           <p:cNvPr id="7" name="Slide Number Placeholder 6">
             <a:extLst>
               <a:ext uri="{FF2B5EF4-FFF2-40B4-BE49-F238E27FC236}">
-                <a16:creationId xmlns:a16="http://schemas.microsoft.com/office/drawing/2014/main" id="{B41517C1-CBB7-46B0-99AA-8512104026B7}"/>
+                <a16:creationId xmlns:a16="http://schemas.microsoft.com/office/drawing/2014/main" xmlns="" id="{B41517C1-CBB7-46B0-99AA-8512104026B7}"/>
               </a:ext>
             </a:extLst>
           </p:cNvPr>
@@ -26072,7 +26072,7 @@
           <p:cNvPr id="21" name="Text Placeholder 26">
             <a:extLst>
               <a:ext uri="{FF2B5EF4-FFF2-40B4-BE49-F238E27FC236}">
-                <a16:creationId xmlns:a16="http://schemas.microsoft.com/office/drawing/2014/main" id="{78B29DA7-7E72-4576-8F68-91B70D11C8FD}"/>
+                <a16:creationId xmlns:a16="http://schemas.microsoft.com/office/drawing/2014/main" xmlns="" id="{78B29DA7-7E72-4576-8F68-91B70D11C8FD}"/>
               </a:ext>
             </a:extLst>
           </p:cNvPr>
@@ -26129,7 +26129,7 @@
           <p:cNvPr id="22" name="Graphic 21">
             <a:extLst>
               <a:ext uri="{FF2B5EF4-FFF2-40B4-BE49-F238E27FC236}">
-                <a16:creationId xmlns:a16="http://schemas.microsoft.com/office/drawing/2014/main" id="{B091E01B-B80B-4194-AC2B-41043EC597D2}"/>
+                <a16:creationId xmlns:a16="http://schemas.microsoft.com/office/drawing/2014/main" xmlns="" id="{B091E01B-B80B-4194-AC2B-41043EC597D2}"/>
               </a:ext>
             </a:extLst>
           </p:cNvPr>
@@ -26142,7 +26142,7 @@
           <a:blip r:embed="rId2">
             <a:extLst>
               <a:ext uri="{96DAC541-7B7A-43D3-8B79-37D633B846F1}">
-                <asvg:svgBlip xmlns:asvg="http://schemas.microsoft.com/office/drawing/2016/SVG/main" xmlns="" r:embed="rId3"/>
+                <asvg:svgBlip xmlns="" xmlns:asvg="http://schemas.microsoft.com/office/drawing/2016/SVG/main" r:embed="rId3"/>
               </a:ext>
             </a:extLst>
           </a:blip>
@@ -26165,7 +26165,7 @@
           <p:cNvPr id="40" name="Freeform: Shape 39">
             <a:extLst>
               <a:ext uri="{FF2B5EF4-FFF2-40B4-BE49-F238E27FC236}">
-                <a16:creationId xmlns:a16="http://schemas.microsoft.com/office/drawing/2014/main" id="{FBE26926-54A6-49D3-95EA-F31F133A0E3B}"/>
+                <a16:creationId xmlns:a16="http://schemas.microsoft.com/office/drawing/2014/main" xmlns="" id="{FBE26926-54A6-49D3-95EA-F31F133A0E3B}"/>
               </a:ext>
             </a:extLst>
           </p:cNvPr>
@@ -26260,7 +26260,7 @@
           <p:cNvPr id="41" name="Freeform: Shape 40">
             <a:extLst>
               <a:ext uri="{FF2B5EF4-FFF2-40B4-BE49-F238E27FC236}">
-                <a16:creationId xmlns:a16="http://schemas.microsoft.com/office/drawing/2014/main" id="{C3AFCA09-1411-4603-AEED-DBD79C4BE2CA}"/>
+                <a16:creationId xmlns:a16="http://schemas.microsoft.com/office/drawing/2014/main" xmlns="" id="{C3AFCA09-1411-4603-AEED-DBD79C4BE2CA}"/>
               </a:ext>
             </a:extLst>
           </p:cNvPr>
@@ -26405,7 +26405,7 @@
           <p:cNvPr id="42" name="Freeform: Shape 41">
             <a:extLst>
               <a:ext uri="{FF2B5EF4-FFF2-40B4-BE49-F238E27FC236}">
-                <a16:creationId xmlns:a16="http://schemas.microsoft.com/office/drawing/2014/main" id="{7E4E0103-B430-4F31-B26F-21E197A41135}"/>
+                <a16:creationId xmlns:a16="http://schemas.microsoft.com/office/drawing/2014/main" xmlns="" id="{7E4E0103-B430-4F31-B26F-21E197A41135}"/>
               </a:ext>
             </a:extLst>
           </p:cNvPr>
@@ -26623,7 +26623,7 @@
           <p:cNvPr id="44" name="Freeform: Shape 43">
             <a:extLst>
               <a:ext uri="{FF2B5EF4-FFF2-40B4-BE49-F238E27FC236}">
-                <a16:creationId xmlns:a16="http://schemas.microsoft.com/office/drawing/2014/main" id="{65525C01-736F-4E07-B20A-72ABE0F38C9F}"/>
+                <a16:creationId xmlns:a16="http://schemas.microsoft.com/office/drawing/2014/main" xmlns="" id="{65525C01-736F-4E07-B20A-72ABE0F38C9F}"/>
               </a:ext>
             </a:extLst>
           </p:cNvPr>
@@ -26833,7 +26833,7 @@
           <p:cNvPr id="48" name="Freeform: Shape 47">
             <a:extLst>
               <a:ext uri="{FF2B5EF4-FFF2-40B4-BE49-F238E27FC236}">
-                <a16:creationId xmlns:a16="http://schemas.microsoft.com/office/drawing/2014/main" id="{49472789-B79C-464F-9D88-E51F8B5062D3}"/>
+                <a16:creationId xmlns:a16="http://schemas.microsoft.com/office/drawing/2014/main" xmlns="" id="{49472789-B79C-464F-9D88-E51F8B5062D3}"/>
               </a:ext>
             </a:extLst>
           </p:cNvPr>
@@ -27097,7 +27097,7 @@
           <p:cNvPr id="25" name="Oval 24">
             <a:extLst>
               <a:ext uri="{FF2B5EF4-FFF2-40B4-BE49-F238E27FC236}">
-                <a16:creationId xmlns:a16="http://schemas.microsoft.com/office/drawing/2014/main" id="{DD823940-1850-4484-BDCE-3D9B898D6787}"/>
+                <a16:creationId xmlns:a16="http://schemas.microsoft.com/office/drawing/2014/main" xmlns="" id="{DD823940-1850-4484-BDCE-3D9B898D6787}"/>
               </a:ext>
             </a:extLst>
           </p:cNvPr>
@@ -27149,7 +27149,7 @@
           <p:cNvPr id="26" name="Graphic 12">
             <a:extLst>
               <a:ext uri="{FF2B5EF4-FFF2-40B4-BE49-F238E27FC236}">
-                <a16:creationId xmlns:a16="http://schemas.microsoft.com/office/drawing/2014/main" id="{6FFA8582-48C8-4154-ACF0-5F6412FAAE0C}"/>
+                <a16:creationId xmlns:a16="http://schemas.microsoft.com/office/drawing/2014/main" xmlns="" id="{6FFA8582-48C8-4154-ACF0-5F6412FAAE0C}"/>
               </a:ext>
             </a:extLst>
           </p:cNvPr>
@@ -27266,7 +27266,7 @@
           <p:cNvPr id="8" name="Media Placeholder 7">
             <a:extLst>
               <a:ext uri="{FF2B5EF4-FFF2-40B4-BE49-F238E27FC236}">
-                <a16:creationId xmlns:a16="http://schemas.microsoft.com/office/drawing/2014/main" id="{FBCC61A6-FEB7-4CD2-9686-FB5F1EB66A10}"/>
+                <a16:creationId xmlns:a16="http://schemas.microsoft.com/office/drawing/2014/main" xmlns="" id="{FBCC61A6-FEB7-4CD2-9686-FB5F1EB66A10}"/>
               </a:ext>
             </a:extLst>
           </p:cNvPr>
@@ -27314,7 +27314,7 @@
           <p:cNvPr id="6" name="Footer Placeholder 5">
             <a:extLst>
               <a:ext uri="{FF2B5EF4-FFF2-40B4-BE49-F238E27FC236}">
-                <a16:creationId xmlns:a16="http://schemas.microsoft.com/office/drawing/2014/main" id="{FC208BCD-3B7E-49DF-8BF5-68AE9DD7D786}"/>
+                <a16:creationId xmlns:a16="http://schemas.microsoft.com/office/drawing/2014/main" xmlns="" id="{FC208BCD-3B7E-49DF-8BF5-68AE9DD7D786}"/>
               </a:ext>
             </a:extLst>
           </p:cNvPr>
@@ -27351,7 +27351,7 @@
           <p:cNvPr id="7" name="Slide Number Placeholder 6">
             <a:extLst>
               <a:ext uri="{FF2B5EF4-FFF2-40B4-BE49-F238E27FC236}">
-                <a16:creationId xmlns:a16="http://schemas.microsoft.com/office/drawing/2014/main" id="{B41517C1-CBB7-46B0-99AA-8512104026B7}"/>
+                <a16:creationId xmlns:a16="http://schemas.microsoft.com/office/drawing/2014/main" xmlns="" id="{B41517C1-CBB7-46B0-99AA-8512104026B7}"/>
               </a:ext>
             </a:extLst>
           </p:cNvPr>
@@ -27380,7 +27380,7 @@
           <p:cNvPr id="11" name="Freeform: Shape 10">
             <a:extLst>
               <a:ext uri="{FF2B5EF4-FFF2-40B4-BE49-F238E27FC236}">
-                <a16:creationId xmlns:a16="http://schemas.microsoft.com/office/drawing/2014/main" id="{B8EAB5B0-43C3-4F9F-98FF-253CBE6C9668}"/>
+                <a16:creationId xmlns:a16="http://schemas.microsoft.com/office/drawing/2014/main" xmlns="" id="{B8EAB5B0-43C3-4F9F-98FF-253CBE6C9668}"/>
               </a:ext>
             </a:extLst>
           </p:cNvPr>
@@ -27525,7 +27525,7 @@
           <p:cNvPr id="15" name="Freeform: Shape 14">
             <a:extLst>
               <a:ext uri="{FF2B5EF4-FFF2-40B4-BE49-F238E27FC236}">
-                <a16:creationId xmlns:a16="http://schemas.microsoft.com/office/drawing/2014/main" id="{06A97B71-3A84-4844-BDB5-E3F77302BBC0}"/>
+                <a16:creationId xmlns:a16="http://schemas.microsoft.com/office/drawing/2014/main" xmlns="" id="{06A97B71-3A84-4844-BDB5-E3F77302BBC0}"/>
               </a:ext>
             </a:extLst>
           </p:cNvPr>
@@ -27633,7 +27633,7 @@
           <p:cNvPr id="16" name="Freeform: Shape 15">
             <a:extLst>
               <a:ext uri="{FF2B5EF4-FFF2-40B4-BE49-F238E27FC236}">
-                <a16:creationId xmlns:a16="http://schemas.microsoft.com/office/drawing/2014/main" id="{030939C4-65C9-4508-8EFE-F715B9946844}"/>
+                <a16:creationId xmlns:a16="http://schemas.microsoft.com/office/drawing/2014/main" xmlns="" id="{030939C4-65C9-4508-8EFE-F715B9946844}"/>
               </a:ext>
             </a:extLst>
           </p:cNvPr>
@@ -27843,7 +27843,7 @@
           <p:cNvPr id="17" name="Freeform: Shape 16">
             <a:extLst>
               <a:ext uri="{FF2B5EF4-FFF2-40B4-BE49-F238E27FC236}">
-                <a16:creationId xmlns:a16="http://schemas.microsoft.com/office/drawing/2014/main" id="{759BB951-621D-4456-A832-116187764B2E}"/>
+                <a16:creationId xmlns:a16="http://schemas.microsoft.com/office/drawing/2014/main" xmlns="" id="{759BB951-621D-4456-A832-116187764B2E}"/>
               </a:ext>
             </a:extLst>
           </p:cNvPr>
@@ -27959,7 +27959,7 @@
           <p:cNvPr id="18" name="Freeform: Shape 17">
             <a:extLst>
               <a:ext uri="{FF2B5EF4-FFF2-40B4-BE49-F238E27FC236}">
-                <a16:creationId xmlns:a16="http://schemas.microsoft.com/office/drawing/2014/main" id="{3F8008CE-2F0A-4568-9C4A-C347A4880513}"/>
+                <a16:creationId xmlns:a16="http://schemas.microsoft.com/office/drawing/2014/main" xmlns="" id="{3F8008CE-2F0A-4568-9C4A-C347A4880513}"/>
               </a:ext>
             </a:extLst>
           </p:cNvPr>
@@ -28195,7 +28195,7 @@
           <p:cNvPr id="19" name="Title 2">
             <a:extLst>
               <a:ext uri="{FF2B5EF4-FFF2-40B4-BE49-F238E27FC236}">
-                <a16:creationId xmlns:a16="http://schemas.microsoft.com/office/drawing/2014/main" id="{3A926948-B9C1-4E84-AF0F-40965A132C47}"/>
+                <a16:creationId xmlns:a16="http://schemas.microsoft.com/office/drawing/2014/main" xmlns="" id="{3A926948-B9C1-4E84-AF0F-40965A132C47}"/>
               </a:ext>
             </a:extLst>
           </p:cNvPr>
@@ -28242,7 +28242,7 @@
           <p:cNvPr id="10" name="Group 9">
             <a:extLst>
               <a:ext uri="{FF2B5EF4-FFF2-40B4-BE49-F238E27FC236}">
-                <a16:creationId xmlns:a16="http://schemas.microsoft.com/office/drawing/2014/main" id="{223A17C7-5A8B-4D9D-AC8A-2486018F3FB8}"/>
+                <a16:creationId xmlns:a16="http://schemas.microsoft.com/office/drawing/2014/main" xmlns="" id="{223A17C7-5A8B-4D9D-AC8A-2486018F3FB8}"/>
               </a:ext>
             </a:extLst>
           </p:cNvPr>
@@ -28262,7 +28262,7 @@
             <p:cNvPr id="3" name="Freeform: Shape 2">
               <a:extLst>
                 <a:ext uri="{FF2B5EF4-FFF2-40B4-BE49-F238E27FC236}">
-                  <a16:creationId xmlns:a16="http://schemas.microsoft.com/office/drawing/2014/main" id="{C42001FF-B76E-4445-BDE5-6BFAD41EBBD4}"/>
+                  <a16:creationId xmlns:a16="http://schemas.microsoft.com/office/drawing/2014/main" xmlns="" id="{C42001FF-B76E-4445-BDE5-6BFAD41EBBD4}"/>
                 </a:ext>
               </a:extLst>
             </p:cNvPr>
@@ -28370,7 +28370,7 @@
             <p:cNvPr id="4" name="Freeform: Shape 3">
               <a:extLst>
                 <a:ext uri="{FF2B5EF4-FFF2-40B4-BE49-F238E27FC236}">
-                  <a16:creationId xmlns:a16="http://schemas.microsoft.com/office/drawing/2014/main" id="{55EB89C3-8B52-4763-9DB2-C51CC8AF377C}"/>
+                  <a16:creationId xmlns:a16="http://schemas.microsoft.com/office/drawing/2014/main" xmlns="" id="{55EB89C3-8B52-4763-9DB2-C51CC8AF377C}"/>
                 </a:ext>
               </a:extLst>
             </p:cNvPr>
@@ -28568,7 +28568,7 @@
             <p:cNvPr id="5" name="Freeform: Shape 4">
               <a:extLst>
                 <a:ext uri="{FF2B5EF4-FFF2-40B4-BE49-F238E27FC236}">
-                  <a16:creationId xmlns:a16="http://schemas.microsoft.com/office/drawing/2014/main" id="{8F230BC5-B028-4266-A395-BFB56DFDC484}"/>
+                  <a16:creationId xmlns:a16="http://schemas.microsoft.com/office/drawing/2014/main" xmlns="" id="{8F230BC5-B028-4266-A395-BFB56DFDC484}"/>
                 </a:ext>
               </a:extLst>
             </p:cNvPr>
@@ -28676,7 +28676,7 @@
             <p:cNvPr id="9" name="Freeform: Shape 8">
               <a:extLst>
                 <a:ext uri="{FF2B5EF4-FFF2-40B4-BE49-F238E27FC236}">
-                  <a16:creationId xmlns:a16="http://schemas.microsoft.com/office/drawing/2014/main" id="{5A52C234-DC7D-488B-8975-61485991A4A8}"/>
+                  <a16:creationId xmlns:a16="http://schemas.microsoft.com/office/drawing/2014/main" xmlns="" id="{5A52C234-DC7D-488B-8975-61485991A4A8}"/>
                 </a:ext>
               </a:extLst>
             </p:cNvPr>
@@ -28872,7 +28872,7 @@
           <p:cNvPr id="2" name="Title Placeholder 1">
             <a:extLst>
               <a:ext uri="{FF2B5EF4-FFF2-40B4-BE49-F238E27FC236}">
-                <a16:creationId xmlns:a16="http://schemas.microsoft.com/office/drawing/2014/main" id="{A8DB6A3A-74E6-4FE2-8AD2-CEB070447182}"/>
+                <a16:creationId xmlns:a16="http://schemas.microsoft.com/office/drawing/2014/main" xmlns="" id="{A8DB6A3A-74E6-4FE2-8AD2-CEB070447182}"/>
               </a:ext>
             </a:extLst>
           </p:cNvPr>
@@ -28911,7 +28911,7 @@
           <p:cNvPr id="3" name="Text Placeholder 2">
             <a:extLst>
               <a:ext uri="{FF2B5EF4-FFF2-40B4-BE49-F238E27FC236}">
-                <a16:creationId xmlns:a16="http://schemas.microsoft.com/office/drawing/2014/main" id="{2C0128AA-FDF4-4DD5-A009-3C58D24570F2}"/>
+                <a16:creationId xmlns:a16="http://schemas.microsoft.com/office/drawing/2014/main" xmlns="" id="{2C0128AA-FDF4-4DD5-A009-3C58D24570F2}"/>
               </a:ext>
             </a:extLst>
           </p:cNvPr>
@@ -28979,7 +28979,7 @@
           <p:cNvPr id="4" name="Date Placeholder 3">
             <a:extLst>
               <a:ext uri="{FF2B5EF4-FFF2-40B4-BE49-F238E27FC236}">
-                <a16:creationId xmlns:a16="http://schemas.microsoft.com/office/drawing/2014/main" id="{BB1C2DC0-7E13-4A66-9F9B-371BA9C6E4F1}"/>
+                <a16:creationId xmlns:a16="http://schemas.microsoft.com/office/drawing/2014/main" xmlns="" id="{BB1C2DC0-7E13-4A66-9F9B-371BA9C6E4F1}"/>
               </a:ext>
             </a:extLst>
           </p:cNvPr>
@@ -29025,7 +29025,7 @@
           <p:cNvPr id="6" name="Slide Number Placeholder 5">
             <a:extLst>
               <a:ext uri="{FF2B5EF4-FFF2-40B4-BE49-F238E27FC236}">
-                <a16:creationId xmlns:a16="http://schemas.microsoft.com/office/drawing/2014/main" id="{9475097E-EB08-4475-9112-275B8402794C}"/>
+                <a16:creationId xmlns:a16="http://schemas.microsoft.com/office/drawing/2014/main" xmlns="" id="{9475097E-EB08-4475-9112-275B8402794C}"/>
               </a:ext>
             </a:extLst>
           </p:cNvPr>
@@ -29071,7 +29071,7 @@
           <p:cNvPr id="11" name="Footer Placeholder 4">
             <a:extLst>
               <a:ext uri="{FF2B5EF4-FFF2-40B4-BE49-F238E27FC236}">
-                <a16:creationId xmlns:a16="http://schemas.microsoft.com/office/drawing/2014/main" id="{1F296578-6D40-435B-861E-0904DDC10B7C}"/>
+                <a16:creationId xmlns:a16="http://schemas.microsoft.com/office/drawing/2014/main" xmlns="" id="{1F296578-6D40-435B-861E-0904DDC10B7C}"/>
               </a:ext>
             </a:extLst>
           </p:cNvPr>
@@ -29431,7 +29431,7 @@
   </p:txStyles>
   <p:extLst mod="1">
     <p:ext uri="{27BBF7A9-308A-43DC-89C8-2F10F3537804}">
-      <p15:sldGuideLst xmlns:p15="http://schemas.microsoft.com/office/powerpoint/2012/main">
+      <p15:sldGuideLst xmlns:p15="http://schemas.microsoft.com/office/powerpoint/2012/main" xmlns="">
         <p15:guide id="1" orient="horz" pos="572" userDrawn="1">
           <p15:clr>
             <a:srgbClr val="F26B43"/>
@@ -29500,7 +29500,7 @@
           <p:cNvPr id="2" name="Title 1">
             <a:extLst>
               <a:ext uri="{FF2B5EF4-FFF2-40B4-BE49-F238E27FC236}">
-                <a16:creationId xmlns:a16="http://schemas.microsoft.com/office/drawing/2014/main" id="{0264C9CC-E38A-467A-8F1C-459375F5EDFF}"/>
+                <a16:creationId xmlns:a16="http://schemas.microsoft.com/office/drawing/2014/main" xmlns="" id="{0264C9CC-E38A-467A-8F1C-459375F5EDFF}"/>
               </a:ext>
             </a:extLst>
           </p:cNvPr>
@@ -29597,8 +29597,71 @@
                   </a:schemeClr>
                 </a:solidFill>
               </a:rPr>
-              <a:t>Yomna Ahmed Fawzy.</a:t>
+              <a:t>Yomna Ahmed </a:t>
             </a:r>
+            <a:r>
+              <a:rPr lang="en-US" sz="2400" dirty="0" err="1">
+                <a:solidFill>
+                  <a:schemeClr val="accent3">
+                    <a:lumMod val="75000"/>
+                  </a:schemeClr>
+                </a:solidFill>
+              </a:rPr>
+              <a:t>Fawzy</a:t>
+            </a:r>
+            <a:r>
+              <a:rPr lang="en-US" sz="2400" dirty="0" smtClean="0">
+                <a:solidFill>
+                  <a:schemeClr val="accent3">
+                    <a:lumMod val="75000"/>
+                  </a:schemeClr>
+                </a:solidFill>
+              </a:rPr>
+              <a:t>.</a:t>
+            </a:r>
+          </a:p>
+          <a:p>
+            <a:pPr marL="285750" indent="-285750">
+              <a:buFont typeface="Arial" panose="020B0604020202020204" pitchFamily="34" charset="0"/>
+              <a:buChar char="•"/>
+            </a:pPr>
+            <a:r>
+              <a:rPr lang="en-US" sz="2400" dirty="0" smtClean="0">
+                <a:solidFill>
+                  <a:schemeClr val="accent3">
+                    <a:lumMod val="75000"/>
+                  </a:schemeClr>
+                </a:solidFill>
+              </a:rPr>
+              <a:t>Mohammed </a:t>
+            </a:r>
+            <a:r>
+              <a:rPr lang="en-US" sz="2400" dirty="0" err="1" smtClean="0">
+                <a:solidFill>
+                  <a:schemeClr val="accent3">
+                    <a:lumMod val="75000"/>
+                  </a:schemeClr>
+                </a:solidFill>
+              </a:rPr>
+              <a:t>Mohammed</a:t>
+            </a:r>
+            <a:r>
+              <a:rPr lang="en-US" sz="2400" smtClean="0">
+                <a:solidFill>
+                  <a:schemeClr val="accent3">
+                    <a:lumMod val="75000"/>
+                  </a:schemeClr>
+                </a:solidFill>
+              </a:rPr>
+              <a:t> Ashraf</a:t>
+            </a:r>
+            <a:endParaRPr lang="en-US" sz="2400" dirty="0">
+              <a:solidFill>
+                <a:schemeClr val="accent3">
+                  <a:lumMod val="75000"/>
+                </a:schemeClr>
+              </a:solidFill>
+            </a:endParaRPr>
           </a:p>
           <a:p>
             <a:endParaRPr lang="en-US" sz="2400" dirty="0"/>
@@ -29669,7 +29732,7 @@
           <p:cNvPr id="4" name="Title 3">
             <a:extLst>
               <a:ext uri="{FF2B5EF4-FFF2-40B4-BE49-F238E27FC236}">
-                <a16:creationId xmlns:a16="http://schemas.microsoft.com/office/drawing/2014/main" id="{AEBC1A8D-E693-4704-8E11-5AAB4B40BAEF}"/>
+                <a16:creationId xmlns:a16="http://schemas.microsoft.com/office/drawing/2014/main" xmlns="" id="{AEBC1A8D-E693-4704-8E11-5AAB4B40BAEF}"/>
               </a:ext>
             </a:extLst>
           </p:cNvPr>
@@ -29698,7 +29761,7 @@
           <p:cNvPr id="5" name="Subtitle 4">
             <a:extLst>
               <a:ext uri="{FF2B5EF4-FFF2-40B4-BE49-F238E27FC236}">
-                <a16:creationId xmlns:a16="http://schemas.microsoft.com/office/drawing/2014/main" id="{18F92ECC-81D7-46DF-AF27-3388655CE442}"/>
+                <a16:creationId xmlns:a16="http://schemas.microsoft.com/office/drawing/2014/main" xmlns="" id="{18F92ECC-81D7-46DF-AF27-3388655CE442}"/>
               </a:ext>
             </a:extLst>
           </p:cNvPr>
@@ -29763,7 +29826,7 @@
           <p:cNvPr id="12" name="Slide Number Placeholder 11">
             <a:extLst>
               <a:ext uri="{FF2B5EF4-FFF2-40B4-BE49-F238E27FC236}">
-                <a16:creationId xmlns:a16="http://schemas.microsoft.com/office/drawing/2014/main" id="{B5E4C005-CB50-4CBB-83F0-3393A7AC6211}"/>
+                <a16:creationId xmlns:a16="http://schemas.microsoft.com/office/drawing/2014/main" xmlns="" id="{B5E4C005-CB50-4CBB-83F0-3393A7AC6211}"/>
               </a:ext>
             </a:extLst>
           </p:cNvPr>
@@ -29823,7 +29886,7 @@
           <p:cNvPr id="7" name="Slide Number Placeholder 6">
             <a:extLst>
               <a:ext uri="{FF2B5EF4-FFF2-40B4-BE49-F238E27FC236}">
-                <a16:creationId xmlns:a16="http://schemas.microsoft.com/office/drawing/2014/main" id="{2E6A3C64-206A-47DC-8E31-F719E356D26D}"/>
+                <a16:creationId xmlns:a16="http://schemas.microsoft.com/office/drawing/2014/main" xmlns="" id="{2E6A3C64-206A-47DC-8E31-F719E356D26D}"/>
               </a:ext>
             </a:extLst>
           </p:cNvPr>
@@ -29985,7 +30048,7 @@
           <p:cNvPr id="4" name="Slide Number Placeholder 3">
             <a:extLst>
               <a:ext uri="{FF2B5EF4-FFF2-40B4-BE49-F238E27FC236}">
-                <a16:creationId xmlns:a16="http://schemas.microsoft.com/office/drawing/2014/main" id="{9DFFC05B-6738-42DC-8BE6-C9279D17A4F6}"/>
+                <a16:creationId xmlns:a16="http://schemas.microsoft.com/office/drawing/2014/main" xmlns="" id="{9DFFC05B-6738-42DC-8BE6-C9279D17A4F6}"/>
               </a:ext>
             </a:extLst>
           </p:cNvPr>
@@ -30015,7 +30078,7 @@
           <p:cNvPr id="2" name="Title 1">
             <a:extLst>
               <a:ext uri="{FF2B5EF4-FFF2-40B4-BE49-F238E27FC236}">
-                <a16:creationId xmlns:a16="http://schemas.microsoft.com/office/drawing/2014/main" id="{64F79B87-4AA7-436A-A28E-213168C1C67B}"/>
+                <a16:creationId xmlns:a16="http://schemas.microsoft.com/office/drawing/2014/main" xmlns="" id="{64F79B87-4AA7-436A-A28E-213168C1C67B}"/>
               </a:ext>
             </a:extLst>
           </p:cNvPr>
@@ -30080,7 +30143,7 @@
           <p:cNvPr id="24" name="Text Placeholder 23">
             <a:extLst>
               <a:ext uri="{FF2B5EF4-FFF2-40B4-BE49-F238E27FC236}">
-                <a16:creationId xmlns:a16="http://schemas.microsoft.com/office/drawing/2014/main" id="{DA95CB00-346A-4BCB-AB0E-28FBDAD2E1ED}"/>
+                <a16:creationId xmlns:a16="http://schemas.microsoft.com/office/drawing/2014/main" xmlns="" id="{DA95CB00-346A-4BCB-AB0E-28FBDAD2E1ED}"/>
               </a:ext>
             </a:extLst>
           </p:cNvPr>
@@ -30154,7 +30217,7 @@
           <p:cNvPr id="2" name="Title 1">
             <a:extLst>
               <a:ext uri="{FF2B5EF4-FFF2-40B4-BE49-F238E27FC236}">
-                <a16:creationId xmlns:a16="http://schemas.microsoft.com/office/drawing/2014/main" id="{F8139155-1F5E-4F48-B50E-F00D8FC535D9}"/>
+                <a16:creationId xmlns:a16="http://schemas.microsoft.com/office/drawing/2014/main" xmlns="" id="{F8139155-1F5E-4F48-B50E-F00D8FC535D9}"/>
               </a:ext>
             </a:extLst>
           </p:cNvPr>
@@ -30279,7 +30342,7 @@
           <p:cNvPr id="4" name="Slide Number Placeholder 3">
             <a:extLst>
               <a:ext uri="{FF2B5EF4-FFF2-40B4-BE49-F238E27FC236}">
-                <a16:creationId xmlns:a16="http://schemas.microsoft.com/office/drawing/2014/main" id="{BEDAECDC-7310-4573-BE1D-3F708C83049D}"/>
+                <a16:creationId xmlns:a16="http://schemas.microsoft.com/office/drawing/2014/main" xmlns="" id="{BEDAECDC-7310-4573-BE1D-3F708C83049D}"/>
               </a:ext>
             </a:extLst>
           </p:cNvPr>
@@ -30424,7 +30487,7 @@
           <p:cNvPr id="2" name="Title 1">
             <a:extLst>
               <a:ext uri="{FF2B5EF4-FFF2-40B4-BE49-F238E27FC236}">
-                <a16:creationId xmlns:a16="http://schemas.microsoft.com/office/drawing/2014/main" id="{DE4D24B6-BECF-4BE6-9971-53768392C0BB}"/>
+                <a16:creationId xmlns:a16="http://schemas.microsoft.com/office/drawing/2014/main" xmlns="" id="{DE4D24B6-BECF-4BE6-9971-53768392C0BB}"/>
               </a:ext>
             </a:extLst>
           </p:cNvPr>
@@ -30689,7 +30752,7 @@
   <a:extraClrSchemeLst/>
   <a:extLst>
     <a:ext uri="{05A4C25C-085E-4340-85A3-A5531E510DB2}">
-      <thm15:themeFamily xmlns:thm15="http://schemas.microsoft.com/office/thememl/2012/main" name="NBPL_Fun_MO - v6" id="{A0D08BF4-A6B2-4810-A990-861B25D0A27E}" vid="{9CA1A813-01EE-4EED-9E0D-BBBA258A4E37}"/>
+      <thm15:themeFamily xmlns:thm15="http://schemas.microsoft.com/office/thememl/2012/main" xmlns="" name="NBPL_Fun_MO - v6" id="{A0D08BF4-A6B2-4810-A990-861B25D0A27E}" vid="{9CA1A813-01EE-4EED-9E0D-BBBA258A4E37}"/>
     </a:ext>
   </a:extLst>
 </a:theme>
@@ -30738,7 +30801,7 @@
     </a:clrScheme>
     <a:fontScheme name="Office">
       <a:majorFont>
-        <a:latin typeface="Calibri Light" panose="020F0302020204030204"/>
+        <a:latin typeface="Calibri Light"/>
         <a:ea typeface=""/>
         <a:cs typeface=""/>
         <a:font script="Jpan" typeface="游ゴシック Light"/>
@@ -30790,7 +30853,7 @@
         <a:font script="Tfng" typeface="Ebrima"/>
       </a:majorFont>
       <a:minorFont>
-        <a:latin typeface="Calibri" panose="020F0502020204030204"/>
+        <a:latin typeface="Calibri"/>
         <a:ea typeface=""/>
         <a:cs typeface=""/>
         <a:font script="Jpan" typeface="游ゴシック"/>
@@ -30984,7 +31047,7 @@
   <a:extraClrSchemeLst/>
   <a:extLst>
     <a:ext uri="{05A4C25C-085E-4340-85A3-A5531E510DB2}">
-      <thm15:themeFamily xmlns:thm15="http://schemas.microsoft.com/office/thememl/2012/main" name="Office Theme" id="{62F939B6-93AF-4DB8-9C6B-D6C7DFDC589F}" vid="{4A3C46E8-61CC-4603-A589-7422A47A8E4A}"/>
+      <thm15:themeFamily xmlns:thm15="http://schemas.microsoft.com/office/thememl/2012/main" xmlns="" name="Office Theme" id="{62F939B6-93AF-4DB8-9C6B-D6C7DFDC589F}" vid="{4A3C46E8-61CC-4603-A589-7422A47A8E4A}"/>
     </a:ext>
   </a:extLst>
 </a:theme>
@@ -31033,7 +31096,7 @@
     </a:clrScheme>
     <a:fontScheme name="Office">
       <a:majorFont>
-        <a:latin typeface="Calibri Light" panose="020F0302020204030204"/>
+        <a:latin typeface="Calibri Light"/>
         <a:ea typeface=""/>
         <a:cs typeface=""/>
         <a:font script="Jpan" typeface="游ゴシック Light"/>
@@ -31085,7 +31148,7 @@
         <a:font script="Tfng" typeface="Ebrima"/>
       </a:majorFont>
       <a:minorFont>
-        <a:latin typeface="Calibri" panose="020F0502020204030204"/>
+        <a:latin typeface="Calibri"/>
         <a:ea typeface=""/>
         <a:cs typeface=""/>
         <a:font script="Jpan" typeface="游ゴシック"/>
@@ -31279,13 +31342,31 @@
   <a:extraClrSchemeLst/>
   <a:extLst>
     <a:ext uri="{05A4C25C-085E-4340-85A3-A5531E510DB2}">
-      <thm15:themeFamily xmlns:thm15="http://schemas.microsoft.com/office/thememl/2012/main" name="Office Theme" id="{62F939B6-93AF-4DB8-9C6B-D6C7DFDC589F}" vid="{4A3C46E8-61CC-4603-A589-7422A47A8E4A}"/>
+      <thm15:themeFamily xmlns:thm15="http://schemas.microsoft.com/office/thememl/2012/main" xmlns="" name="Office Theme" id="{62F939B6-93AF-4DB8-9C6B-D6C7DFDC589F}" vid="{4A3C46E8-61CC-4603-A589-7422A47A8E4A}"/>
     </a:ext>
   </a:extLst>
 </a:theme>
 </file>
 
 <file path=customXml/item1.xml><?xml version="1.0" encoding="utf-8"?>
+<?mso-contentType ?>
+<FormTemplates xmlns="http://schemas.microsoft.com/sharepoint/v3/contenttype/forms">
+  <Display>DocumentLibraryForm</Display>
+  <Edit>DocumentLibraryForm</Edit>
+  <New>DocumentLibraryForm</New>
+</FormTemplates>
+</file>
+
+<file path=customXml/item2.xml><?xml version="1.0" encoding="utf-8"?>
+<p:properties xmlns:p="http://schemas.microsoft.com/office/2006/metadata/properties" xmlns:xsi="http://www.w3.org/2001/XMLSchema-instance" xmlns:pc="http://schemas.microsoft.com/office/infopath/2007/PartnerControls">
+  <documentManagement>
+    <_ip_UnifiedCompliancePolicyUIAction xmlns="http://schemas.microsoft.com/sharepoint/v3" xsi:nil="true"/>
+    <_ip_UnifiedCompliancePolicyProperties xmlns="http://schemas.microsoft.com/sharepoint/v3" xsi:nil="true"/>
+  </documentManagement>
+</p:properties>
+</file>
+
+<file path=customXml/item3.xml><?xml version="1.0" encoding="utf-8"?>
 <ct:contentTypeSchema xmlns:ct="http://schemas.microsoft.com/office/2006/metadata/contentType" xmlns:ma="http://schemas.microsoft.com/office/2006/metadata/properties/metaAttributes" ct:_="" ma:_="" ma:contentTypeName="Document" ma:contentTypeID="0x010100DEEA25CC0A0AC24199CDC46C25B8B0BC" ma:contentTypeVersion="10" ma:contentTypeDescription="Create a new document." ma:contentTypeScope="" ma:versionID="e3b47856d4cf355c0dacb39e1084d14f">
   <xsd:schema xmlns:xsd="http://www.w3.org/2001/XMLSchema" xmlns:xs="http://www.w3.org/2001/XMLSchema" xmlns:p="http://schemas.microsoft.com/office/2006/metadata/properties" xmlns:ns1="http://schemas.microsoft.com/sharepoint/v3" xmlns:ns2="6dc4bcd6-49db-4c07-9060-8acfc67cef9f" xmlns:ns3="fb0879af-3eba-417a-a55a-ffe6dcd6ca77" targetNamespace="http://schemas.microsoft.com/office/2006/metadata/properties" ma:root="true" ma:fieldsID="a845a615265fdb1f7b12cc65ac20ecbd" ns1:_="" ns2:_="" ns3:_="">
     <xsd:import namespace="http://schemas.microsoft.com/sharepoint/v3"/>
@@ -31493,25 +31574,33 @@
 </ct:contentTypeSchema>
 </file>
 
-<file path=customXml/item2.xml><?xml version="1.0" encoding="utf-8"?>
-<p:properties xmlns:p="http://schemas.microsoft.com/office/2006/metadata/properties" xmlns:xsi="http://www.w3.org/2001/XMLSchema-instance" xmlns:pc="http://schemas.microsoft.com/office/infopath/2007/PartnerControls">
-  <documentManagement>
-    <_ip_UnifiedCompliancePolicyUIAction xmlns="http://schemas.microsoft.com/sharepoint/v3" xsi:nil="true"/>
-    <_ip_UnifiedCompliancePolicyProperties xmlns="http://schemas.microsoft.com/sharepoint/v3" xsi:nil="true"/>
-  </documentManagement>
-</p:properties>
+<file path=customXml/itemProps1.xml><?xml version="1.0" encoding="utf-8"?>
+<ds:datastoreItem xmlns:ds="http://schemas.openxmlformats.org/officeDocument/2006/customXml" ds:itemID="{750F309C-DE10-4641-9043-BB7E781AC404}">
+  <ds:schemaRefs>
+    <ds:schemaRef ds:uri="http://schemas.microsoft.com/sharepoint/v3/contenttype/forms"/>
+  </ds:schemaRefs>
+</ds:datastoreItem>
 </file>
 
-<file path=customXml/item3.xml><?xml version="1.0" encoding="utf-8"?>
-<?mso-contentType ?>
-<FormTemplates xmlns="http://schemas.microsoft.com/sharepoint/v3/contenttype/forms">
-  <Display>DocumentLibraryForm</Display>
-  <Edit>DocumentLibraryForm</Edit>
-  <New>DocumentLibraryForm</New>
-</FormTemplates>
+<file path=customXml/itemProps2.xml><?xml version="1.0" encoding="utf-8"?>
+<ds:datastoreItem xmlns:ds="http://schemas.openxmlformats.org/officeDocument/2006/customXml" ds:itemID="{12024DF7-0783-4549-86B7-A48B29FBA9C2}">
+  <ds:schemaRefs>
+    <ds:schemaRef ds:uri="http://schemas.microsoft.com/office/2006/documentManagement/types"/>
+    <ds:schemaRef ds:uri="http://schemas.microsoft.com/sharepoint/v3"/>
+    <ds:schemaRef ds:uri="http://purl.org/dc/dcmitype/"/>
+    <ds:schemaRef ds:uri="http://schemas.openxmlformats.org/package/2006/metadata/core-properties"/>
+    <ds:schemaRef ds:uri="6dc4bcd6-49db-4c07-9060-8acfc67cef9f"/>
+    <ds:schemaRef ds:uri="http://purl.org/dc/elements/1.1/"/>
+    <ds:schemaRef ds:uri="http://schemas.microsoft.com/office/2006/metadata/properties"/>
+    <ds:schemaRef ds:uri="fb0879af-3eba-417a-a55a-ffe6dcd6ca77"/>
+    <ds:schemaRef ds:uri="http://schemas.microsoft.com/office/infopath/2007/PartnerControls"/>
+    <ds:schemaRef ds:uri="http://www.w3.org/XML/1998/namespace"/>
+    <ds:schemaRef ds:uri="http://purl.org/dc/terms/"/>
+  </ds:schemaRefs>
+</ds:datastoreItem>
 </file>
 
-<file path=customXml/itemProps1.xml><?xml version="1.0" encoding="utf-8"?>
+<file path=customXml/itemProps3.xml><?xml version="1.0" encoding="utf-8"?>
 <ds:datastoreItem xmlns:ds="http://schemas.openxmlformats.org/officeDocument/2006/customXml" ds:itemID="{A6393BED-762D-4FA3-96CF-866F426A043C}">
   <ds:schemaRefs>
     <ds:schemaRef ds:uri="http://schemas.microsoft.com/office/2006/metadata/contentType"/>
@@ -31529,30 +31618,4 @@
     <ds:schemaRef ds:uri="http://schemas.microsoft.com/internal/obd"/>
   </ds:schemaRefs>
 </ds:datastoreItem>
-</file>
-
-<file path=customXml/itemProps2.xml><?xml version="1.0" encoding="utf-8"?>
-<ds:datastoreItem xmlns:ds="http://schemas.openxmlformats.org/officeDocument/2006/customXml" ds:itemID="{12024DF7-0783-4549-86B7-A48B29FBA9C2}">
-  <ds:schemaRefs>
-    <ds:schemaRef ds:uri="http://www.w3.org/XML/1998/namespace"/>
-    <ds:schemaRef ds:uri="6dc4bcd6-49db-4c07-9060-8acfc67cef9f"/>
-    <ds:schemaRef ds:uri="http://schemas.microsoft.com/office/2006/documentManagement/types"/>
-    <ds:schemaRef ds:uri="http://schemas.microsoft.com/office/infopath/2007/PartnerControls"/>
-    <ds:schemaRef ds:uri="http://schemas.microsoft.com/office/2006/metadata/properties"/>
-    <ds:schemaRef ds:uri="http://schemas.microsoft.com/sharepoint/v3"/>
-    <ds:schemaRef ds:uri="http://purl.org/dc/dcmitype/"/>
-    <ds:schemaRef ds:uri="http://schemas.openxmlformats.org/package/2006/metadata/core-properties"/>
-    <ds:schemaRef ds:uri="http://purl.org/dc/elements/1.1/"/>
-    <ds:schemaRef ds:uri="fb0879af-3eba-417a-a55a-ffe6dcd6ca77"/>
-    <ds:schemaRef ds:uri="http://purl.org/dc/terms/"/>
-  </ds:schemaRefs>
-</ds:datastoreItem>
-</file>
-
-<file path=customXml/itemProps3.xml><?xml version="1.0" encoding="utf-8"?>
-<ds:datastoreItem xmlns:ds="http://schemas.openxmlformats.org/officeDocument/2006/customXml" ds:itemID="{750F309C-DE10-4641-9043-BB7E781AC404}">
-  <ds:schemaRefs>
-    <ds:schemaRef ds:uri="http://schemas.microsoft.com/sharepoint/v3/contenttype/forms"/>
-  </ds:schemaRefs>
-</ds:datastoreItem>
 </file>